--- a/Misc/iOS_General.pptx
+++ b/Misc/iOS_General.pptx
@@ -5,14 +5,26 @@
     <p:sldMasterId id="2147483648" r:id="rId1"/>
   </p:sldMasterIdLst>
   <p:notesMasterIdLst>
-    <p:notesMasterId r:id="rId8"/>
+    <p:notesMasterId r:id="rId20"/>
   </p:notesMasterIdLst>
   <p:sldIdLst>
     <p:sldId id="256" r:id="rId3"/>
-    <p:sldId id="257" r:id="rId4"/>
-    <p:sldId id="258" r:id="rId5"/>
-    <p:sldId id="259" r:id="rId6"/>
-    <p:sldId id="260" r:id="rId7"/>
+    <p:sldId id="263" r:id="rId4"/>
+    <p:sldId id="262" r:id="rId5"/>
+    <p:sldId id="264" r:id="rId6"/>
+    <p:sldId id="281" r:id="rId7"/>
+    <p:sldId id="269" r:id="rId8"/>
+    <p:sldId id="267" r:id="rId9"/>
+    <p:sldId id="265" r:id="rId10"/>
+    <p:sldId id="266" r:id="rId11"/>
+    <p:sldId id="268" r:id="rId12"/>
+    <p:sldId id="270" r:id="rId13"/>
+    <p:sldId id="271" r:id="rId14"/>
+    <p:sldId id="261" r:id="rId15"/>
+    <p:sldId id="257" r:id="rId16"/>
+    <p:sldId id="258" r:id="rId17"/>
+    <p:sldId id="259" r:id="rId18"/>
+    <p:sldId id="260" r:id="rId19"/>
   </p:sldIdLst>
   <p:sldSz cx="12192000" cy="6858000"/>
   <p:notesSz cx="6858000" cy="9144000"/>
@@ -3959,15 +3971,17 @@
         </p:nvSpPr>
         <p:spPr>
           <a:xfrm>
-            <a:off x="1524000" y="5434590"/>
-            <a:ext cx="9144000" cy="376237"/>
+            <a:off x="1524000" y="5434330"/>
+            <a:ext cx="9144000" cy="930275"/>
           </a:xfrm>
           <a:prstGeom prst="rect">
             <a:avLst/>
           </a:prstGeom>
         </p:spPr>
         <p:txBody>
-          <a:bodyPr/>
+          <a:bodyPr>
+            <a:normAutofit/>
+          </a:bodyPr>
           <a:lstStyle/>
           <a:p>
             <a:r>
@@ -3976,8 +3990,10 @@
           </a:p>
           <a:p>
             <a:r>
-              <a:t>2016-1</a:t>
-            </a:r>
+              <a:rPr lang="en-US"/>
+              <a:t>Last update: 11/13/2021</a:t>
+            </a:r>
+            <a:endParaRPr lang="en-US"/>
           </a:p>
         </p:txBody>
       </p:sp>
@@ -3993,7 +4009,359 @@
 </p:sld>
 </file>
 
-<file path=ppt/slides/slide2.xml><?xml version="1.0" encoding="utf-8"?>
+<file path=ppt/slides/slide10.xml><?xml version="1.0" encoding="utf-8"?>
+<p:sld xmlns:a="http://schemas.openxmlformats.org/drawingml/2006/main" xmlns:r="http://schemas.openxmlformats.org/officeDocument/2006/relationships" xmlns:p="http://schemas.openxmlformats.org/presentationml/2006/main">
+  <p:cSld>
+    <p:spTree>
+      <p:nvGrpSpPr>
+        <p:cNvPr id="1" name=""/>
+        <p:cNvGrpSpPr/>
+        <p:nvPr/>
+      </p:nvGrpSpPr>
+      <p:grpSpPr/>
+      <p:sp>
+        <p:nvSpPr>
+          <p:cNvPr id="2" name="标题 1"/>
+          <p:cNvSpPr>
+            <a:spLocks noGrp="1"/>
+          </p:cNvSpPr>
+          <p:nvPr>
+            <p:ph type="title"/>
+          </p:nvPr>
+        </p:nvSpPr>
+        <p:spPr/>
+        <p:txBody>
+          <a:bodyPr/>
+          <a:p>
+            <a:r>
+              <a:rPr lang="en-US" altLang="zh-CN"/>
+              <a:t>FAQ</a:t>
+            </a:r>
+            <a:endParaRPr lang="en-US" altLang="zh-CN"/>
+          </a:p>
+        </p:txBody>
+      </p:sp>
+      <p:sp>
+        <p:nvSpPr>
+          <p:cNvPr id="3" name="内容占位符 2"/>
+          <p:cNvSpPr>
+            <a:spLocks noGrp="1"/>
+          </p:cNvSpPr>
+          <p:nvPr>
+            <p:ph idx="1"/>
+          </p:nvPr>
+        </p:nvSpPr>
+        <p:spPr/>
+        <p:txBody>
+          <a:bodyPr/>
+          <a:p>
+            <a:r>
+              <a:rPr lang="en-US" altLang="zh-CN"/>
+              <a:t>Legacy build system error using Unity project</a:t>
+            </a:r>
+            <a:endParaRPr lang="en-US" altLang="zh-CN"/>
+          </a:p>
+          <a:p>
+            <a:pPr lvl="1"/>
+            <a:r>
+              <a:rPr lang="en-US" altLang="zh-CN"/>
+              <a:t>File -&gt; Project Setting</a:t>
+            </a:r>
+            <a:endParaRPr lang="en-US" altLang="zh-CN"/>
+          </a:p>
+          <a:p>
+            <a:pPr lvl="2"/>
+            <a:r>
+              <a:rPr lang="en-US" altLang="zh-CN"/>
+              <a:t>Change “Build System” from “Legacy Build System (Deprecated)” to “New Build System (Default)”</a:t>
+            </a:r>
+            <a:endParaRPr lang="en-US" altLang="zh-CN"/>
+          </a:p>
+          <a:p>
+            <a:pPr lvl="0"/>
+            <a:r>
+              <a:rPr lang="en-US" altLang="zh-CN"/>
+              <a:t>mapfileparser.sh permission denied</a:t>
+            </a:r>
+            <a:endParaRPr lang="en-US" altLang="zh-CN"/>
+          </a:p>
+          <a:p>
+            <a:pPr lvl="1"/>
+            <a:r>
+              <a:rPr lang="en-US" altLang="zh-CN" sz="2000"/>
+              <a:t>Open terminal</a:t>
+            </a:r>
+            <a:endParaRPr lang="en-US" altLang="zh-CN" sz="2000"/>
+          </a:p>
+          <a:p>
+            <a:pPr lvl="1"/>
+            <a:r>
+              <a:rPr lang="en-US" altLang="zh-CN" sz="2000"/>
+              <a:t>chmod +x {}/MapFileParser.sh</a:t>
+            </a:r>
+            <a:endParaRPr lang="en-US" altLang="zh-CN" sz="2000"/>
+          </a:p>
+          <a:p>
+            <a:pPr lvl="0"/>
+            <a:r>
+              <a:rPr lang="en-US" altLang="zh-CN"/>
+              <a:t>UnityFramework.framework: errSecInternalComponent</a:t>
+            </a:r>
+            <a:endParaRPr lang="en-US" altLang="zh-CN"/>
+          </a:p>
+          <a:p>
+            <a:pPr lvl="1"/>
+            <a:r>
+              <a:rPr lang="en-US" altLang="zh-CN" sz="2000"/>
+              <a:t>When input password for login keychain, select “Always allow”</a:t>
+            </a:r>
+            <a:endParaRPr lang="en-US" altLang="zh-CN"/>
+          </a:p>
+          <a:p>
+            <a:pPr lvl="1"/>
+            <a:endParaRPr lang="en-US" altLang="zh-CN"/>
+          </a:p>
+        </p:txBody>
+      </p:sp>
+    </p:spTree>
+    <p:custDataLst>
+      <p:tags r:id="rId1"/>
+    </p:custDataLst>
+  </p:cSld>
+  <p:clrMapOvr>
+    <a:masterClrMapping/>
+  </p:clrMapOvr>
+</p:sld>
+</file>
+
+<file path=ppt/slides/slide11.xml><?xml version="1.0" encoding="utf-8"?>
+<p:sld xmlns:a="http://schemas.openxmlformats.org/drawingml/2006/main" xmlns:r="http://schemas.openxmlformats.org/officeDocument/2006/relationships" xmlns:p="http://schemas.openxmlformats.org/presentationml/2006/main">
+  <p:cSld>
+    <p:spTree>
+      <p:nvGrpSpPr>
+        <p:cNvPr id="1" name=""/>
+        <p:cNvGrpSpPr/>
+        <p:nvPr/>
+      </p:nvGrpSpPr>
+      <p:grpSpPr/>
+      <p:sp>
+        <p:nvSpPr>
+          <p:cNvPr id="4" name="标题 3"/>
+          <p:cNvSpPr>
+            <a:spLocks noGrp="1"/>
+          </p:cNvSpPr>
+          <p:nvPr>
+            <p:ph type="title"/>
+          </p:nvPr>
+        </p:nvSpPr>
+        <p:spPr/>
+        <p:txBody>
+          <a:bodyPr/>
+          <a:p>
+            <a:r>
+              <a:rPr lang="en-US" altLang="zh-CN"/>
+              <a:t>Mac Usage</a:t>
+            </a:r>
+            <a:endParaRPr lang="en-US" altLang="zh-CN"/>
+          </a:p>
+        </p:txBody>
+      </p:sp>
+      <p:sp>
+        <p:nvSpPr>
+          <p:cNvPr id="5" name="文本占位符 4"/>
+          <p:cNvSpPr>
+            <a:spLocks noGrp="1"/>
+          </p:cNvSpPr>
+          <p:nvPr>
+            <p:ph type="body" idx="1"/>
+          </p:nvPr>
+        </p:nvSpPr>
+        <p:spPr/>
+        <p:txBody>
+          <a:bodyPr/>
+          <a:p>
+            <a:endParaRPr lang="zh-CN" altLang="en-US"/>
+          </a:p>
+        </p:txBody>
+      </p:sp>
+    </p:spTree>
+    <p:custDataLst>
+      <p:tags r:id="rId1"/>
+    </p:custDataLst>
+  </p:cSld>
+  <p:clrMapOvr>
+    <a:masterClrMapping/>
+  </p:clrMapOvr>
+</p:sld>
+</file>
+
+<file path=ppt/slides/slide12.xml><?xml version="1.0" encoding="utf-8"?>
+<p:sld xmlns:a="http://schemas.openxmlformats.org/drawingml/2006/main" xmlns:r="http://schemas.openxmlformats.org/officeDocument/2006/relationships" xmlns:p="http://schemas.openxmlformats.org/presentationml/2006/main">
+  <p:cSld>
+    <p:spTree>
+      <p:nvGrpSpPr>
+        <p:cNvPr id="1" name=""/>
+        <p:cNvGrpSpPr/>
+        <p:nvPr/>
+      </p:nvGrpSpPr>
+      <p:grpSpPr/>
+      <p:sp>
+        <p:nvSpPr>
+          <p:cNvPr id="4" name="标题 3"/>
+          <p:cNvSpPr>
+            <a:spLocks noGrp="1"/>
+          </p:cNvSpPr>
+          <p:nvPr>
+            <p:ph type="title"/>
+          </p:nvPr>
+        </p:nvSpPr>
+        <p:spPr/>
+        <p:txBody>
+          <a:bodyPr/>
+          <a:p>
+            <a:r>
+              <a:rPr lang="en-US" altLang="zh-CN"/>
+              <a:t>Homebrew</a:t>
+            </a:r>
+            <a:endParaRPr lang="en-US" altLang="zh-CN"/>
+          </a:p>
+        </p:txBody>
+      </p:sp>
+      <p:sp>
+        <p:nvSpPr>
+          <p:cNvPr id="5" name="内容占位符 4"/>
+          <p:cNvSpPr>
+            <a:spLocks noGrp="1"/>
+          </p:cNvSpPr>
+          <p:nvPr>
+            <p:ph idx="1"/>
+          </p:nvPr>
+        </p:nvSpPr>
+        <p:spPr/>
+        <p:txBody>
+          <a:bodyPr/>
+          <a:p>
+            <a:r>
+              <a:rPr lang="en-US" altLang="zh-CN"/>
+              <a:t>Intro</a:t>
+            </a:r>
+            <a:endParaRPr lang="en-US" altLang="zh-CN"/>
+          </a:p>
+          <a:p>
+            <a:pPr lvl="1"/>
+            <a:r>
+              <a:rPr lang="en-US" altLang="zh-CN"/>
+              <a:t>package manager on Mac</a:t>
+            </a:r>
+            <a:endParaRPr lang="en-US" altLang="zh-CN"/>
+          </a:p>
+          <a:p>
+            <a:pPr lvl="0"/>
+            <a:r>
+              <a:rPr lang="en-US" altLang="zh-CN"/>
+              <a:t>Install</a:t>
+            </a:r>
+            <a:endParaRPr lang="en-US" altLang="zh-CN"/>
+          </a:p>
+          <a:p>
+            <a:pPr lvl="1"/>
+            <a:r>
+              <a:rPr lang="en-US" altLang="zh-CN"/>
+              <a:t>/usr/bin/ruby -e "$(curl -fsSL https://cdn.jsdelivr.net/gh/ineo6/homebrew-install/install)"</a:t>
+            </a:r>
+            <a:endParaRPr lang="en-US" altLang="zh-CN"/>
+          </a:p>
+          <a:p>
+            <a:pPr lvl="0"/>
+            <a:r>
+              <a:rPr lang="en-US" altLang="zh-CN"/>
+              <a:t>Usage</a:t>
+            </a:r>
+            <a:endParaRPr lang="en-US" altLang="zh-CN"/>
+          </a:p>
+          <a:p>
+            <a:pPr lvl="1"/>
+            <a:r>
+              <a:rPr lang="en-US" altLang="zh-CN"/>
+              <a:t>brew help</a:t>
+            </a:r>
+            <a:endParaRPr lang="en-US" altLang="zh-CN"/>
+          </a:p>
+        </p:txBody>
+      </p:sp>
+    </p:spTree>
+    <p:custDataLst>
+      <p:tags r:id="rId1"/>
+    </p:custDataLst>
+  </p:cSld>
+  <p:clrMapOvr>
+    <a:masterClrMapping/>
+  </p:clrMapOvr>
+</p:sld>
+</file>
+
+<file path=ppt/slides/slide13.xml><?xml version="1.0" encoding="utf-8"?>
+<p:sld xmlns:a="http://schemas.openxmlformats.org/drawingml/2006/main" xmlns:r="http://schemas.openxmlformats.org/officeDocument/2006/relationships" xmlns:p="http://schemas.openxmlformats.org/presentationml/2006/main">
+  <p:cSld>
+    <p:spTree>
+      <p:nvGrpSpPr>
+        <p:cNvPr id="1" name=""/>
+        <p:cNvGrpSpPr/>
+        <p:nvPr/>
+      </p:nvGrpSpPr>
+      <p:grpSpPr/>
+      <p:sp>
+        <p:nvSpPr>
+          <p:cNvPr id="4" name="标题 3"/>
+          <p:cNvSpPr>
+            <a:spLocks noGrp="1"/>
+          </p:cNvSpPr>
+          <p:nvPr>
+            <p:ph type="title"/>
+          </p:nvPr>
+        </p:nvSpPr>
+        <p:spPr/>
+        <p:txBody>
+          <a:bodyPr/>
+          <a:p>
+            <a:r>
+              <a:rPr lang="en-US" altLang="zh-CN"/>
+              <a:t>iOS Internal</a:t>
+            </a:r>
+            <a:endParaRPr lang="en-US" altLang="zh-CN"/>
+          </a:p>
+        </p:txBody>
+      </p:sp>
+      <p:sp>
+        <p:nvSpPr>
+          <p:cNvPr id="5" name="文本占位符 4"/>
+          <p:cNvSpPr>
+            <a:spLocks noGrp="1"/>
+          </p:cNvSpPr>
+          <p:nvPr>
+            <p:ph type="body" idx="1"/>
+          </p:nvPr>
+        </p:nvSpPr>
+        <p:spPr/>
+        <p:txBody>
+          <a:bodyPr/>
+          <a:p>
+            <a:endParaRPr lang="zh-CN" altLang="en-US"/>
+          </a:p>
+        </p:txBody>
+      </p:sp>
+    </p:spTree>
+    <p:custDataLst>
+      <p:tags r:id="rId1"/>
+    </p:custDataLst>
+  </p:cSld>
+  <p:clrMapOvr>
+    <a:masterClrMapping/>
+  </p:clrMapOvr>
+</p:sld>
+</file>
+
+<file path=ppt/slides/slide14.xml><?xml version="1.0" encoding="utf-8"?>
 <p:sld xmlns:a="http://schemas.openxmlformats.org/drawingml/2006/main" xmlns:r="http://schemas.openxmlformats.org/officeDocument/2006/relationships" xmlns:p="http://schemas.openxmlformats.org/presentationml/2006/main">
   <p:cSld>
     <p:spTree>
@@ -4069,8 +4437,8 @@
                 <a:gs pos="100000">
                   <a:schemeClr val="accent4">
                     <a:hueOff val="-903206"/>
-                    <a:satOff val="-17118"/>
-                    <a:lumOff val="-2083"/>
+                    <a:satOff val="-17116"/>
+                    <a:lumOff val="-2081"/>
                   </a:schemeClr>
                 </a:gs>
               </a:gsLst>
@@ -4158,10 +4526,10 @@
                   <a:solidFill>
                     <a:srgbClr val="24383E"/>
                   </a:solidFill>
-                  <a:latin typeface="Papyrus"/>
-                  <a:ea typeface="Papyrus"/>
-                  <a:cs typeface="Papyrus"/>
-                  <a:sym typeface="Papyrus"/>
+                  <a:latin typeface="Papyrus" panose="03070502060502030205"/>
+                  <a:ea typeface="Papyrus" panose="03070502060502030205"/>
+                  <a:cs typeface="Papyrus" panose="03070502060502030205"/>
+                  <a:sym typeface="Papyrus" panose="03070502060502030205"/>
                 </a:defRPr>
               </a:lvl1pPr>
             </a:lstStyle>
@@ -4220,10 +4588,10 @@
                   <a:solidFill>
                     <a:srgbClr val="24383E"/>
                   </a:solidFill>
-                  <a:latin typeface="Papyrus"/>
-                  <a:ea typeface="Papyrus"/>
-                  <a:cs typeface="Papyrus"/>
-                  <a:sym typeface="Papyrus"/>
+                  <a:latin typeface="Papyrus" panose="03070502060502030205"/>
+                  <a:ea typeface="Papyrus" panose="03070502060502030205"/>
+                  <a:cs typeface="Papyrus" panose="03070502060502030205"/>
+                  <a:sym typeface="Papyrus" panose="03070502060502030205"/>
                 </a:defRPr>
               </a:lvl1pPr>
             </a:lstStyle>
@@ -4282,10 +4650,10 @@
                   <a:solidFill>
                     <a:srgbClr val="24383E"/>
                   </a:solidFill>
-                  <a:latin typeface="Papyrus"/>
-                  <a:ea typeface="Papyrus"/>
-                  <a:cs typeface="Papyrus"/>
-                  <a:sym typeface="Papyrus"/>
+                  <a:latin typeface="Papyrus" panose="03070502060502030205"/>
+                  <a:ea typeface="Papyrus" panose="03070502060502030205"/>
+                  <a:cs typeface="Papyrus" panose="03070502060502030205"/>
+                  <a:sym typeface="Papyrus" panose="03070502060502030205"/>
                 </a:defRPr>
               </a:lvl1pPr>
             </a:lstStyle>
@@ -4344,10 +4712,10 @@
                   <a:solidFill>
                     <a:srgbClr val="24383E"/>
                   </a:solidFill>
-                  <a:latin typeface="Papyrus"/>
-                  <a:ea typeface="Papyrus"/>
-                  <a:cs typeface="Papyrus"/>
-                  <a:sym typeface="Papyrus"/>
+                  <a:latin typeface="Papyrus" panose="03070502060502030205"/>
+                  <a:ea typeface="Papyrus" panose="03070502060502030205"/>
+                  <a:cs typeface="Papyrus" panose="03070502060502030205"/>
+                  <a:sym typeface="Papyrus" panose="03070502060502030205"/>
                 </a:defRPr>
               </a:lvl1pPr>
             </a:lstStyle>
@@ -4406,10 +4774,10 @@
                   <a:solidFill>
                     <a:srgbClr val="24383E"/>
                   </a:solidFill>
-                  <a:latin typeface="Papyrus"/>
-                  <a:ea typeface="Papyrus"/>
-                  <a:cs typeface="Papyrus"/>
-                  <a:sym typeface="Papyrus"/>
+                  <a:latin typeface="Papyrus" panose="03070502060502030205"/>
+                  <a:ea typeface="Papyrus" panose="03070502060502030205"/>
+                  <a:cs typeface="Papyrus" panose="03070502060502030205"/>
+                  <a:sym typeface="Papyrus" panose="03070502060502030205"/>
                 </a:defRPr>
               </a:lvl1pPr>
             </a:lstStyle>
@@ -4468,10 +4836,10 @@
                   <a:solidFill>
                     <a:srgbClr val="24383E"/>
                   </a:solidFill>
-                  <a:latin typeface="Papyrus"/>
-                  <a:ea typeface="Papyrus"/>
-                  <a:cs typeface="Papyrus"/>
-                  <a:sym typeface="Papyrus"/>
+                  <a:latin typeface="Papyrus" panose="03070502060502030205"/>
+                  <a:ea typeface="Papyrus" panose="03070502060502030205"/>
+                  <a:cs typeface="Papyrus" panose="03070502060502030205"/>
+                  <a:sym typeface="Papyrus" panose="03070502060502030205"/>
                 </a:defRPr>
               </a:lvl1pPr>
             </a:lstStyle>
@@ -4530,10 +4898,10 @@
                   <a:solidFill>
                     <a:srgbClr val="24383E"/>
                   </a:solidFill>
-                  <a:latin typeface="Papyrus"/>
-                  <a:ea typeface="Papyrus"/>
-                  <a:cs typeface="Papyrus"/>
-                  <a:sym typeface="Papyrus"/>
+                  <a:latin typeface="Papyrus" panose="03070502060502030205"/>
+                  <a:ea typeface="Papyrus" panose="03070502060502030205"/>
+                  <a:cs typeface="Papyrus" panose="03070502060502030205"/>
+                  <a:sym typeface="Papyrus" panose="03070502060502030205"/>
                 </a:defRPr>
               </a:lvl1pPr>
             </a:lstStyle>
@@ -4592,10 +4960,10 @@
                   <a:solidFill>
                     <a:srgbClr val="24383E"/>
                   </a:solidFill>
-                  <a:latin typeface="Papyrus"/>
-                  <a:ea typeface="Papyrus"/>
-                  <a:cs typeface="Papyrus"/>
-                  <a:sym typeface="Papyrus"/>
+                  <a:latin typeface="Papyrus" panose="03070502060502030205"/>
+                  <a:ea typeface="Papyrus" panose="03070502060502030205"/>
+                  <a:cs typeface="Papyrus" panose="03070502060502030205"/>
+                  <a:sym typeface="Papyrus" panose="03070502060502030205"/>
                 </a:defRPr>
               </a:lvl1pPr>
             </a:lstStyle>
@@ -4654,10 +5022,10 @@
                   <a:solidFill>
                     <a:srgbClr val="24383E"/>
                   </a:solidFill>
-                  <a:latin typeface="Papyrus"/>
-                  <a:ea typeface="Papyrus"/>
-                  <a:cs typeface="Papyrus"/>
-                  <a:sym typeface="Papyrus"/>
+                  <a:latin typeface="Papyrus" panose="03070502060502030205"/>
+                  <a:ea typeface="Papyrus" panose="03070502060502030205"/>
+                  <a:cs typeface="Papyrus" panose="03070502060502030205"/>
+                  <a:sym typeface="Papyrus" panose="03070502060502030205"/>
                 </a:defRPr>
               </a:lvl1pPr>
             </a:lstStyle>
@@ -4712,8 +5080,8 @@
                 <a:gs pos="100000">
                   <a:schemeClr val="accent4">
                     <a:hueOff val="-903206"/>
-                    <a:satOff val="-17118"/>
-                    <a:lumOff val="-2083"/>
+                    <a:satOff val="-17116"/>
+                    <a:lumOff val="-2081"/>
                   </a:schemeClr>
                 </a:gs>
               </a:gsLst>
@@ -4801,10 +5169,10 @@
                   <a:solidFill>
                     <a:srgbClr val="24383E"/>
                   </a:solidFill>
-                  <a:latin typeface="Papyrus"/>
-                  <a:ea typeface="Papyrus"/>
-                  <a:cs typeface="Papyrus"/>
-                  <a:sym typeface="Papyrus"/>
+                  <a:latin typeface="Papyrus" panose="03070502060502030205"/>
+                  <a:ea typeface="Papyrus" panose="03070502060502030205"/>
+                  <a:cs typeface="Papyrus" panose="03070502060502030205"/>
+                  <a:sym typeface="Papyrus" panose="03070502060502030205"/>
                 </a:defRPr>
               </a:lvl1pPr>
             </a:lstStyle>
@@ -4863,10 +5231,10 @@
                   <a:solidFill>
                     <a:srgbClr val="24383E"/>
                   </a:solidFill>
-                  <a:latin typeface="Papyrus"/>
-                  <a:ea typeface="Papyrus"/>
-                  <a:cs typeface="Papyrus"/>
-                  <a:sym typeface="Papyrus"/>
+                  <a:latin typeface="Papyrus" panose="03070502060502030205"/>
+                  <a:ea typeface="Papyrus" panose="03070502060502030205"/>
+                  <a:cs typeface="Papyrus" panose="03070502060502030205"/>
+                  <a:sym typeface="Papyrus" panose="03070502060502030205"/>
                 </a:defRPr>
               </a:lvl1pPr>
             </a:lstStyle>
@@ -4925,10 +5293,10 @@
                   <a:solidFill>
                     <a:srgbClr val="24383E"/>
                   </a:solidFill>
-                  <a:latin typeface="Papyrus"/>
-                  <a:ea typeface="Papyrus"/>
-                  <a:cs typeface="Papyrus"/>
-                  <a:sym typeface="Papyrus"/>
+                  <a:latin typeface="Papyrus" panose="03070502060502030205"/>
+                  <a:ea typeface="Papyrus" panose="03070502060502030205"/>
+                  <a:cs typeface="Papyrus" panose="03070502060502030205"/>
+                  <a:sym typeface="Papyrus" panose="03070502060502030205"/>
                 </a:defRPr>
               </a:lvl1pPr>
             </a:lstStyle>
@@ -4987,10 +5355,10 @@
                   <a:solidFill>
                     <a:srgbClr val="24383E"/>
                   </a:solidFill>
-                  <a:latin typeface="Papyrus"/>
-                  <a:ea typeface="Papyrus"/>
-                  <a:cs typeface="Papyrus"/>
-                  <a:sym typeface="Papyrus"/>
+                  <a:latin typeface="Papyrus" panose="03070502060502030205"/>
+                  <a:ea typeface="Papyrus" panose="03070502060502030205"/>
+                  <a:cs typeface="Papyrus" panose="03070502060502030205"/>
+                  <a:sym typeface="Papyrus" panose="03070502060502030205"/>
                 </a:defRPr>
               </a:lvl1pPr>
             </a:lstStyle>
@@ -5049,10 +5417,10 @@
                   <a:solidFill>
                     <a:srgbClr val="24383E"/>
                   </a:solidFill>
-                  <a:latin typeface="Papyrus"/>
-                  <a:ea typeface="Papyrus"/>
-                  <a:cs typeface="Papyrus"/>
-                  <a:sym typeface="Papyrus"/>
+                  <a:latin typeface="Papyrus" panose="03070502060502030205"/>
+                  <a:ea typeface="Papyrus" panose="03070502060502030205"/>
+                  <a:cs typeface="Papyrus" panose="03070502060502030205"/>
+                  <a:sym typeface="Papyrus" panose="03070502060502030205"/>
                 </a:defRPr>
               </a:lvl1pPr>
             </a:lstStyle>
@@ -5111,10 +5479,10 @@
                   <a:solidFill>
                     <a:srgbClr val="24383E"/>
                   </a:solidFill>
-                  <a:latin typeface="Papyrus"/>
-                  <a:ea typeface="Papyrus"/>
-                  <a:cs typeface="Papyrus"/>
-                  <a:sym typeface="Papyrus"/>
+                  <a:latin typeface="Papyrus" panose="03070502060502030205"/>
+                  <a:ea typeface="Papyrus" panose="03070502060502030205"/>
+                  <a:cs typeface="Papyrus" panose="03070502060502030205"/>
+                  <a:sym typeface="Papyrus" panose="03070502060502030205"/>
                 </a:defRPr>
               </a:lvl1pPr>
             </a:lstStyle>
@@ -5173,10 +5541,10 @@
                   <a:solidFill>
                     <a:srgbClr val="24383E"/>
                   </a:solidFill>
-                  <a:latin typeface="Papyrus"/>
-                  <a:ea typeface="Papyrus"/>
-                  <a:cs typeface="Papyrus"/>
-                  <a:sym typeface="Papyrus"/>
+                  <a:latin typeface="Papyrus" panose="03070502060502030205"/>
+                  <a:ea typeface="Papyrus" panose="03070502060502030205"/>
+                  <a:cs typeface="Papyrus" panose="03070502060502030205"/>
+                  <a:sym typeface="Papyrus" panose="03070502060502030205"/>
                 </a:defRPr>
               </a:lvl1pPr>
             </a:lstStyle>
@@ -5235,10 +5603,10 @@
                   <a:solidFill>
                     <a:srgbClr val="24383E"/>
                   </a:solidFill>
-                  <a:latin typeface="Papyrus"/>
-                  <a:ea typeface="Papyrus"/>
-                  <a:cs typeface="Papyrus"/>
-                  <a:sym typeface="Papyrus"/>
+                  <a:latin typeface="Papyrus" panose="03070502060502030205"/>
+                  <a:ea typeface="Papyrus" panose="03070502060502030205"/>
+                  <a:cs typeface="Papyrus" panose="03070502060502030205"/>
+                  <a:sym typeface="Papyrus" panose="03070502060502030205"/>
                 </a:defRPr>
               </a:lvl1pPr>
             </a:lstStyle>
@@ -5297,10 +5665,10 @@
                   <a:solidFill>
                     <a:srgbClr val="24383E"/>
                   </a:solidFill>
-                  <a:latin typeface="Papyrus"/>
-                  <a:ea typeface="Papyrus"/>
-                  <a:cs typeface="Papyrus"/>
-                  <a:sym typeface="Papyrus"/>
+                  <a:latin typeface="Papyrus" panose="03070502060502030205"/>
+                  <a:ea typeface="Papyrus" panose="03070502060502030205"/>
+                  <a:cs typeface="Papyrus" panose="03070502060502030205"/>
+                  <a:sym typeface="Papyrus" panose="03070502060502030205"/>
                 </a:defRPr>
               </a:lvl1pPr>
             </a:lstStyle>
@@ -5359,10 +5727,10 @@
                   <a:solidFill>
                     <a:srgbClr val="24383E"/>
                   </a:solidFill>
-                  <a:latin typeface="Papyrus"/>
-                  <a:ea typeface="Papyrus"/>
-                  <a:cs typeface="Papyrus"/>
-                  <a:sym typeface="Papyrus"/>
+                  <a:latin typeface="Papyrus" panose="03070502060502030205"/>
+                  <a:ea typeface="Papyrus" panose="03070502060502030205"/>
+                  <a:cs typeface="Papyrus" panose="03070502060502030205"/>
+                  <a:sym typeface="Papyrus" panose="03070502060502030205"/>
                 </a:defRPr>
               </a:lvl1pPr>
             </a:lstStyle>
@@ -5421,10 +5789,10 @@
                   <a:solidFill>
                     <a:srgbClr val="24383E"/>
                   </a:solidFill>
-                  <a:latin typeface="Papyrus"/>
-                  <a:ea typeface="Papyrus"/>
-                  <a:cs typeface="Papyrus"/>
-                  <a:sym typeface="Papyrus"/>
+                  <a:latin typeface="Papyrus" panose="03070502060502030205"/>
+                  <a:ea typeface="Papyrus" panose="03070502060502030205"/>
+                  <a:cs typeface="Papyrus" panose="03070502060502030205"/>
+                  <a:sym typeface="Papyrus" panose="03070502060502030205"/>
                 </a:defRPr>
               </a:lvl1pPr>
             </a:lstStyle>
@@ -5483,10 +5851,10 @@
                   <a:solidFill>
                     <a:srgbClr val="24383E"/>
                   </a:solidFill>
-                  <a:latin typeface="Papyrus"/>
-                  <a:ea typeface="Papyrus"/>
-                  <a:cs typeface="Papyrus"/>
-                  <a:sym typeface="Papyrus"/>
+                  <a:latin typeface="Papyrus" panose="03070502060502030205"/>
+                  <a:ea typeface="Papyrus" panose="03070502060502030205"/>
+                  <a:cs typeface="Papyrus" panose="03070502060502030205"/>
+                  <a:sym typeface="Papyrus" panose="03070502060502030205"/>
                 </a:defRPr>
               </a:lvl1pPr>
             </a:lstStyle>
@@ -5545,10 +5913,10 @@
                   <a:solidFill>
                     <a:srgbClr val="24383E"/>
                   </a:solidFill>
-                  <a:latin typeface="Papyrus"/>
-                  <a:ea typeface="Papyrus"/>
-                  <a:cs typeface="Papyrus"/>
-                  <a:sym typeface="Papyrus"/>
+                  <a:latin typeface="Papyrus" panose="03070502060502030205"/>
+                  <a:ea typeface="Papyrus" panose="03070502060502030205"/>
+                  <a:cs typeface="Papyrus" panose="03070502060502030205"/>
+                  <a:sym typeface="Papyrus" panose="03070502060502030205"/>
                 </a:defRPr>
               </a:lvl1pPr>
             </a:lstStyle>
@@ -5607,10 +5975,10 @@
                   <a:solidFill>
                     <a:srgbClr val="24383E"/>
                   </a:solidFill>
-                  <a:latin typeface="Papyrus"/>
-                  <a:ea typeface="Papyrus"/>
-                  <a:cs typeface="Papyrus"/>
-                  <a:sym typeface="Papyrus"/>
+                  <a:latin typeface="Papyrus" panose="03070502060502030205"/>
+                  <a:ea typeface="Papyrus" panose="03070502060502030205"/>
+                  <a:cs typeface="Papyrus" panose="03070502060502030205"/>
+                  <a:sym typeface="Papyrus" panose="03070502060502030205"/>
                 </a:defRPr>
               </a:lvl1pPr>
             </a:lstStyle>
@@ -5669,10 +6037,10 @@
                   <a:solidFill>
                     <a:srgbClr val="24383E"/>
                   </a:solidFill>
-                  <a:latin typeface="Papyrus"/>
-                  <a:ea typeface="Papyrus"/>
-                  <a:cs typeface="Papyrus"/>
-                  <a:sym typeface="Papyrus"/>
+                  <a:latin typeface="Papyrus" panose="03070502060502030205"/>
+                  <a:ea typeface="Papyrus" panose="03070502060502030205"/>
+                  <a:cs typeface="Papyrus" panose="03070502060502030205"/>
+                  <a:sym typeface="Papyrus" panose="03070502060502030205"/>
                 </a:defRPr>
               </a:lvl1pPr>
             </a:lstStyle>
@@ -5731,10 +6099,10 @@
                   <a:solidFill>
                     <a:srgbClr val="24383E"/>
                   </a:solidFill>
-                  <a:latin typeface="Papyrus"/>
-                  <a:ea typeface="Papyrus"/>
-                  <a:cs typeface="Papyrus"/>
-                  <a:sym typeface="Papyrus"/>
+                  <a:latin typeface="Papyrus" panose="03070502060502030205"/>
+                  <a:ea typeface="Papyrus" panose="03070502060502030205"/>
+                  <a:cs typeface="Papyrus" panose="03070502060502030205"/>
+                  <a:sym typeface="Papyrus" panose="03070502060502030205"/>
                 </a:defRPr>
               </a:lvl1pPr>
             </a:lstStyle>
@@ -5793,10 +6161,10 @@
                   <a:solidFill>
                     <a:srgbClr val="24383E"/>
                   </a:solidFill>
-                  <a:latin typeface="Papyrus"/>
-                  <a:ea typeface="Papyrus"/>
-                  <a:cs typeface="Papyrus"/>
-                  <a:sym typeface="Papyrus"/>
+                  <a:latin typeface="Papyrus" panose="03070502060502030205"/>
+                  <a:ea typeface="Papyrus" panose="03070502060502030205"/>
+                  <a:cs typeface="Papyrus" panose="03070502060502030205"/>
+                  <a:sym typeface="Papyrus" panose="03070502060502030205"/>
                 </a:defRPr>
               </a:lvl1pPr>
             </a:lstStyle>
@@ -5855,10 +6223,10 @@
                   <a:solidFill>
                     <a:srgbClr val="24383E"/>
                   </a:solidFill>
-                  <a:latin typeface="Papyrus"/>
-                  <a:ea typeface="Papyrus"/>
-                  <a:cs typeface="Papyrus"/>
-                  <a:sym typeface="Papyrus"/>
+                  <a:latin typeface="Papyrus" panose="03070502060502030205"/>
+                  <a:ea typeface="Papyrus" panose="03070502060502030205"/>
+                  <a:cs typeface="Papyrus" panose="03070502060502030205"/>
+                  <a:sym typeface="Papyrus" panose="03070502060502030205"/>
                 </a:defRPr>
               </a:lvl1pPr>
             </a:lstStyle>
@@ -5917,10 +6285,10 @@
                   <a:solidFill>
                     <a:srgbClr val="24383E"/>
                   </a:solidFill>
-                  <a:latin typeface="Papyrus"/>
-                  <a:ea typeface="Papyrus"/>
-                  <a:cs typeface="Papyrus"/>
-                  <a:sym typeface="Papyrus"/>
+                  <a:latin typeface="Papyrus" panose="03070502060502030205"/>
+                  <a:ea typeface="Papyrus" panose="03070502060502030205"/>
+                  <a:cs typeface="Papyrus" panose="03070502060502030205"/>
+                  <a:sym typeface="Papyrus" panose="03070502060502030205"/>
                 </a:defRPr>
               </a:lvl1pPr>
             </a:lstStyle>
@@ -5979,10 +6347,10 @@
                   <a:solidFill>
                     <a:srgbClr val="24383E"/>
                   </a:solidFill>
-                  <a:latin typeface="Papyrus"/>
-                  <a:ea typeface="Papyrus"/>
-                  <a:cs typeface="Papyrus"/>
-                  <a:sym typeface="Papyrus"/>
+                  <a:latin typeface="Papyrus" panose="03070502060502030205"/>
+                  <a:ea typeface="Papyrus" panose="03070502060502030205"/>
+                  <a:cs typeface="Papyrus" panose="03070502060502030205"/>
+                  <a:sym typeface="Papyrus" panose="03070502060502030205"/>
                 </a:defRPr>
               </a:lvl1pPr>
             </a:lstStyle>
@@ -6041,10 +6409,10 @@
                   <a:solidFill>
                     <a:srgbClr val="24383E"/>
                   </a:solidFill>
-                  <a:latin typeface="Papyrus"/>
-                  <a:ea typeface="Papyrus"/>
-                  <a:cs typeface="Papyrus"/>
-                  <a:sym typeface="Papyrus"/>
+                  <a:latin typeface="Papyrus" panose="03070502060502030205"/>
+                  <a:ea typeface="Papyrus" panose="03070502060502030205"/>
+                  <a:cs typeface="Papyrus" panose="03070502060502030205"/>
+                  <a:sym typeface="Papyrus" panose="03070502060502030205"/>
                 </a:defRPr>
               </a:lvl1pPr>
             </a:lstStyle>
@@ -6103,10 +6471,10 @@
                   <a:solidFill>
                     <a:srgbClr val="24383E"/>
                   </a:solidFill>
-                  <a:latin typeface="Papyrus"/>
-                  <a:ea typeface="Papyrus"/>
-                  <a:cs typeface="Papyrus"/>
-                  <a:sym typeface="Papyrus"/>
+                  <a:latin typeface="Papyrus" panose="03070502060502030205"/>
+                  <a:ea typeface="Papyrus" panose="03070502060502030205"/>
+                  <a:cs typeface="Papyrus" panose="03070502060502030205"/>
+                  <a:sym typeface="Papyrus" panose="03070502060502030205"/>
                 </a:defRPr>
               </a:lvl1pPr>
             </a:lstStyle>
@@ -6165,10 +6533,10 @@
                   <a:solidFill>
                     <a:srgbClr val="24383E"/>
                   </a:solidFill>
-                  <a:latin typeface="Papyrus"/>
-                  <a:ea typeface="Papyrus"/>
-                  <a:cs typeface="Papyrus"/>
-                  <a:sym typeface="Papyrus"/>
+                  <a:latin typeface="Papyrus" panose="03070502060502030205"/>
+                  <a:ea typeface="Papyrus" panose="03070502060502030205"/>
+                  <a:cs typeface="Papyrus" panose="03070502060502030205"/>
+                  <a:sym typeface="Papyrus" panose="03070502060502030205"/>
                 </a:defRPr>
               </a:lvl1pPr>
             </a:lstStyle>
@@ -6227,10 +6595,10 @@
                   <a:solidFill>
                     <a:srgbClr val="24383E"/>
                   </a:solidFill>
-                  <a:latin typeface="Papyrus"/>
-                  <a:ea typeface="Papyrus"/>
-                  <a:cs typeface="Papyrus"/>
-                  <a:sym typeface="Papyrus"/>
+                  <a:latin typeface="Papyrus" panose="03070502060502030205"/>
+                  <a:ea typeface="Papyrus" panose="03070502060502030205"/>
+                  <a:cs typeface="Papyrus" panose="03070502060502030205"/>
+                  <a:sym typeface="Papyrus" panose="03070502060502030205"/>
                 </a:defRPr>
               </a:lvl1pPr>
             </a:lstStyle>
@@ -6289,10 +6657,10 @@
                   <a:solidFill>
                     <a:srgbClr val="24383E"/>
                   </a:solidFill>
-                  <a:latin typeface="Papyrus"/>
-                  <a:ea typeface="Papyrus"/>
-                  <a:cs typeface="Papyrus"/>
-                  <a:sym typeface="Papyrus"/>
+                  <a:latin typeface="Papyrus" panose="03070502060502030205"/>
+                  <a:ea typeface="Papyrus" panose="03070502060502030205"/>
+                  <a:cs typeface="Papyrus" panose="03070502060502030205"/>
+                  <a:sym typeface="Papyrus" panose="03070502060502030205"/>
                 </a:defRPr>
               </a:lvl1pPr>
             </a:lstStyle>
@@ -6351,10 +6719,10 @@
                   <a:solidFill>
                     <a:srgbClr val="24383E"/>
                   </a:solidFill>
-                  <a:latin typeface="Papyrus"/>
-                  <a:ea typeface="Papyrus"/>
-                  <a:cs typeface="Papyrus"/>
-                  <a:sym typeface="Papyrus"/>
+                  <a:latin typeface="Papyrus" panose="03070502060502030205"/>
+                  <a:ea typeface="Papyrus" panose="03070502060502030205"/>
+                  <a:cs typeface="Papyrus" panose="03070502060502030205"/>
+                  <a:sym typeface="Papyrus" panose="03070502060502030205"/>
                 </a:defRPr>
               </a:lvl1pPr>
             </a:lstStyle>
@@ -6409,8 +6777,8 @@
                 <a:gs pos="100000">
                   <a:schemeClr val="accent4">
                     <a:hueOff val="-903206"/>
-                    <a:satOff val="-17118"/>
-                    <a:lumOff val="-2083"/>
+                    <a:satOff val="-17116"/>
+                    <a:lumOff val="-2081"/>
                   </a:schemeClr>
                 </a:gs>
               </a:gsLst>
@@ -6498,10 +6866,10 @@
                   <a:solidFill>
                     <a:srgbClr val="24383E"/>
                   </a:solidFill>
-                  <a:latin typeface="Papyrus"/>
-                  <a:ea typeface="Papyrus"/>
-                  <a:cs typeface="Papyrus"/>
-                  <a:sym typeface="Papyrus"/>
+                  <a:latin typeface="Papyrus" panose="03070502060502030205"/>
+                  <a:ea typeface="Papyrus" panose="03070502060502030205"/>
+                  <a:cs typeface="Papyrus" panose="03070502060502030205"/>
+                  <a:sym typeface="Papyrus" panose="03070502060502030205"/>
                 </a:defRPr>
               </a:lvl1pPr>
             </a:lstStyle>
@@ -6560,10 +6928,10 @@
                   <a:solidFill>
                     <a:srgbClr val="24383E"/>
                   </a:solidFill>
-                  <a:latin typeface="Papyrus"/>
-                  <a:ea typeface="Papyrus"/>
-                  <a:cs typeface="Papyrus"/>
-                  <a:sym typeface="Papyrus"/>
+                  <a:latin typeface="Papyrus" panose="03070502060502030205"/>
+                  <a:ea typeface="Papyrus" panose="03070502060502030205"/>
+                  <a:cs typeface="Papyrus" panose="03070502060502030205"/>
+                  <a:sym typeface="Papyrus" panose="03070502060502030205"/>
                 </a:defRPr>
               </a:lvl1pPr>
             </a:lstStyle>
@@ -6622,10 +6990,10 @@
                   <a:solidFill>
                     <a:srgbClr val="24383E"/>
                   </a:solidFill>
-                  <a:latin typeface="Papyrus"/>
-                  <a:ea typeface="Papyrus"/>
-                  <a:cs typeface="Papyrus"/>
-                  <a:sym typeface="Papyrus"/>
+                  <a:latin typeface="Papyrus" panose="03070502060502030205"/>
+                  <a:ea typeface="Papyrus" panose="03070502060502030205"/>
+                  <a:cs typeface="Papyrus" panose="03070502060502030205"/>
+                  <a:sym typeface="Papyrus" panose="03070502060502030205"/>
                 </a:defRPr>
               </a:lvl1pPr>
             </a:lstStyle>
@@ -6684,10 +7052,10 @@
                   <a:solidFill>
                     <a:srgbClr val="24383E"/>
                   </a:solidFill>
-                  <a:latin typeface="Papyrus"/>
-                  <a:ea typeface="Papyrus"/>
-                  <a:cs typeface="Papyrus"/>
-                  <a:sym typeface="Papyrus"/>
+                  <a:latin typeface="Papyrus" panose="03070502060502030205"/>
+                  <a:ea typeface="Papyrus" panose="03070502060502030205"/>
+                  <a:cs typeface="Papyrus" panose="03070502060502030205"/>
+                  <a:sym typeface="Papyrus" panose="03070502060502030205"/>
                 </a:defRPr>
               </a:lvl1pPr>
             </a:lstStyle>
@@ -6746,10 +7114,10 @@
                   <a:solidFill>
                     <a:srgbClr val="24383E"/>
                   </a:solidFill>
-                  <a:latin typeface="Papyrus"/>
-                  <a:ea typeface="Papyrus"/>
-                  <a:cs typeface="Papyrus"/>
-                  <a:sym typeface="Papyrus"/>
+                  <a:latin typeface="Papyrus" panose="03070502060502030205"/>
+                  <a:ea typeface="Papyrus" panose="03070502060502030205"/>
+                  <a:cs typeface="Papyrus" panose="03070502060502030205"/>
+                  <a:sym typeface="Papyrus" panose="03070502060502030205"/>
                 </a:defRPr>
               </a:lvl1pPr>
             </a:lstStyle>
@@ -6808,10 +7176,10 @@
                   <a:solidFill>
                     <a:srgbClr val="24383E"/>
                   </a:solidFill>
-                  <a:latin typeface="Papyrus"/>
-                  <a:ea typeface="Papyrus"/>
-                  <a:cs typeface="Papyrus"/>
-                  <a:sym typeface="Papyrus"/>
+                  <a:latin typeface="Papyrus" panose="03070502060502030205"/>
+                  <a:ea typeface="Papyrus" panose="03070502060502030205"/>
+                  <a:cs typeface="Papyrus" panose="03070502060502030205"/>
+                  <a:sym typeface="Papyrus" panose="03070502060502030205"/>
                 </a:defRPr>
               </a:lvl1pPr>
             </a:lstStyle>
@@ -6870,10 +7238,10 @@
                   <a:solidFill>
                     <a:srgbClr val="24383E"/>
                   </a:solidFill>
-                  <a:latin typeface="Papyrus"/>
-                  <a:ea typeface="Papyrus"/>
-                  <a:cs typeface="Papyrus"/>
-                  <a:sym typeface="Papyrus"/>
+                  <a:latin typeface="Papyrus" panose="03070502060502030205"/>
+                  <a:ea typeface="Papyrus" panose="03070502060502030205"/>
+                  <a:cs typeface="Papyrus" panose="03070502060502030205"/>
+                  <a:sym typeface="Papyrus" panose="03070502060502030205"/>
                 </a:defRPr>
               </a:lvl1pPr>
             </a:lstStyle>
@@ -6932,10 +7300,10 @@
                   <a:solidFill>
                     <a:srgbClr val="24383E"/>
                   </a:solidFill>
-                  <a:latin typeface="Papyrus"/>
-                  <a:ea typeface="Papyrus"/>
-                  <a:cs typeface="Papyrus"/>
-                  <a:sym typeface="Papyrus"/>
+                  <a:latin typeface="Papyrus" panose="03070502060502030205"/>
+                  <a:ea typeface="Papyrus" panose="03070502060502030205"/>
+                  <a:cs typeface="Papyrus" panose="03070502060502030205"/>
+                  <a:sym typeface="Papyrus" panose="03070502060502030205"/>
                 </a:defRPr>
               </a:lvl1pPr>
             </a:lstStyle>
@@ -6994,10 +7362,10 @@
                   <a:solidFill>
                     <a:srgbClr val="24383E"/>
                   </a:solidFill>
-                  <a:latin typeface="Papyrus"/>
-                  <a:ea typeface="Papyrus"/>
-                  <a:cs typeface="Papyrus"/>
-                  <a:sym typeface="Papyrus"/>
+                  <a:latin typeface="Papyrus" panose="03070502060502030205"/>
+                  <a:ea typeface="Papyrus" panose="03070502060502030205"/>
+                  <a:cs typeface="Papyrus" panose="03070502060502030205"/>
+                  <a:sym typeface="Papyrus" panose="03070502060502030205"/>
                 </a:defRPr>
               </a:lvl1pPr>
             </a:lstStyle>
@@ -7056,10 +7424,10 @@
                   <a:solidFill>
                     <a:srgbClr val="24383E"/>
                   </a:solidFill>
-                  <a:latin typeface="Papyrus"/>
-                  <a:ea typeface="Papyrus"/>
-                  <a:cs typeface="Papyrus"/>
-                  <a:sym typeface="Papyrus"/>
+                  <a:latin typeface="Papyrus" panose="03070502060502030205"/>
+                  <a:ea typeface="Papyrus" panose="03070502060502030205"/>
+                  <a:cs typeface="Papyrus" panose="03070502060502030205"/>
+                  <a:sym typeface="Papyrus" panose="03070502060502030205"/>
                 </a:defRPr>
               </a:lvl1pPr>
             </a:lstStyle>
@@ -7118,10 +7486,10 @@
                   <a:solidFill>
                     <a:srgbClr val="24383E"/>
                   </a:solidFill>
-                  <a:latin typeface="Papyrus"/>
-                  <a:ea typeface="Papyrus"/>
-                  <a:cs typeface="Papyrus"/>
-                  <a:sym typeface="Papyrus"/>
+                  <a:latin typeface="Papyrus" panose="03070502060502030205"/>
+                  <a:ea typeface="Papyrus" panose="03070502060502030205"/>
+                  <a:cs typeface="Papyrus" panose="03070502060502030205"/>
+                  <a:sym typeface="Papyrus" panose="03070502060502030205"/>
                 </a:defRPr>
               </a:lvl1pPr>
             </a:lstStyle>
@@ -7180,10 +7548,10 @@
                   <a:solidFill>
                     <a:srgbClr val="24383E"/>
                   </a:solidFill>
-                  <a:latin typeface="Papyrus"/>
-                  <a:ea typeface="Papyrus"/>
-                  <a:cs typeface="Papyrus"/>
-                  <a:sym typeface="Papyrus"/>
+                  <a:latin typeface="Papyrus" panose="03070502060502030205"/>
+                  <a:ea typeface="Papyrus" panose="03070502060502030205"/>
+                  <a:cs typeface="Papyrus" panose="03070502060502030205"/>
+                  <a:sym typeface="Papyrus" panose="03070502060502030205"/>
                 </a:defRPr>
               </a:lvl1pPr>
             </a:lstStyle>
@@ -7242,10 +7610,10 @@
                   <a:solidFill>
                     <a:srgbClr val="24383E"/>
                   </a:solidFill>
-                  <a:latin typeface="Papyrus"/>
-                  <a:ea typeface="Papyrus"/>
-                  <a:cs typeface="Papyrus"/>
-                  <a:sym typeface="Papyrus"/>
+                  <a:latin typeface="Papyrus" panose="03070502060502030205"/>
+                  <a:ea typeface="Papyrus" panose="03070502060502030205"/>
+                  <a:cs typeface="Papyrus" panose="03070502060502030205"/>
+                  <a:sym typeface="Papyrus" panose="03070502060502030205"/>
                 </a:defRPr>
               </a:lvl1pPr>
             </a:lstStyle>
@@ -7304,10 +7672,10 @@
                   <a:solidFill>
                     <a:srgbClr val="24383E"/>
                   </a:solidFill>
-                  <a:latin typeface="Papyrus"/>
-                  <a:ea typeface="Papyrus"/>
-                  <a:cs typeface="Papyrus"/>
-                  <a:sym typeface="Papyrus"/>
+                  <a:latin typeface="Papyrus" panose="03070502060502030205"/>
+                  <a:ea typeface="Papyrus" panose="03070502060502030205"/>
+                  <a:cs typeface="Papyrus" panose="03070502060502030205"/>
+                  <a:sym typeface="Papyrus" panose="03070502060502030205"/>
                 </a:defRPr>
               </a:lvl1pPr>
             </a:lstStyle>
@@ -7366,10 +7734,10 @@
                   <a:solidFill>
                     <a:srgbClr val="24383E"/>
                   </a:solidFill>
-                  <a:latin typeface="Papyrus"/>
-                  <a:ea typeface="Papyrus"/>
-                  <a:cs typeface="Papyrus"/>
-                  <a:sym typeface="Papyrus"/>
+                  <a:latin typeface="Papyrus" panose="03070502060502030205"/>
+                  <a:ea typeface="Papyrus" panose="03070502060502030205"/>
+                  <a:cs typeface="Papyrus" panose="03070502060502030205"/>
+                  <a:sym typeface="Papyrus" panose="03070502060502030205"/>
                 </a:defRPr>
               </a:lvl1pPr>
             </a:lstStyle>
@@ -7428,10 +7796,10 @@
                   <a:solidFill>
                     <a:srgbClr val="24383E"/>
                   </a:solidFill>
-                  <a:latin typeface="Papyrus"/>
-                  <a:ea typeface="Papyrus"/>
-                  <a:cs typeface="Papyrus"/>
-                  <a:sym typeface="Papyrus"/>
+                  <a:latin typeface="Papyrus" panose="03070502060502030205"/>
+                  <a:ea typeface="Papyrus" panose="03070502060502030205"/>
+                  <a:cs typeface="Papyrus" panose="03070502060502030205"/>
+                  <a:sym typeface="Papyrus" panose="03070502060502030205"/>
                 </a:defRPr>
               </a:lvl1pPr>
             </a:lstStyle>
@@ -7490,10 +7858,10 @@
                   <a:solidFill>
                     <a:srgbClr val="24383E"/>
                   </a:solidFill>
-                  <a:latin typeface="Papyrus"/>
-                  <a:ea typeface="Papyrus"/>
-                  <a:cs typeface="Papyrus"/>
-                  <a:sym typeface="Papyrus"/>
+                  <a:latin typeface="Papyrus" panose="03070502060502030205"/>
+                  <a:ea typeface="Papyrus" panose="03070502060502030205"/>
+                  <a:cs typeface="Papyrus" panose="03070502060502030205"/>
+                  <a:sym typeface="Papyrus" panose="03070502060502030205"/>
                 </a:defRPr>
               </a:lvl1pPr>
             </a:lstStyle>
@@ -7552,10 +7920,10 @@
                   <a:solidFill>
                     <a:srgbClr val="24383E"/>
                   </a:solidFill>
-                  <a:latin typeface="Papyrus"/>
-                  <a:ea typeface="Papyrus"/>
-                  <a:cs typeface="Papyrus"/>
-                  <a:sym typeface="Papyrus"/>
+                  <a:latin typeface="Papyrus" panose="03070502060502030205"/>
+                  <a:ea typeface="Papyrus" panose="03070502060502030205"/>
+                  <a:cs typeface="Papyrus" panose="03070502060502030205"/>
+                  <a:sym typeface="Papyrus" panose="03070502060502030205"/>
                 </a:defRPr>
               </a:lvl1pPr>
             </a:lstStyle>
@@ -7614,10 +7982,10 @@
                   <a:solidFill>
                     <a:srgbClr val="24383E"/>
                   </a:solidFill>
-                  <a:latin typeface="Papyrus"/>
-                  <a:ea typeface="Papyrus"/>
-                  <a:cs typeface="Papyrus"/>
-                  <a:sym typeface="Papyrus"/>
+                  <a:latin typeface="Papyrus" panose="03070502060502030205"/>
+                  <a:ea typeface="Papyrus" panose="03070502060502030205"/>
+                  <a:cs typeface="Papyrus" panose="03070502060502030205"/>
+                  <a:sym typeface="Papyrus" panose="03070502060502030205"/>
                 </a:defRPr>
               </a:lvl1pPr>
             </a:lstStyle>
@@ -7676,10 +8044,10 @@
                   <a:solidFill>
                     <a:srgbClr val="24383E"/>
                   </a:solidFill>
-                  <a:latin typeface="Papyrus"/>
-                  <a:ea typeface="Papyrus"/>
-                  <a:cs typeface="Papyrus"/>
-                  <a:sym typeface="Papyrus"/>
+                  <a:latin typeface="Papyrus" panose="03070502060502030205"/>
+                  <a:ea typeface="Papyrus" panose="03070502060502030205"/>
+                  <a:cs typeface="Papyrus" panose="03070502060502030205"/>
+                  <a:sym typeface="Papyrus" panose="03070502060502030205"/>
                 </a:defRPr>
               </a:lvl1pPr>
             </a:lstStyle>
@@ -7738,10 +8106,10 @@
                   <a:solidFill>
                     <a:srgbClr val="24383E"/>
                   </a:solidFill>
-                  <a:latin typeface="Papyrus"/>
-                  <a:ea typeface="Papyrus"/>
-                  <a:cs typeface="Papyrus"/>
-                  <a:sym typeface="Papyrus"/>
+                  <a:latin typeface="Papyrus" panose="03070502060502030205"/>
+                  <a:ea typeface="Papyrus" panose="03070502060502030205"/>
+                  <a:cs typeface="Papyrus" panose="03070502060502030205"/>
+                  <a:sym typeface="Papyrus" panose="03070502060502030205"/>
                 </a:defRPr>
               </a:lvl1pPr>
             </a:lstStyle>
@@ -7796,8 +8164,8 @@
                 <a:gs pos="100000">
                   <a:schemeClr val="accent4">
                     <a:hueOff val="-903206"/>
-                    <a:satOff val="-17118"/>
-                    <a:lumOff val="-2083"/>
+                    <a:satOff val="-17116"/>
+                    <a:lumOff val="-2081"/>
                   </a:schemeClr>
                 </a:gs>
               </a:gsLst>
@@ -7889,10 +8257,10 @@
                   <a:solidFill>
                     <a:srgbClr val="24383E"/>
                   </a:solidFill>
-                  <a:latin typeface="Papyrus"/>
-                  <a:ea typeface="Papyrus"/>
-                  <a:cs typeface="Papyrus"/>
-                  <a:sym typeface="Papyrus"/>
+                  <a:latin typeface="Papyrus" panose="03070502060502030205"/>
+                  <a:ea typeface="Papyrus" panose="03070502060502030205"/>
+                  <a:cs typeface="Papyrus" panose="03070502060502030205"/>
+                  <a:sym typeface="Papyrus" panose="03070502060502030205"/>
                 </a:defRPr>
               </a:lvl1pPr>
             </a:lstStyle>
@@ -7955,10 +8323,10 @@
                   <a:solidFill>
                     <a:srgbClr val="24383E"/>
                   </a:solidFill>
-                  <a:latin typeface="Papyrus"/>
-                  <a:ea typeface="Papyrus"/>
-                  <a:cs typeface="Papyrus"/>
-                  <a:sym typeface="Papyrus"/>
+                  <a:latin typeface="Papyrus" panose="03070502060502030205"/>
+                  <a:ea typeface="Papyrus" panose="03070502060502030205"/>
+                  <a:cs typeface="Papyrus" panose="03070502060502030205"/>
+                  <a:sym typeface="Papyrus" panose="03070502060502030205"/>
                 </a:defRPr>
               </a:lvl1pPr>
             </a:lstStyle>
@@ -8021,10 +8389,10 @@
                   <a:solidFill>
                     <a:srgbClr val="24383E"/>
                   </a:solidFill>
-                  <a:latin typeface="Papyrus"/>
-                  <a:ea typeface="Papyrus"/>
-                  <a:cs typeface="Papyrus"/>
-                  <a:sym typeface="Papyrus"/>
+                  <a:latin typeface="Papyrus" panose="03070502060502030205"/>
+                  <a:ea typeface="Papyrus" panose="03070502060502030205"/>
+                  <a:cs typeface="Papyrus" panose="03070502060502030205"/>
+                  <a:sym typeface="Papyrus" panose="03070502060502030205"/>
                 </a:defRPr>
               </a:lvl1pPr>
             </a:lstStyle>
@@ -8087,10 +8455,10 @@
                   <a:solidFill>
                     <a:srgbClr val="24383E"/>
                   </a:solidFill>
-                  <a:latin typeface="Papyrus"/>
-                  <a:ea typeface="Papyrus"/>
-                  <a:cs typeface="Papyrus"/>
-                  <a:sym typeface="Papyrus"/>
+                  <a:latin typeface="Papyrus" panose="03070502060502030205"/>
+                  <a:ea typeface="Papyrus" panose="03070502060502030205"/>
+                  <a:cs typeface="Papyrus" panose="03070502060502030205"/>
+                  <a:sym typeface="Papyrus" panose="03070502060502030205"/>
                 </a:defRPr>
               </a:lvl1pPr>
             </a:lstStyle>
@@ -8153,10 +8521,10 @@
                   <a:solidFill>
                     <a:srgbClr val="24383E"/>
                   </a:solidFill>
-                  <a:latin typeface="Papyrus"/>
-                  <a:ea typeface="Papyrus"/>
-                  <a:cs typeface="Papyrus"/>
-                  <a:sym typeface="Papyrus"/>
+                  <a:latin typeface="Papyrus" panose="03070502060502030205"/>
+                  <a:ea typeface="Papyrus" panose="03070502060502030205"/>
+                  <a:cs typeface="Papyrus" panose="03070502060502030205"/>
+                  <a:sym typeface="Papyrus" panose="03070502060502030205"/>
                 </a:defRPr>
               </a:lvl1pPr>
             </a:lstStyle>
@@ -8219,10 +8587,10 @@
                   <a:solidFill>
                     <a:srgbClr val="24383E"/>
                   </a:solidFill>
-                  <a:latin typeface="Papyrus"/>
-                  <a:ea typeface="Papyrus"/>
-                  <a:cs typeface="Papyrus"/>
-                  <a:sym typeface="Papyrus"/>
+                  <a:latin typeface="Papyrus" panose="03070502060502030205"/>
+                  <a:ea typeface="Papyrus" panose="03070502060502030205"/>
+                  <a:cs typeface="Papyrus" panose="03070502060502030205"/>
+                  <a:sym typeface="Papyrus" panose="03070502060502030205"/>
                 </a:defRPr>
               </a:lvl1pPr>
             </a:lstStyle>
@@ -8285,10 +8653,10 @@
                   <a:solidFill>
                     <a:srgbClr val="24383E"/>
                   </a:solidFill>
-                  <a:latin typeface="Papyrus"/>
-                  <a:ea typeface="Papyrus"/>
-                  <a:cs typeface="Papyrus"/>
-                  <a:sym typeface="Papyrus"/>
+                  <a:latin typeface="Papyrus" panose="03070502060502030205"/>
+                  <a:ea typeface="Papyrus" panose="03070502060502030205"/>
+                  <a:cs typeface="Papyrus" panose="03070502060502030205"/>
+                  <a:sym typeface="Papyrus" panose="03070502060502030205"/>
                 </a:defRPr>
               </a:lvl1pPr>
             </a:lstStyle>
@@ -8351,10 +8719,10 @@
                   <a:solidFill>
                     <a:srgbClr val="24383E"/>
                   </a:solidFill>
-                  <a:latin typeface="Papyrus"/>
-                  <a:ea typeface="Papyrus"/>
-                  <a:cs typeface="Papyrus"/>
-                  <a:sym typeface="Papyrus"/>
+                  <a:latin typeface="Papyrus" panose="03070502060502030205"/>
+                  <a:ea typeface="Papyrus" panose="03070502060502030205"/>
+                  <a:cs typeface="Papyrus" panose="03070502060502030205"/>
+                  <a:sym typeface="Papyrus" panose="03070502060502030205"/>
                 </a:defRPr>
               </a:lvl1pPr>
             </a:lstStyle>
@@ -8417,10 +8785,10 @@
                   <a:solidFill>
                     <a:srgbClr val="24383E"/>
                   </a:solidFill>
-                  <a:latin typeface="Papyrus"/>
-                  <a:ea typeface="Papyrus"/>
-                  <a:cs typeface="Papyrus"/>
-                  <a:sym typeface="Papyrus"/>
+                  <a:latin typeface="Papyrus" panose="03070502060502030205"/>
+                  <a:ea typeface="Papyrus" panose="03070502060502030205"/>
+                  <a:cs typeface="Papyrus" panose="03070502060502030205"/>
+                  <a:sym typeface="Papyrus" panose="03070502060502030205"/>
                 </a:defRPr>
               </a:lvl1pPr>
             </a:lstStyle>
@@ -8483,10 +8851,10 @@
                   <a:solidFill>
                     <a:srgbClr val="24383E"/>
                   </a:solidFill>
-                  <a:latin typeface="Papyrus"/>
-                  <a:ea typeface="Papyrus"/>
-                  <a:cs typeface="Papyrus"/>
-                  <a:sym typeface="Papyrus"/>
+                  <a:latin typeface="Papyrus" panose="03070502060502030205"/>
+                  <a:ea typeface="Papyrus" panose="03070502060502030205"/>
+                  <a:cs typeface="Papyrus" panose="03070502060502030205"/>
+                  <a:sym typeface="Papyrus" panose="03070502060502030205"/>
                 </a:defRPr>
               </a:lvl1pPr>
             </a:lstStyle>
@@ -8524,7 +8892,7 @@
 </p:sld>
 </file>
 
-<file path=ppt/slides/slide3.xml><?xml version="1.0" encoding="utf-8"?>
+<file path=ppt/slides/slide15.xml><?xml version="1.0" encoding="utf-8"?>
 <p:sld xmlns:a="http://schemas.openxmlformats.org/drawingml/2006/main" xmlns:r="http://schemas.openxmlformats.org/officeDocument/2006/relationships" xmlns:p="http://schemas.openxmlformats.org/presentationml/2006/main">
   <p:cSld>
     <p:spTree>
@@ -8600,8 +8968,8 @@
                 <a:gs pos="100000">
                   <a:schemeClr val="accent4">
                     <a:hueOff val="-903206"/>
-                    <a:satOff val="-17118"/>
-                    <a:lumOff val="-2083"/>
+                    <a:satOff val="-17116"/>
+                    <a:lumOff val="-2081"/>
                   </a:schemeClr>
                 </a:gs>
               </a:gsLst>
@@ -8689,10 +9057,10 @@
                   <a:solidFill>
                     <a:srgbClr val="24383E"/>
                   </a:solidFill>
-                  <a:latin typeface="Papyrus"/>
-                  <a:ea typeface="Papyrus"/>
-                  <a:cs typeface="Papyrus"/>
-                  <a:sym typeface="Papyrus"/>
+                  <a:latin typeface="Papyrus" panose="03070502060502030205"/>
+                  <a:ea typeface="Papyrus" panose="03070502060502030205"/>
+                  <a:cs typeface="Papyrus" panose="03070502060502030205"/>
+                  <a:sym typeface="Papyrus" panose="03070502060502030205"/>
                 </a:defRPr>
               </a:lvl1pPr>
             </a:lstStyle>
@@ -8751,10 +9119,10 @@
                   <a:solidFill>
                     <a:srgbClr val="24383E"/>
                   </a:solidFill>
-                  <a:latin typeface="Papyrus"/>
-                  <a:ea typeface="Papyrus"/>
-                  <a:cs typeface="Papyrus"/>
-                  <a:sym typeface="Papyrus"/>
+                  <a:latin typeface="Papyrus" panose="03070502060502030205"/>
+                  <a:ea typeface="Papyrus" panose="03070502060502030205"/>
+                  <a:cs typeface="Papyrus" panose="03070502060502030205"/>
+                  <a:sym typeface="Papyrus" panose="03070502060502030205"/>
                 </a:defRPr>
               </a:lvl1pPr>
             </a:lstStyle>
@@ -8813,10 +9181,10 @@
                   <a:solidFill>
                     <a:srgbClr val="24383E"/>
                   </a:solidFill>
-                  <a:latin typeface="Papyrus"/>
-                  <a:ea typeface="Papyrus"/>
-                  <a:cs typeface="Papyrus"/>
-                  <a:sym typeface="Papyrus"/>
+                  <a:latin typeface="Papyrus" panose="03070502060502030205"/>
+                  <a:ea typeface="Papyrus" panose="03070502060502030205"/>
+                  <a:cs typeface="Papyrus" panose="03070502060502030205"/>
+                  <a:sym typeface="Papyrus" panose="03070502060502030205"/>
                 </a:defRPr>
               </a:lvl1pPr>
             </a:lstStyle>
@@ -8875,10 +9243,10 @@
                   <a:solidFill>
                     <a:srgbClr val="24383E"/>
                   </a:solidFill>
-                  <a:latin typeface="Papyrus"/>
-                  <a:ea typeface="Papyrus"/>
-                  <a:cs typeface="Papyrus"/>
-                  <a:sym typeface="Papyrus"/>
+                  <a:latin typeface="Papyrus" panose="03070502060502030205"/>
+                  <a:ea typeface="Papyrus" panose="03070502060502030205"/>
+                  <a:cs typeface="Papyrus" panose="03070502060502030205"/>
+                  <a:sym typeface="Papyrus" panose="03070502060502030205"/>
                 </a:defRPr>
               </a:lvl1pPr>
             </a:lstStyle>
@@ -8937,10 +9305,10 @@
                   <a:solidFill>
                     <a:srgbClr val="24383E"/>
                   </a:solidFill>
-                  <a:latin typeface="Papyrus"/>
-                  <a:ea typeface="Papyrus"/>
-                  <a:cs typeface="Papyrus"/>
-                  <a:sym typeface="Papyrus"/>
+                  <a:latin typeface="Papyrus" panose="03070502060502030205"/>
+                  <a:ea typeface="Papyrus" panose="03070502060502030205"/>
+                  <a:cs typeface="Papyrus" panose="03070502060502030205"/>
+                  <a:sym typeface="Papyrus" panose="03070502060502030205"/>
                 </a:defRPr>
               </a:lvl1pPr>
             </a:lstStyle>
@@ -8999,10 +9367,10 @@
                   <a:solidFill>
                     <a:srgbClr val="24383E"/>
                   </a:solidFill>
-                  <a:latin typeface="Papyrus"/>
-                  <a:ea typeface="Papyrus"/>
-                  <a:cs typeface="Papyrus"/>
-                  <a:sym typeface="Papyrus"/>
+                  <a:latin typeface="Papyrus" panose="03070502060502030205"/>
+                  <a:ea typeface="Papyrus" panose="03070502060502030205"/>
+                  <a:cs typeface="Papyrus" panose="03070502060502030205"/>
+                  <a:sym typeface="Papyrus" panose="03070502060502030205"/>
                 </a:defRPr>
               </a:lvl1pPr>
             </a:lstStyle>
@@ -9061,10 +9429,10 @@
                   <a:solidFill>
                     <a:srgbClr val="24383E"/>
                   </a:solidFill>
-                  <a:latin typeface="Papyrus"/>
-                  <a:ea typeface="Papyrus"/>
-                  <a:cs typeface="Papyrus"/>
-                  <a:sym typeface="Papyrus"/>
+                  <a:latin typeface="Papyrus" panose="03070502060502030205"/>
+                  <a:ea typeface="Papyrus" panose="03070502060502030205"/>
+                  <a:cs typeface="Papyrus" panose="03070502060502030205"/>
+                  <a:sym typeface="Papyrus" panose="03070502060502030205"/>
                 </a:defRPr>
               </a:lvl1pPr>
             </a:lstStyle>
@@ -9123,10 +9491,10 @@
                   <a:solidFill>
                     <a:srgbClr val="24383E"/>
                   </a:solidFill>
-                  <a:latin typeface="Papyrus"/>
-                  <a:ea typeface="Papyrus"/>
-                  <a:cs typeface="Papyrus"/>
-                  <a:sym typeface="Papyrus"/>
+                  <a:latin typeface="Papyrus" panose="03070502060502030205"/>
+                  <a:ea typeface="Papyrus" panose="03070502060502030205"/>
+                  <a:cs typeface="Papyrus" panose="03070502060502030205"/>
+                  <a:sym typeface="Papyrus" panose="03070502060502030205"/>
                 </a:defRPr>
               </a:lvl1pPr>
             </a:lstStyle>
@@ -9185,10 +9553,10 @@
                   <a:solidFill>
                     <a:srgbClr val="24383E"/>
                   </a:solidFill>
-                  <a:latin typeface="Papyrus"/>
-                  <a:ea typeface="Papyrus"/>
-                  <a:cs typeface="Papyrus"/>
-                  <a:sym typeface="Papyrus"/>
+                  <a:latin typeface="Papyrus" panose="03070502060502030205"/>
+                  <a:ea typeface="Papyrus" panose="03070502060502030205"/>
+                  <a:cs typeface="Papyrus" panose="03070502060502030205"/>
+                  <a:sym typeface="Papyrus" panose="03070502060502030205"/>
                 </a:defRPr>
               </a:lvl1pPr>
             </a:lstStyle>
@@ -9226,7 +9594,7 @@
 </p:sld>
 </file>
 
-<file path=ppt/slides/slide4.xml><?xml version="1.0" encoding="utf-8"?>
+<file path=ppt/slides/slide16.xml><?xml version="1.0" encoding="utf-8"?>
 <p:sld xmlns:a="http://schemas.openxmlformats.org/drawingml/2006/main" xmlns:r="http://schemas.openxmlformats.org/officeDocument/2006/relationships" xmlns:p="http://schemas.openxmlformats.org/presentationml/2006/main">
   <p:cSld>
     <p:spTree>
@@ -9302,8 +9670,8 @@
                 <a:gs pos="100000">
                   <a:schemeClr val="accent4">
                     <a:hueOff val="-903206"/>
-                    <a:satOff val="-17118"/>
-                    <a:lumOff val="-2083"/>
+                    <a:satOff val="-17116"/>
+                    <a:lumOff val="-2081"/>
                   </a:schemeClr>
                 </a:gs>
               </a:gsLst>
@@ -9391,10 +9759,10 @@
                   <a:solidFill>
                     <a:srgbClr val="24383E"/>
                   </a:solidFill>
-                  <a:latin typeface="Papyrus"/>
-                  <a:ea typeface="Papyrus"/>
-                  <a:cs typeface="Papyrus"/>
-                  <a:sym typeface="Papyrus"/>
+                  <a:latin typeface="Papyrus" panose="03070502060502030205"/>
+                  <a:ea typeface="Papyrus" panose="03070502060502030205"/>
+                  <a:cs typeface="Papyrus" panose="03070502060502030205"/>
+                  <a:sym typeface="Papyrus" panose="03070502060502030205"/>
                 </a:defRPr>
               </a:lvl1pPr>
             </a:lstStyle>
@@ -9453,10 +9821,10 @@
                   <a:solidFill>
                     <a:srgbClr val="24383E"/>
                   </a:solidFill>
-                  <a:latin typeface="Papyrus"/>
-                  <a:ea typeface="Papyrus"/>
-                  <a:cs typeface="Papyrus"/>
-                  <a:sym typeface="Papyrus"/>
+                  <a:latin typeface="Papyrus" panose="03070502060502030205"/>
+                  <a:ea typeface="Papyrus" panose="03070502060502030205"/>
+                  <a:cs typeface="Papyrus" panose="03070502060502030205"/>
+                  <a:sym typeface="Papyrus" panose="03070502060502030205"/>
                 </a:defRPr>
               </a:lvl1pPr>
             </a:lstStyle>
@@ -9515,10 +9883,10 @@
                   <a:solidFill>
                     <a:srgbClr val="24383E"/>
                   </a:solidFill>
-                  <a:latin typeface="Papyrus"/>
-                  <a:ea typeface="Papyrus"/>
-                  <a:cs typeface="Papyrus"/>
-                  <a:sym typeface="Papyrus"/>
+                  <a:latin typeface="Papyrus" panose="03070502060502030205"/>
+                  <a:ea typeface="Papyrus" panose="03070502060502030205"/>
+                  <a:cs typeface="Papyrus" panose="03070502060502030205"/>
+                  <a:sym typeface="Papyrus" panose="03070502060502030205"/>
                 </a:defRPr>
               </a:lvl1pPr>
             </a:lstStyle>
@@ -9577,10 +9945,10 @@
                   <a:solidFill>
                     <a:srgbClr val="24383E"/>
                   </a:solidFill>
-                  <a:latin typeface="Papyrus"/>
-                  <a:ea typeface="Papyrus"/>
-                  <a:cs typeface="Papyrus"/>
-                  <a:sym typeface="Papyrus"/>
+                  <a:latin typeface="Papyrus" panose="03070502060502030205"/>
+                  <a:ea typeface="Papyrus" panose="03070502060502030205"/>
+                  <a:cs typeface="Papyrus" panose="03070502060502030205"/>
+                  <a:sym typeface="Papyrus" panose="03070502060502030205"/>
                 </a:defRPr>
               </a:lvl1pPr>
             </a:lstStyle>
@@ -9639,10 +10007,10 @@
                   <a:solidFill>
                     <a:srgbClr val="24383E"/>
                   </a:solidFill>
-                  <a:latin typeface="Papyrus"/>
-                  <a:ea typeface="Papyrus"/>
-                  <a:cs typeface="Papyrus"/>
-                  <a:sym typeface="Papyrus"/>
+                  <a:latin typeface="Papyrus" panose="03070502060502030205"/>
+                  <a:ea typeface="Papyrus" panose="03070502060502030205"/>
+                  <a:cs typeface="Papyrus" panose="03070502060502030205"/>
+                  <a:sym typeface="Papyrus" panose="03070502060502030205"/>
                 </a:defRPr>
               </a:lvl1pPr>
             </a:lstStyle>
@@ -9701,10 +10069,10 @@
                   <a:solidFill>
                     <a:srgbClr val="24383E"/>
                   </a:solidFill>
-                  <a:latin typeface="Papyrus"/>
-                  <a:ea typeface="Papyrus"/>
-                  <a:cs typeface="Papyrus"/>
-                  <a:sym typeface="Papyrus"/>
+                  <a:latin typeface="Papyrus" panose="03070502060502030205"/>
+                  <a:ea typeface="Papyrus" panose="03070502060502030205"/>
+                  <a:cs typeface="Papyrus" panose="03070502060502030205"/>
+                  <a:sym typeface="Papyrus" panose="03070502060502030205"/>
                 </a:defRPr>
               </a:lvl1pPr>
             </a:lstStyle>
@@ -9763,10 +10131,10 @@
                   <a:solidFill>
                     <a:srgbClr val="24383E"/>
                   </a:solidFill>
-                  <a:latin typeface="Papyrus"/>
-                  <a:ea typeface="Papyrus"/>
-                  <a:cs typeface="Papyrus"/>
-                  <a:sym typeface="Papyrus"/>
+                  <a:latin typeface="Papyrus" panose="03070502060502030205"/>
+                  <a:ea typeface="Papyrus" panose="03070502060502030205"/>
+                  <a:cs typeface="Papyrus" panose="03070502060502030205"/>
+                  <a:sym typeface="Papyrus" panose="03070502060502030205"/>
                 </a:defRPr>
               </a:lvl1pPr>
             </a:lstStyle>
@@ -9825,10 +10193,10 @@
                   <a:solidFill>
                     <a:srgbClr val="24383E"/>
                   </a:solidFill>
-                  <a:latin typeface="Papyrus"/>
-                  <a:ea typeface="Papyrus"/>
-                  <a:cs typeface="Papyrus"/>
-                  <a:sym typeface="Papyrus"/>
+                  <a:latin typeface="Papyrus" panose="03070502060502030205"/>
+                  <a:ea typeface="Papyrus" panose="03070502060502030205"/>
+                  <a:cs typeface="Papyrus" panose="03070502060502030205"/>
+                  <a:sym typeface="Papyrus" panose="03070502060502030205"/>
                 </a:defRPr>
               </a:lvl1pPr>
             </a:lstStyle>
@@ -9887,10 +10255,10 @@
                   <a:solidFill>
                     <a:srgbClr val="24383E"/>
                   </a:solidFill>
-                  <a:latin typeface="Papyrus"/>
-                  <a:ea typeface="Papyrus"/>
-                  <a:cs typeface="Papyrus"/>
-                  <a:sym typeface="Papyrus"/>
+                  <a:latin typeface="Papyrus" panose="03070502060502030205"/>
+                  <a:ea typeface="Papyrus" panose="03070502060502030205"/>
+                  <a:cs typeface="Papyrus" panose="03070502060502030205"/>
+                  <a:sym typeface="Papyrus" panose="03070502060502030205"/>
                 </a:defRPr>
               </a:lvl1pPr>
             </a:lstStyle>
@@ -9949,10 +10317,10 @@
                   <a:solidFill>
                     <a:srgbClr val="24383E"/>
                   </a:solidFill>
-                  <a:latin typeface="Papyrus"/>
-                  <a:ea typeface="Papyrus"/>
-                  <a:cs typeface="Papyrus"/>
-                  <a:sym typeface="Papyrus"/>
+                  <a:latin typeface="Papyrus" panose="03070502060502030205"/>
+                  <a:ea typeface="Papyrus" panose="03070502060502030205"/>
+                  <a:cs typeface="Papyrus" panose="03070502060502030205"/>
+                  <a:sym typeface="Papyrus" panose="03070502060502030205"/>
                 </a:defRPr>
               </a:lvl1pPr>
             </a:lstStyle>
@@ -10011,10 +10379,10 @@
                   <a:solidFill>
                     <a:srgbClr val="24383E"/>
                   </a:solidFill>
-                  <a:latin typeface="Papyrus"/>
-                  <a:ea typeface="Papyrus"/>
-                  <a:cs typeface="Papyrus"/>
-                  <a:sym typeface="Papyrus"/>
+                  <a:latin typeface="Papyrus" panose="03070502060502030205"/>
+                  <a:ea typeface="Papyrus" panose="03070502060502030205"/>
+                  <a:cs typeface="Papyrus" panose="03070502060502030205"/>
+                  <a:sym typeface="Papyrus" panose="03070502060502030205"/>
                 </a:defRPr>
               </a:lvl1pPr>
             </a:lstStyle>
@@ -10069,8 +10437,8 @@
                 <a:gs pos="100000">
                   <a:schemeClr val="accent4">
                     <a:hueOff val="-903206"/>
-                    <a:satOff val="-17118"/>
-                    <a:lumOff val="-2083"/>
+                    <a:satOff val="-17116"/>
+                    <a:lumOff val="-2081"/>
                   </a:schemeClr>
                 </a:gs>
               </a:gsLst>
@@ -10158,10 +10526,10 @@
                   <a:solidFill>
                     <a:srgbClr val="24383E"/>
                   </a:solidFill>
-                  <a:latin typeface="Papyrus"/>
-                  <a:ea typeface="Papyrus"/>
-                  <a:cs typeface="Papyrus"/>
-                  <a:sym typeface="Papyrus"/>
+                  <a:latin typeface="Papyrus" panose="03070502060502030205"/>
+                  <a:ea typeface="Papyrus" panose="03070502060502030205"/>
+                  <a:cs typeface="Papyrus" panose="03070502060502030205"/>
+                  <a:sym typeface="Papyrus" panose="03070502060502030205"/>
                 </a:defRPr>
               </a:lvl1pPr>
             </a:lstStyle>
@@ -10220,10 +10588,10 @@
                   <a:solidFill>
                     <a:srgbClr val="24383E"/>
                   </a:solidFill>
-                  <a:latin typeface="Papyrus"/>
-                  <a:ea typeface="Papyrus"/>
-                  <a:cs typeface="Papyrus"/>
-                  <a:sym typeface="Papyrus"/>
+                  <a:latin typeface="Papyrus" panose="03070502060502030205"/>
+                  <a:ea typeface="Papyrus" panose="03070502060502030205"/>
+                  <a:cs typeface="Papyrus" panose="03070502060502030205"/>
+                  <a:sym typeface="Papyrus" panose="03070502060502030205"/>
                 </a:defRPr>
               </a:lvl1pPr>
             </a:lstStyle>
@@ -10282,10 +10650,10 @@
                   <a:solidFill>
                     <a:srgbClr val="24383E"/>
                   </a:solidFill>
-                  <a:latin typeface="Papyrus"/>
-                  <a:ea typeface="Papyrus"/>
-                  <a:cs typeface="Papyrus"/>
-                  <a:sym typeface="Papyrus"/>
+                  <a:latin typeface="Papyrus" panose="03070502060502030205"/>
+                  <a:ea typeface="Papyrus" panose="03070502060502030205"/>
+                  <a:cs typeface="Papyrus" panose="03070502060502030205"/>
+                  <a:sym typeface="Papyrus" panose="03070502060502030205"/>
                 </a:defRPr>
               </a:lvl1pPr>
             </a:lstStyle>
@@ -10344,10 +10712,10 @@
                   <a:solidFill>
                     <a:srgbClr val="24383E"/>
                   </a:solidFill>
-                  <a:latin typeface="Papyrus"/>
-                  <a:ea typeface="Papyrus"/>
-                  <a:cs typeface="Papyrus"/>
-                  <a:sym typeface="Papyrus"/>
+                  <a:latin typeface="Papyrus" panose="03070502060502030205"/>
+                  <a:ea typeface="Papyrus" panose="03070502060502030205"/>
+                  <a:cs typeface="Papyrus" panose="03070502060502030205"/>
+                  <a:sym typeface="Papyrus" panose="03070502060502030205"/>
                 </a:defRPr>
               </a:lvl1pPr>
             </a:lstStyle>
@@ -10402,8 +10770,8 @@
                 <a:gs pos="100000">
                   <a:schemeClr val="accent4">
                     <a:hueOff val="-903206"/>
-                    <a:satOff val="-17118"/>
-                    <a:lumOff val="-2083"/>
+                    <a:satOff val="-17116"/>
+                    <a:lumOff val="-2081"/>
                   </a:schemeClr>
                 </a:gs>
               </a:gsLst>
@@ -10491,10 +10859,10 @@
                   <a:solidFill>
                     <a:srgbClr val="24383E"/>
                   </a:solidFill>
-                  <a:latin typeface="Papyrus"/>
-                  <a:ea typeface="Papyrus"/>
-                  <a:cs typeface="Papyrus"/>
-                  <a:sym typeface="Papyrus"/>
+                  <a:latin typeface="Papyrus" panose="03070502060502030205"/>
+                  <a:ea typeface="Papyrus" panose="03070502060502030205"/>
+                  <a:cs typeface="Papyrus" panose="03070502060502030205"/>
+                  <a:sym typeface="Papyrus" panose="03070502060502030205"/>
                 </a:defRPr>
               </a:lvl1pPr>
             </a:lstStyle>
@@ -10553,10 +10921,10 @@
                   <a:solidFill>
                     <a:srgbClr val="24383E"/>
                   </a:solidFill>
-                  <a:latin typeface="Papyrus"/>
-                  <a:ea typeface="Papyrus"/>
-                  <a:cs typeface="Papyrus"/>
-                  <a:sym typeface="Papyrus"/>
+                  <a:latin typeface="Papyrus" panose="03070502060502030205"/>
+                  <a:ea typeface="Papyrus" panose="03070502060502030205"/>
+                  <a:cs typeface="Papyrus" panose="03070502060502030205"/>
+                  <a:sym typeface="Papyrus" panose="03070502060502030205"/>
                 </a:defRPr>
               </a:lvl1pPr>
             </a:lstStyle>
@@ -10615,10 +10983,10 @@
                   <a:solidFill>
                     <a:srgbClr val="24383E"/>
                   </a:solidFill>
-                  <a:latin typeface="Papyrus"/>
-                  <a:ea typeface="Papyrus"/>
-                  <a:cs typeface="Papyrus"/>
-                  <a:sym typeface="Papyrus"/>
+                  <a:latin typeface="Papyrus" panose="03070502060502030205"/>
+                  <a:ea typeface="Papyrus" panose="03070502060502030205"/>
+                  <a:cs typeface="Papyrus" panose="03070502060502030205"/>
+                  <a:sym typeface="Papyrus" panose="03070502060502030205"/>
                 </a:defRPr>
               </a:lvl1pPr>
             </a:lstStyle>
@@ -10677,10 +11045,10 @@
                   <a:solidFill>
                     <a:srgbClr val="24383E"/>
                   </a:solidFill>
-                  <a:latin typeface="Papyrus"/>
-                  <a:ea typeface="Papyrus"/>
-                  <a:cs typeface="Papyrus"/>
-                  <a:sym typeface="Papyrus"/>
+                  <a:latin typeface="Papyrus" panose="03070502060502030205"/>
+                  <a:ea typeface="Papyrus" panose="03070502060502030205"/>
+                  <a:cs typeface="Papyrus" panose="03070502060502030205"/>
+                  <a:sym typeface="Papyrus" panose="03070502060502030205"/>
                 </a:defRPr>
               </a:lvl1pPr>
             </a:lstStyle>
@@ -10718,7 +11086,7 @@
 </p:sld>
 </file>
 
-<file path=ppt/slides/slide5.xml><?xml version="1.0" encoding="utf-8"?>
+<file path=ppt/slides/slide17.xml><?xml version="1.0" encoding="utf-8"?>
 <p:sld xmlns:a="http://schemas.openxmlformats.org/drawingml/2006/main" xmlns:r="http://schemas.openxmlformats.org/officeDocument/2006/relationships" xmlns:p="http://schemas.openxmlformats.org/presentationml/2006/main">
   <p:cSld>
     <p:spTree>
@@ -10780,8 +11148,8 @@
               <a:gs pos="100000">
                 <a:schemeClr val="accent4">
                   <a:hueOff val="-903206"/>
-                  <a:satOff val="-17118"/>
-                  <a:lumOff val="-2083"/>
+                  <a:satOff val="-17116"/>
+                  <a:lumOff val="-2081"/>
                 </a:schemeClr>
               </a:gs>
             </a:gsLst>
@@ -10863,10 +11231,10 @@
                 <a:solidFill>
                   <a:srgbClr val="24383E"/>
                 </a:solidFill>
-                <a:latin typeface="Papyrus"/>
-                <a:ea typeface="Papyrus"/>
-                <a:cs typeface="Papyrus"/>
-                <a:sym typeface="Papyrus"/>
+                <a:latin typeface="Papyrus" panose="03070502060502030205"/>
+                <a:ea typeface="Papyrus" panose="03070502060502030205"/>
+                <a:cs typeface="Papyrus" panose="03070502060502030205"/>
+                <a:sym typeface="Papyrus" panose="03070502060502030205"/>
               </a:defRPr>
             </a:lvl1pPr>
           </a:lstStyle>
@@ -10922,10 +11290,10 @@
                 <a:solidFill>
                   <a:srgbClr val="24383E"/>
                 </a:solidFill>
-                <a:latin typeface="Papyrus"/>
-                <a:ea typeface="Papyrus"/>
-                <a:cs typeface="Papyrus"/>
-                <a:sym typeface="Papyrus"/>
+                <a:latin typeface="Papyrus" panose="03070502060502030205"/>
+                <a:ea typeface="Papyrus" panose="03070502060502030205"/>
+                <a:cs typeface="Papyrus" panose="03070502060502030205"/>
+                <a:sym typeface="Papyrus" panose="03070502060502030205"/>
               </a:defRPr>
             </a:lvl1pPr>
           </a:lstStyle>
@@ -10981,10 +11349,10 @@
                 <a:solidFill>
                   <a:srgbClr val="24383E"/>
                 </a:solidFill>
-                <a:latin typeface="Papyrus"/>
-                <a:ea typeface="Papyrus"/>
-                <a:cs typeface="Papyrus"/>
-                <a:sym typeface="Papyrus"/>
+                <a:latin typeface="Papyrus" panose="03070502060502030205"/>
+                <a:ea typeface="Papyrus" panose="03070502060502030205"/>
+                <a:cs typeface="Papyrus" panose="03070502060502030205"/>
+                <a:sym typeface="Papyrus" panose="03070502060502030205"/>
               </a:defRPr>
             </a:lvl1pPr>
           </a:lstStyle>
@@ -11040,10 +11408,10 @@
                 <a:solidFill>
                   <a:srgbClr val="24383E"/>
                 </a:solidFill>
-                <a:latin typeface="Papyrus"/>
-                <a:ea typeface="Papyrus"/>
-                <a:cs typeface="Papyrus"/>
-                <a:sym typeface="Papyrus"/>
+                <a:latin typeface="Papyrus" panose="03070502060502030205"/>
+                <a:ea typeface="Papyrus" panose="03070502060502030205"/>
+                <a:cs typeface="Papyrus" panose="03070502060502030205"/>
+                <a:sym typeface="Papyrus" panose="03070502060502030205"/>
               </a:defRPr>
             </a:lvl1pPr>
           </a:lstStyle>
@@ -11099,10 +11467,10 @@
                 <a:solidFill>
                   <a:srgbClr val="24383E"/>
                 </a:solidFill>
-                <a:latin typeface="Papyrus"/>
-                <a:ea typeface="Papyrus"/>
-                <a:cs typeface="Papyrus"/>
-                <a:sym typeface="Papyrus"/>
+                <a:latin typeface="Papyrus" panose="03070502060502030205"/>
+                <a:ea typeface="Papyrus" panose="03070502060502030205"/>
+                <a:cs typeface="Papyrus" panose="03070502060502030205"/>
+                <a:sym typeface="Papyrus" panose="03070502060502030205"/>
               </a:defRPr>
             </a:lvl1pPr>
           </a:lstStyle>
@@ -11158,10 +11526,10 @@
                 <a:solidFill>
                   <a:srgbClr val="24383E"/>
                 </a:solidFill>
-                <a:latin typeface="Papyrus"/>
-                <a:ea typeface="Papyrus"/>
-                <a:cs typeface="Papyrus"/>
-                <a:sym typeface="Papyrus"/>
+                <a:latin typeface="Papyrus" panose="03070502060502030205"/>
+                <a:ea typeface="Papyrus" panose="03070502060502030205"/>
+                <a:cs typeface="Papyrus" panose="03070502060502030205"/>
+                <a:sym typeface="Papyrus" panose="03070502060502030205"/>
               </a:defRPr>
             </a:lvl1pPr>
           </a:lstStyle>
@@ -11217,10 +11585,10 @@
                 <a:solidFill>
                   <a:srgbClr val="24383E"/>
                 </a:solidFill>
-                <a:latin typeface="Papyrus"/>
-                <a:ea typeface="Papyrus"/>
-                <a:cs typeface="Papyrus"/>
-                <a:sym typeface="Papyrus"/>
+                <a:latin typeface="Papyrus" panose="03070502060502030205"/>
+                <a:ea typeface="Papyrus" panose="03070502060502030205"/>
+                <a:cs typeface="Papyrus" panose="03070502060502030205"/>
+                <a:sym typeface="Papyrus" panose="03070502060502030205"/>
               </a:defRPr>
             </a:lvl1pPr>
           </a:lstStyle>
@@ -11276,10 +11644,10 @@
                 <a:solidFill>
                   <a:srgbClr val="24383E"/>
                 </a:solidFill>
-                <a:latin typeface="Papyrus"/>
-                <a:ea typeface="Papyrus"/>
-                <a:cs typeface="Papyrus"/>
-                <a:sym typeface="Papyrus"/>
+                <a:latin typeface="Papyrus" panose="03070502060502030205"/>
+                <a:ea typeface="Papyrus" panose="03070502060502030205"/>
+                <a:cs typeface="Papyrus" panose="03070502060502030205"/>
+                <a:sym typeface="Papyrus" panose="03070502060502030205"/>
               </a:defRPr>
             </a:lvl1pPr>
           </a:lstStyle>
@@ -11335,10 +11703,10 @@
                 <a:solidFill>
                   <a:srgbClr val="24383E"/>
                 </a:solidFill>
-                <a:latin typeface="Papyrus"/>
-                <a:ea typeface="Papyrus"/>
-                <a:cs typeface="Papyrus"/>
-                <a:sym typeface="Papyrus"/>
+                <a:latin typeface="Papyrus" panose="03070502060502030205"/>
+                <a:ea typeface="Papyrus" panose="03070502060502030205"/>
+                <a:cs typeface="Papyrus" panose="03070502060502030205"/>
+                <a:sym typeface="Papyrus" panose="03070502060502030205"/>
               </a:defRPr>
             </a:lvl1pPr>
           </a:lstStyle>
@@ -11394,10 +11762,10 @@
                 <a:solidFill>
                   <a:srgbClr val="24383E"/>
                 </a:solidFill>
-                <a:latin typeface="Papyrus"/>
-                <a:ea typeface="Papyrus"/>
-                <a:cs typeface="Papyrus"/>
-                <a:sym typeface="Papyrus"/>
+                <a:latin typeface="Papyrus" panose="03070502060502030205"/>
+                <a:ea typeface="Papyrus" panose="03070502060502030205"/>
+                <a:cs typeface="Papyrus" panose="03070502060502030205"/>
+                <a:sym typeface="Papyrus" panose="03070502060502030205"/>
               </a:defRPr>
             </a:lvl1pPr>
           </a:lstStyle>
@@ -11453,10 +11821,10 @@
                 <a:solidFill>
                   <a:srgbClr val="24383E"/>
                 </a:solidFill>
-                <a:latin typeface="Papyrus"/>
-                <a:ea typeface="Papyrus"/>
-                <a:cs typeface="Papyrus"/>
-                <a:sym typeface="Papyrus"/>
+                <a:latin typeface="Papyrus" panose="03070502060502030205"/>
+                <a:ea typeface="Papyrus" panose="03070502060502030205"/>
+                <a:cs typeface="Papyrus" panose="03070502060502030205"/>
+                <a:sym typeface="Papyrus" panose="03070502060502030205"/>
               </a:defRPr>
             </a:lvl1pPr>
           </a:lstStyle>
@@ -11512,10 +11880,10 @@
                 <a:solidFill>
                   <a:srgbClr val="24383E"/>
                 </a:solidFill>
-                <a:latin typeface="Papyrus"/>
-                <a:ea typeface="Papyrus"/>
-                <a:cs typeface="Papyrus"/>
-                <a:sym typeface="Papyrus"/>
+                <a:latin typeface="Papyrus" panose="03070502060502030205"/>
+                <a:ea typeface="Papyrus" panose="03070502060502030205"/>
+                <a:cs typeface="Papyrus" panose="03070502060502030205"/>
+                <a:sym typeface="Papyrus" panose="03070502060502030205"/>
               </a:defRPr>
             </a:lvl1pPr>
           </a:lstStyle>
@@ -11571,10 +11939,10 @@
                 <a:solidFill>
                   <a:srgbClr val="24383E"/>
                 </a:solidFill>
-                <a:latin typeface="Papyrus"/>
-                <a:ea typeface="Papyrus"/>
-                <a:cs typeface="Papyrus"/>
-                <a:sym typeface="Papyrus"/>
+                <a:latin typeface="Papyrus" panose="03070502060502030205"/>
+                <a:ea typeface="Papyrus" panose="03070502060502030205"/>
+                <a:cs typeface="Papyrus" panose="03070502060502030205"/>
+                <a:sym typeface="Papyrus" panose="03070502060502030205"/>
               </a:defRPr>
             </a:lvl1pPr>
           </a:lstStyle>
@@ -11630,10 +11998,10 @@
                 <a:solidFill>
                   <a:srgbClr val="24383E"/>
                 </a:solidFill>
-                <a:latin typeface="Papyrus"/>
-                <a:ea typeface="Papyrus"/>
-                <a:cs typeface="Papyrus"/>
-                <a:sym typeface="Papyrus"/>
+                <a:latin typeface="Papyrus" panose="03070502060502030205"/>
+                <a:ea typeface="Papyrus" panose="03070502060502030205"/>
+                <a:cs typeface="Papyrus" panose="03070502060502030205"/>
+                <a:sym typeface="Papyrus" panose="03070502060502030205"/>
               </a:defRPr>
             </a:lvl1pPr>
           </a:lstStyle>
@@ -11670,6 +12038,1059 @@
 </p:sld>
 </file>
 
+<file path=ppt/slides/slide2.xml><?xml version="1.0" encoding="utf-8"?>
+<p:sld xmlns:a="http://schemas.openxmlformats.org/drawingml/2006/main" xmlns:r="http://schemas.openxmlformats.org/officeDocument/2006/relationships" xmlns:p="http://schemas.openxmlformats.org/presentationml/2006/main">
+  <p:cSld>
+    <p:spTree>
+      <p:nvGrpSpPr>
+        <p:cNvPr id="1" name=""/>
+        <p:cNvGrpSpPr/>
+        <p:nvPr/>
+      </p:nvGrpSpPr>
+      <p:grpSpPr/>
+      <p:sp>
+        <p:nvSpPr>
+          <p:cNvPr id="4" name="标题 3"/>
+          <p:cNvSpPr>
+            <a:spLocks noGrp="1"/>
+          </p:cNvSpPr>
+          <p:nvPr>
+            <p:ph type="title"/>
+          </p:nvPr>
+        </p:nvSpPr>
+        <p:spPr/>
+        <p:txBody>
+          <a:bodyPr/>
+          <a:p>
+            <a:r>
+              <a:rPr lang="en-US" altLang="zh-CN"/>
+              <a:t>iOS Development</a:t>
+            </a:r>
+            <a:endParaRPr lang="en-US" altLang="zh-CN"/>
+          </a:p>
+        </p:txBody>
+      </p:sp>
+      <p:sp>
+        <p:nvSpPr>
+          <p:cNvPr id="5" name="文本占位符 4"/>
+          <p:cNvSpPr>
+            <a:spLocks noGrp="1"/>
+          </p:cNvSpPr>
+          <p:nvPr>
+            <p:ph type="body" idx="1"/>
+          </p:nvPr>
+        </p:nvSpPr>
+        <p:spPr/>
+        <p:txBody>
+          <a:bodyPr/>
+          <a:p>
+            <a:endParaRPr lang="zh-CN" altLang="en-US"/>
+          </a:p>
+        </p:txBody>
+      </p:sp>
+    </p:spTree>
+    <p:custDataLst>
+      <p:tags r:id="rId1"/>
+    </p:custDataLst>
+  </p:cSld>
+  <p:clrMapOvr>
+    <a:masterClrMapping/>
+  </p:clrMapOvr>
+</p:sld>
+</file>
+
+<file path=ppt/slides/slide3.xml><?xml version="1.0" encoding="utf-8"?>
+<p:sld xmlns:a="http://schemas.openxmlformats.org/drawingml/2006/main" xmlns:r="http://schemas.openxmlformats.org/officeDocument/2006/relationships" xmlns:p="http://schemas.openxmlformats.org/presentationml/2006/main">
+  <p:cSld>
+    <p:spTree>
+      <p:nvGrpSpPr>
+        <p:cNvPr id="1" name=""/>
+        <p:cNvGrpSpPr/>
+        <p:nvPr/>
+      </p:nvGrpSpPr>
+      <p:grpSpPr/>
+      <p:sp>
+        <p:nvSpPr>
+          <p:cNvPr id="2" name="标题 1"/>
+          <p:cNvSpPr>
+            <a:spLocks noGrp="1"/>
+          </p:cNvSpPr>
+          <p:nvPr>
+            <p:ph type="title"/>
+          </p:nvPr>
+        </p:nvSpPr>
+        <p:spPr/>
+        <p:txBody>
+          <a:bodyPr/>
+          <a:p>
+            <a:r>
+              <a:rPr lang="en-US" altLang="zh-CN"/>
+              <a:t>Set Up - XCode</a:t>
+            </a:r>
+            <a:endParaRPr lang="en-US" altLang="zh-CN"/>
+          </a:p>
+        </p:txBody>
+      </p:sp>
+      <p:sp>
+        <p:nvSpPr>
+          <p:cNvPr id="3" name="内容占位符 2"/>
+          <p:cNvSpPr>
+            <a:spLocks noGrp="1"/>
+          </p:cNvSpPr>
+          <p:nvPr>
+            <p:ph idx="1"/>
+          </p:nvPr>
+        </p:nvSpPr>
+        <p:spPr/>
+        <p:txBody>
+          <a:bodyPr/>
+          <a:p>
+            <a:pPr lvl="0"/>
+            <a:r>
+              <a:rPr lang="en-US" altLang="zh-CN">
+                <a:sym typeface="+mn-ea"/>
+              </a:rPr>
+              <a:t>Steps</a:t>
+            </a:r>
+            <a:endParaRPr lang="en-US" altLang="zh-CN">
+              <a:sym typeface="+mn-ea"/>
+            </a:endParaRPr>
+          </a:p>
+          <a:p>
+            <a:pPr lvl="1"/>
+            <a:r>
+              <a:rPr lang="en-US" altLang="zh-CN">
+                <a:sym typeface="+mn-ea"/>
+              </a:rPr>
+              <a:t>Apple Developer Program</a:t>
+            </a:r>
+            <a:endParaRPr lang="en-US" altLang="zh-CN"/>
+          </a:p>
+          <a:p>
+            <a:pPr lvl="1"/>
+            <a:r>
+              <a:rPr lang="en-US" altLang="zh-CN">
+                <a:sym typeface="+mn-ea"/>
+              </a:rPr>
+              <a:t>Install Xcode</a:t>
+            </a:r>
+            <a:endParaRPr lang="en-US" altLang="zh-CN"/>
+          </a:p>
+          <a:p>
+            <a:pPr lvl="1"/>
+            <a:r>
+              <a:rPr lang="en-US" altLang="zh-CN">
+                <a:sym typeface="+mn-ea"/>
+              </a:rPr>
+              <a:t>Launch Xcode</a:t>
+            </a:r>
+            <a:endParaRPr lang="en-US" altLang="zh-CN"/>
+          </a:p>
+          <a:p>
+            <a:pPr lvl="1"/>
+            <a:r>
+              <a:rPr lang="en-US" altLang="zh-CN">
+                <a:sym typeface="+mn-ea"/>
+              </a:rPr>
+              <a:t>In Xcode Preferences-&gt;Accounts, add Apple ID</a:t>
+            </a:r>
+            <a:endParaRPr lang="en-US" altLang="zh-CN">
+              <a:sym typeface="+mn-ea"/>
+            </a:endParaRPr>
+          </a:p>
+          <a:p>
+            <a:pPr lvl="1"/>
+            <a:endParaRPr lang="en-US" altLang="zh-CN"/>
+          </a:p>
+          <a:p>
+            <a:endParaRPr lang="en-US" altLang="zh-CN"/>
+          </a:p>
+        </p:txBody>
+      </p:sp>
+    </p:spTree>
+    <p:custDataLst>
+      <p:tags r:id="rId1"/>
+    </p:custDataLst>
+  </p:cSld>
+  <p:clrMapOvr>
+    <a:masterClrMapping/>
+  </p:clrMapOvr>
+</p:sld>
+</file>
+
+<file path=ppt/slides/slide4.xml><?xml version="1.0" encoding="utf-8"?>
+<p:sld xmlns:a="http://schemas.openxmlformats.org/drawingml/2006/main" xmlns:r="http://schemas.openxmlformats.org/officeDocument/2006/relationships" xmlns:p="http://schemas.openxmlformats.org/presentationml/2006/main">
+  <p:cSld>
+    <p:spTree>
+      <p:nvGrpSpPr>
+        <p:cNvPr id="1" name=""/>
+        <p:cNvGrpSpPr/>
+        <p:nvPr/>
+      </p:nvGrpSpPr>
+      <p:grpSpPr/>
+      <p:sp>
+        <p:nvSpPr>
+          <p:cNvPr id="2" name="标题 1"/>
+          <p:cNvSpPr>
+            <a:spLocks noGrp="1"/>
+          </p:cNvSpPr>
+          <p:nvPr>
+            <p:ph type="title"/>
+          </p:nvPr>
+        </p:nvSpPr>
+        <p:spPr/>
+        <p:txBody>
+          <a:bodyPr/>
+          <a:p>
+            <a:r>
+              <a:rPr lang="en-US" altLang="zh-CN"/>
+              <a:t>Set Up - Production Certificate</a:t>
+            </a:r>
+            <a:endParaRPr lang="en-US" altLang="zh-CN"/>
+          </a:p>
+        </p:txBody>
+      </p:sp>
+      <p:sp>
+        <p:nvSpPr>
+          <p:cNvPr id="3" name="内容占位符 2"/>
+          <p:cNvSpPr>
+            <a:spLocks noGrp="1"/>
+          </p:cNvSpPr>
+          <p:nvPr>
+            <p:ph idx="1"/>
+          </p:nvPr>
+        </p:nvSpPr>
+        <p:spPr>
+          <a:xfrm>
+            <a:off x="838200" y="1211580"/>
+            <a:ext cx="10515600" cy="5096510"/>
+          </a:xfrm>
+        </p:spPr>
+        <p:txBody>
+          <a:bodyPr/>
+          <a:p>
+            <a:pPr lvl="0"/>
+            <a:r>
+              <a:rPr lang="en-US" altLang="zh-CN" sz="1600">
+                <a:sym typeface="+mn-ea"/>
+              </a:rPr>
+              <a:t>Creating a Production Certificate and p12 file</a:t>
+            </a:r>
+            <a:endParaRPr lang="en-US" altLang="zh-CN" sz="1600"/>
+          </a:p>
+          <a:p>
+            <a:pPr lvl="1"/>
+            <a:r>
+              <a:rPr lang="en-US" altLang="zh-CN" sz="1600">
+                <a:sym typeface="+mn-ea"/>
+              </a:rPr>
+              <a:t>Development Provisioning Profile</a:t>
+            </a:r>
+            <a:endParaRPr lang="en-US" altLang="zh-CN" sz="1600"/>
+          </a:p>
+          <a:p>
+            <a:pPr lvl="2"/>
+            <a:r>
+              <a:rPr lang="en-US" altLang="zh-CN" sz="1600">
+                <a:sym typeface="+mn-ea"/>
+              </a:rPr>
+              <a:t>contains a set of Development Certificates, Unique Device Identifiers(UDID), an App ID</a:t>
+            </a:r>
+            <a:endParaRPr lang="en-US" altLang="zh-CN" sz="1600"/>
+          </a:p>
+          <a:p>
+            <a:pPr lvl="1"/>
+            <a:r>
+              <a:rPr lang="en-US" altLang="zh-CN" sz="1600">
+                <a:sym typeface="+mn-ea"/>
+              </a:rPr>
+              <a:t>Generate a CSR (Certificate Signing Request) file</a:t>
+            </a:r>
+            <a:endParaRPr lang="en-US" altLang="zh-CN" sz="1600"/>
+          </a:p>
+          <a:p>
+            <a:pPr lvl="2"/>
+            <a:r>
+              <a:rPr lang="en-US" altLang="zh-CN" sz="1600">
+                <a:sym typeface="+mn-ea"/>
+              </a:rPr>
+              <a:t>On Mac, Finder-&gt;Application/Utilities, launch Keychain Access Program</a:t>
+            </a:r>
+            <a:endParaRPr lang="en-US" altLang="zh-CN" sz="1600"/>
+          </a:p>
+          <a:p>
+            <a:pPr lvl="2"/>
+            <a:r>
+              <a:rPr lang="en-US" altLang="zh-CN" sz="1600">
+                <a:sym typeface="+mn-ea"/>
+              </a:rPr>
+              <a:t>Menu item: Keychain Access &gt; Certificate Assistant &gt; Request a Certificate From a Certificate Authority</a:t>
+            </a:r>
+            <a:endParaRPr lang="en-US" altLang="zh-CN" sz="1600"/>
+          </a:p>
+          <a:p>
+            <a:pPr lvl="1"/>
+            <a:r>
+              <a:rPr lang="en-US" altLang="zh-CN" sz="1600">
+                <a:sym typeface="+mn-ea"/>
+              </a:rPr>
+              <a:t>Create certificate</a:t>
+            </a:r>
+            <a:endParaRPr lang="en-US" altLang="zh-CN" sz="1600"/>
+          </a:p>
+          <a:p>
+            <a:pPr lvl="2"/>
+            <a:r>
+              <a:rPr lang="en-US" altLang="zh-CN" sz="1600">
+                <a:sym typeface="+mn-ea"/>
+              </a:rPr>
+              <a:t>Enter Apple Developer Program web page</a:t>
+            </a:r>
+            <a:endParaRPr lang="en-US" altLang="zh-CN" sz="1600"/>
+          </a:p>
+          <a:p>
+            <a:pPr lvl="2"/>
+            <a:r>
+              <a:rPr lang="en-US" altLang="zh-CN" sz="1600">
+                <a:sym typeface="+mn-ea"/>
+              </a:rPr>
+              <a:t>Member Center &gt; Certificates &gt; Identifiers &amp; Profiles &gt; Certificates</a:t>
+            </a:r>
+            <a:endParaRPr lang="en-US" altLang="zh-CN" sz="1600"/>
+          </a:p>
+          <a:p>
+            <a:pPr lvl="2"/>
+            <a:r>
+              <a:rPr lang="en-US" altLang="zh-CN" sz="1600">
+                <a:sym typeface="+mn-ea"/>
+              </a:rPr>
+              <a:t>Choose CSR generated in last step</a:t>
+            </a:r>
+            <a:endParaRPr lang="en-US" altLang="zh-CN" sz="1600">
+              <a:sym typeface="+mn-ea"/>
+            </a:endParaRPr>
+          </a:p>
+          <a:p>
+            <a:pPr lvl="1"/>
+            <a:r>
+              <a:rPr lang="en-US" altLang="zh-CN" sz="1600">
+                <a:sym typeface="+mn-ea"/>
+              </a:rPr>
+              <a:t>Export a p12 file</a:t>
+            </a:r>
+            <a:endParaRPr lang="en-US" altLang="zh-CN" sz="1600"/>
+          </a:p>
+          <a:p>
+            <a:pPr lvl="2"/>
+            <a:r>
+              <a:rPr lang="en-US" altLang="zh-CN" sz="1600">
+                <a:sym typeface="+mn-ea"/>
+              </a:rPr>
+              <a:t>Launch Keychain Access Program</a:t>
+            </a:r>
+            <a:endParaRPr lang="en-US" altLang="zh-CN" sz="1600"/>
+          </a:p>
+          <a:p>
+            <a:pPr lvl="2"/>
+            <a:r>
+              <a:rPr lang="en-US" altLang="zh-CN" sz="1600">
+                <a:sym typeface="+mn-ea"/>
+              </a:rPr>
+              <a:t>In top-left “Keychain” pane, select “Login”</a:t>
+            </a:r>
+            <a:endParaRPr lang="en-US" altLang="zh-CN" sz="1600"/>
+          </a:p>
+          <a:p>
+            <a:pPr lvl="2"/>
+            <a:r>
+              <a:rPr lang="en-US" altLang="zh-CN" sz="1600">
+                <a:sym typeface="+mn-ea"/>
+              </a:rPr>
+              <a:t>Select “File”-&gt;”Import” menu item, import .cer file created in last step. After this, the certificate is shwon in “My Certificate”</a:t>
+            </a:r>
+            <a:endParaRPr lang="en-US" altLang="zh-CN" sz="1600"/>
+          </a:p>
+          <a:p>
+            <a:pPr lvl="2"/>
+            <a:r>
+              <a:rPr lang="en-US" altLang="zh-CN" sz="1600">
+                <a:sym typeface="+mn-ea"/>
+              </a:rPr>
+              <a:t>In bottom-left “Category” pane, select “My Certificates”, select the cGrtificate</a:t>
+            </a:r>
+            <a:endParaRPr lang="en-US" altLang="zh-CN" sz="1600"/>
+          </a:p>
+          <a:p>
+            <a:pPr lvl="2"/>
+            <a:r>
+              <a:rPr lang="en-US" altLang="zh-CN" sz="1600">
+                <a:sym typeface="+mn-ea"/>
+              </a:rPr>
+              <a:t>Select “File”-&gt;”Export” menu item, selct “.p12” from file type dropdown menu. Then click “Save”.</a:t>
+            </a:r>
+            <a:endParaRPr lang="en-US" altLang="zh-CN" sz="1600">
+              <a:sym typeface="+mn-ea"/>
+            </a:endParaRPr>
+          </a:p>
+        </p:txBody>
+      </p:sp>
+    </p:spTree>
+    <p:custDataLst>
+      <p:tags r:id="rId1"/>
+    </p:custDataLst>
+  </p:cSld>
+  <p:clrMapOvr>
+    <a:masterClrMapping/>
+  </p:clrMapOvr>
+</p:sld>
+</file>
+
+<file path=ppt/slides/slide5.xml><?xml version="1.0" encoding="utf-8"?>
+<p:sld xmlns:a="http://schemas.openxmlformats.org/drawingml/2006/main" xmlns:r="http://schemas.openxmlformats.org/officeDocument/2006/relationships" xmlns:p="http://schemas.openxmlformats.org/presentationml/2006/main">
+  <p:cSld>
+    <p:spTree>
+      <p:nvGrpSpPr>
+        <p:cNvPr id="1" name=""/>
+        <p:cNvGrpSpPr/>
+        <p:nvPr/>
+      </p:nvGrpSpPr>
+      <p:grpSpPr/>
+      <p:sp>
+        <p:nvSpPr>
+          <p:cNvPr id="2" name="标题 1"/>
+          <p:cNvSpPr>
+            <a:spLocks noGrp="1"/>
+          </p:cNvSpPr>
+          <p:nvPr>
+            <p:ph type="title"/>
+          </p:nvPr>
+        </p:nvSpPr>
+        <p:spPr/>
+        <p:txBody>
+          <a:bodyPr/>
+          <a:p>
+            <a:r>
+              <a:rPr lang="en-US" altLang="zh-CN"/>
+              <a:t>Find Device UDID</a:t>
+            </a:r>
+            <a:endParaRPr lang="en-US" altLang="zh-CN"/>
+          </a:p>
+        </p:txBody>
+      </p:sp>
+      <p:sp>
+        <p:nvSpPr>
+          <p:cNvPr id="3" name="内容占位符 2"/>
+          <p:cNvSpPr>
+            <a:spLocks noGrp="1"/>
+          </p:cNvSpPr>
+          <p:nvPr>
+            <p:ph idx="1"/>
+          </p:nvPr>
+        </p:nvSpPr>
+        <p:spPr/>
+        <p:txBody>
+          <a:bodyPr>
+            <a:normAutofit/>
+          </a:bodyPr>
+          <a:p>
+            <a:pPr lvl="0"/>
+            <a:r>
+              <a:rPr lang="en-US" altLang="zh-CN" sz="2800">
+                <a:sym typeface="+mn-ea"/>
+              </a:rPr>
+              <a:t>Find device UDIDs</a:t>
+            </a:r>
+            <a:endParaRPr lang="en-US" altLang="zh-CN" sz="2800">
+              <a:sym typeface="+mn-ea"/>
+            </a:endParaRPr>
+          </a:p>
+          <a:p>
+            <a:pPr lvl="1"/>
+            <a:r>
+              <a:rPr lang="en-US" altLang="zh-CN" sz="2400">
+                <a:sym typeface="+mn-ea"/>
+              </a:rPr>
+              <a:t>By Mac</a:t>
+            </a:r>
+            <a:endParaRPr lang="en-US" altLang="zh-CN" sz="2400"/>
+          </a:p>
+          <a:p>
+            <a:pPr lvl="2"/>
+            <a:r>
+              <a:rPr lang="en-US" altLang="zh-CN" sz="2000">
+                <a:sym typeface="+mn-ea"/>
+              </a:rPr>
+              <a:t>connect iphone to Mac</a:t>
+            </a:r>
+            <a:endParaRPr lang="en-US" altLang="zh-CN" sz="2000"/>
+          </a:p>
+          <a:p>
+            <a:pPr lvl="2"/>
+            <a:r>
+              <a:rPr lang="en-US" altLang="zh-CN" sz="2000">
+                <a:sym typeface="+mn-ea"/>
+              </a:rPr>
+              <a:t>“Apple logo” -&gt; “About this Mac” -&gt; “System Report” -&gt; “Hardware” -&gt; “USB” -&gt; “iPhone” -&gt; “Serial Number”</a:t>
+            </a:r>
+            <a:endParaRPr lang="en-US" altLang="zh-CN" sz="2000"/>
+          </a:p>
+          <a:p>
+            <a:pPr lvl="2"/>
+            <a:r>
+              <a:rPr lang="en-US" altLang="zh-CN" sz="2000">
+                <a:sym typeface="+mn-ea"/>
+              </a:rPr>
+              <a:t>add “-” after the 8th digit</a:t>
+            </a:r>
+            <a:endParaRPr lang="en-US" altLang="zh-CN" sz="2000">
+              <a:sym typeface="+mn-ea"/>
+            </a:endParaRPr>
+          </a:p>
+          <a:p>
+            <a:pPr lvl="1"/>
+            <a:r>
+              <a:rPr lang="en-US" altLang="zh-CN" sz="2400">
+                <a:sym typeface="+mn-ea"/>
+              </a:rPr>
+              <a:t>By XCode</a:t>
+            </a:r>
+            <a:endParaRPr lang="en-US" altLang="zh-CN" sz="2400">
+              <a:sym typeface="+mn-ea"/>
+            </a:endParaRPr>
+          </a:p>
+          <a:p>
+            <a:pPr lvl="2"/>
+            <a:r>
+              <a:rPr lang="en-US" altLang="zh-CN" sz="2000">
+                <a:sym typeface="+mn-ea"/>
+              </a:rPr>
+              <a:t>connect iPhone to Mac</a:t>
+            </a:r>
+            <a:endParaRPr lang="en-US" altLang="zh-CN" sz="2000">
+              <a:sym typeface="+mn-ea"/>
+            </a:endParaRPr>
+          </a:p>
+          <a:p>
+            <a:pPr lvl="2"/>
+            <a:r>
+              <a:rPr lang="en-US" altLang="zh-CN" sz="2000">
+                <a:sym typeface="+mn-ea"/>
+              </a:rPr>
+              <a:t>open XCode</a:t>
+            </a:r>
+            <a:endParaRPr lang="en-US" altLang="zh-CN" sz="2000">
+              <a:sym typeface="+mn-ea"/>
+            </a:endParaRPr>
+          </a:p>
+          <a:p>
+            <a:pPr lvl="2"/>
+            <a:r>
+              <a:rPr lang="en-US" altLang="zh-CN" sz="2000">
+                <a:sym typeface="+mn-ea"/>
+              </a:rPr>
+              <a:t>“Window” -&gt; “Devices and Simulators”</a:t>
+            </a:r>
+            <a:endParaRPr lang="en-US" altLang="zh-CN" sz="2000">
+              <a:sym typeface="+mn-ea"/>
+            </a:endParaRPr>
+          </a:p>
+          <a:p>
+            <a:pPr lvl="1"/>
+            <a:r>
+              <a:rPr lang="en-US" altLang="zh-CN" sz="2400">
+                <a:sym typeface="+mn-ea"/>
+              </a:rPr>
+              <a:t>https://www.pgyer.com/udid</a:t>
+            </a:r>
+            <a:endParaRPr lang="en-US" altLang="zh-CN" sz="2400"/>
+          </a:p>
+          <a:p>
+            <a:pPr lvl="1"/>
+            <a:r>
+              <a:rPr lang="en-US" altLang="zh-CN" sz="2400">
+                <a:sym typeface="+mn-ea"/>
+              </a:rPr>
+              <a:t>By ShowMyUDID.com in Safari on iPhone</a:t>
+            </a:r>
+            <a:endParaRPr lang="en-US" altLang="zh-CN" sz="2400"/>
+          </a:p>
+          <a:p>
+            <a:endParaRPr lang="en-US" altLang="zh-CN" sz="2400"/>
+          </a:p>
+        </p:txBody>
+      </p:sp>
+    </p:spTree>
+    <p:custDataLst>
+      <p:tags r:id="rId1"/>
+    </p:custDataLst>
+  </p:cSld>
+  <p:clrMapOvr>
+    <a:masterClrMapping/>
+  </p:clrMapOvr>
+</p:sld>
+</file>
+
+<file path=ppt/slides/slide6.xml><?xml version="1.0" encoding="utf-8"?>
+<p:sld xmlns:a="http://schemas.openxmlformats.org/drawingml/2006/main" xmlns:r="http://schemas.openxmlformats.org/officeDocument/2006/relationships" xmlns:p="http://schemas.openxmlformats.org/presentationml/2006/main">
+  <p:cSld>
+    <p:spTree>
+      <p:nvGrpSpPr>
+        <p:cNvPr id="1" name=""/>
+        <p:cNvGrpSpPr/>
+        <p:nvPr/>
+      </p:nvGrpSpPr>
+      <p:grpSpPr/>
+      <p:sp>
+        <p:nvSpPr>
+          <p:cNvPr id="2" name="标题 1"/>
+          <p:cNvSpPr>
+            <a:spLocks noGrp="1"/>
+          </p:cNvSpPr>
+          <p:nvPr>
+            <p:ph type="title"/>
+          </p:nvPr>
+        </p:nvSpPr>
+        <p:spPr/>
+        <p:txBody>
+          <a:bodyPr/>
+          <a:p>
+            <a:r>
+              <a:rPr lang="en-US" altLang="zh-CN"/>
+              <a:t>XCode - Signing &amp; Capabilities</a:t>
+            </a:r>
+            <a:endParaRPr lang="en-US" altLang="zh-CN"/>
+          </a:p>
+        </p:txBody>
+      </p:sp>
+      <p:sp>
+        <p:nvSpPr>
+          <p:cNvPr id="3" name="内容占位符 2"/>
+          <p:cNvSpPr>
+            <a:spLocks noGrp="1"/>
+          </p:cNvSpPr>
+          <p:nvPr>
+            <p:ph idx="1"/>
+          </p:nvPr>
+        </p:nvSpPr>
+        <p:spPr>
+          <a:xfrm>
+            <a:off x="838200" y="1211580"/>
+            <a:ext cx="10515600" cy="5422900"/>
+          </a:xfrm>
+        </p:spPr>
+        <p:txBody>
+          <a:bodyPr>
+            <a:normAutofit/>
+          </a:bodyPr>
+          <a:p>
+            <a:pPr lvl="0"/>
+            <a:r>
+              <a:rPr lang="en-US" altLang="zh-CN" sz="2400">
+                <a:sym typeface="+mn-ea"/>
+              </a:rPr>
+              <a:t>Create a provisioning profile</a:t>
+            </a:r>
+            <a:endParaRPr lang="en-US" altLang="zh-CN" sz="2400"/>
+          </a:p>
+          <a:p>
+            <a:pPr lvl="1"/>
+            <a:r>
+              <a:rPr lang="en-US" altLang="zh-CN">
+                <a:sym typeface="+mn-ea"/>
+              </a:rPr>
+              <a:t>Add UDIDs</a:t>
+            </a:r>
+            <a:endParaRPr lang="en-US" altLang="zh-CN">
+              <a:sym typeface="+mn-ea"/>
+            </a:endParaRPr>
+          </a:p>
+          <a:p>
+            <a:pPr lvl="2"/>
+            <a:r>
+              <a:rPr lang="en-US" altLang="zh-CN" sz="1800">
+                <a:sym typeface="+mn-ea"/>
+              </a:rPr>
+              <a:t>Open</a:t>
+            </a:r>
+            <a:r>
+              <a:rPr lang="en-US" altLang="zh-CN">
+                <a:sym typeface="+mn-ea"/>
+              </a:rPr>
+              <a:t> Apple developer portal “Certificates, Identifiers &amp; Profiles” -&gt; “Devices”</a:t>
+            </a:r>
+            <a:endParaRPr lang="en-US" altLang="zh-CN">
+              <a:sym typeface="+mn-ea"/>
+            </a:endParaRPr>
+          </a:p>
+          <a:p>
+            <a:pPr lvl="2"/>
+            <a:r>
+              <a:rPr lang="en-US" altLang="zh-CN" sz="2000">
+                <a:sym typeface="+mn-ea"/>
+              </a:rPr>
+              <a:t>most 100 devices for an account</a:t>
+            </a:r>
+            <a:endParaRPr lang="en-US" altLang="zh-CN" sz="2000"/>
+          </a:p>
+          <a:p>
+            <a:pPr lvl="1"/>
+            <a:r>
+              <a:rPr lang="en-US" altLang="zh-CN">
+                <a:sym typeface="+mn-ea"/>
+              </a:rPr>
+              <a:t>Create App ID</a:t>
+            </a:r>
+            <a:endParaRPr lang="en-US" altLang="zh-CN">
+              <a:sym typeface="+mn-ea"/>
+            </a:endParaRPr>
+          </a:p>
+          <a:p>
+            <a:pPr lvl="2"/>
+            <a:r>
+              <a:rPr lang="en-US" altLang="zh-CN">
+                <a:sym typeface="+mn-ea"/>
+              </a:rPr>
+              <a:t>Open Apple developer portal “Certificates, Identifiers &amp; Profiles” -&gt; “Identifiers”</a:t>
+            </a:r>
+            <a:endParaRPr lang="en-US" altLang="zh-CN">
+              <a:sym typeface="+mn-ea"/>
+            </a:endParaRPr>
+          </a:p>
+          <a:p>
+            <a:pPr lvl="2"/>
+            <a:r>
+              <a:rPr lang="en-US" altLang="zh-CN" sz="2000">
+                <a:sym typeface="+mn-ea"/>
+              </a:rPr>
+              <a:t>register a new App ID</a:t>
+            </a:r>
+            <a:endParaRPr lang="en-US" altLang="zh-CN" sz="2000"/>
+          </a:p>
+          <a:p>
+            <a:pPr lvl="1"/>
+            <a:r>
+              <a:rPr lang="en-US" altLang="zh-CN">
+                <a:sym typeface="+mn-ea"/>
+              </a:rPr>
+              <a:t>Create a provisioning profile</a:t>
+            </a:r>
+            <a:endParaRPr lang="en-US" altLang="zh-CN"/>
+          </a:p>
+          <a:p>
+            <a:r>
+              <a:rPr lang="en-US" altLang="zh-CN"/>
+              <a:t>Steps</a:t>
+            </a:r>
+            <a:endParaRPr lang="en-US" altLang="zh-CN"/>
+          </a:p>
+          <a:p>
+            <a:pPr lvl="1"/>
+            <a:r>
+              <a:rPr lang="en-US" altLang="zh-CN"/>
+              <a:t>Select project, in mid-pane, select “Signing &amp; Capabilities”</a:t>
+            </a:r>
+            <a:endParaRPr lang="en-US" altLang="zh-CN"/>
+          </a:p>
+          <a:p>
+            <a:pPr lvl="1"/>
+            <a:r>
+              <a:rPr lang="en-US" altLang="zh-CN"/>
+              <a:t>Check “Automatically manage signing”</a:t>
+            </a:r>
+            <a:endParaRPr lang="en-US" altLang="zh-CN"/>
+          </a:p>
+          <a:p>
+            <a:pPr lvl="1"/>
+            <a:r>
+              <a:rPr lang="en-US" altLang="zh-CN"/>
+              <a:t>Click “Add Account”</a:t>
+            </a:r>
+            <a:endParaRPr lang="en-US" altLang="zh-CN"/>
+          </a:p>
+        </p:txBody>
+      </p:sp>
+    </p:spTree>
+    <p:custDataLst>
+      <p:tags r:id="rId1"/>
+    </p:custDataLst>
+  </p:cSld>
+  <p:clrMapOvr>
+    <a:masterClrMapping/>
+  </p:clrMapOvr>
+</p:sld>
+</file>
+
+<file path=ppt/slides/slide7.xml><?xml version="1.0" encoding="utf-8"?>
+<p:sld xmlns:a="http://schemas.openxmlformats.org/drawingml/2006/main" xmlns:r="http://schemas.openxmlformats.org/officeDocument/2006/relationships" xmlns:p="http://schemas.openxmlformats.org/presentationml/2006/main">
+  <p:cSld>
+    <p:spTree>
+      <p:nvGrpSpPr>
+        <p:cNvPr id="1" name=""/>
+        <p:cNvGrpSpPr/>
+        <p:nvPr/>
+      </p:nvGrpSpPr>
+      <p:grpSpPr/>
+      <p:sp>
+        <p:nvSpPr>
+          <p:cNvPr id="2" name="标题 1"/>
+          <p:cNvSpPr>
+            <a:spLocks noGrp="1"/>
+          </p:cNvSpPr>
+          <p:nvPr>
+            <p:ph type="title"/>
+          </p:nvPr>
+        </p:nvSpPr>
+        <p:spPr/>
+        <p:txBody>
+          <a:bodyPr/>
+          <a:p>
+            <a:r>
+              <a:rPr lang="en-US" altLang="zh-CN"/>
+              <a:t>.ipa</a:t>
+            </a:r>
+            <a:endParaRPr lang="en-US" altLang="zh-CN"/>
+          </a:p>
+        </p:txBody>
+      </p:sp>
+      <p:sp>
+        <p:nvSpPr>
+          <p:cNvPr id="3" name="内容占位符 2"/>
+          <p:cNvSpPr>
+            <a:spLocks noGrp="1"/>
+          </p:cNvSpPr>
+          <p:nvPr>
+            <p:ph idx="1"/>
+          </p:nvPr>
+        </p:nvSpPr>
+        <p:spPr/>
+        <p:txBody>
+          <a:bodyPr/>
+          <a:p>
+            <a:r>
+              <a:rPr lang="en-US" altLang="zh-CN"/>
+              <a:t>References</a:t>
+            </a:r>
+            <a:endParaRPr lang="en-US" altLang="zh-CN"/>
+          </a:p>
+          <a:p>
+            <a:pPr lvl="1"/>
+            <a:r>
+              <a:rPr lang="en-US" altLang="zh-CN"/>
+              <a:t>https://wiki.genexus.com/commwiki/servlet/wiki?34616,HowTo%3A+Create+an+.ipa+file+from+XCode</a:t>
+            </a:r>
+            <a:endParaRPr lang="en-US" altLang="zh-CN"/>
+          </a:p>
+          <a:p>
+            <a:pPr lvl="0"/>
+            <a:r>
+              <a:rPr lang="en-US" altLang="zh-CN"/>
+              <a:t>Build</a:t>
+            </a:r>
+            <a:endParaRPr lang="en-US" altLang="zh-CN"/>
+          </a:p>
+          <a:p>
+            <a:pPr lvl="1"/>
+            <a:r>
+              <a:rPr lang="en-US" altLang="zh-CN"/>
+              <a:t>Open xcode project</a:t>
+            </a:r>
+            <a:endParaRPr lang="en-US" altLang="zh-CN"/>
+          </a:p>
+          <a:p>
+            <a:pPr lvl="1"/>
+            <a:r>
+              <a:rPr lang="en-US" altLang="zh-CN"/>
+              <a:t>Select the deination scheme</a:t>
+            </a:r>
+            <a:endParaRPr lang="en-US" altLang="zh-CN"/>
+          </a:p>
+          <a:p>
+            <a:pPr lvl="2"/>
+            <a:r>
+              <a:rPr lang="en-US" altLang="zh-CN"/>
+              <a:t>Product -&gt; Desitination -&gt; Generic iOS Device</a:t>
+            </a:r>
+            <a:endParaRPr lang="en-US" altLang="zh-CN"/>
+          </a:p>
+          <a:p>
+            <a:pPr lvl="1"/>
+            <a:r>
+              <a:rPr lang="en-US" altLang="zh-CN"/>
+              <a:t>Archive the project</a:t>
+            </a:r>
+            <a:endParaRPr lang="en-US" altLang="zh-CN"/>
+          </a:p>
+          <a:p>
+            <a:pPr lvl="2"/>
+            <a:r>
+              <a:rPr lang="en-US" altLang="zh-CN"/>
+              <a:t>Product -&gt; Archive</a:t>
+            </a:r>
+            <a:endParaRPr lang="en-US" altLang="zh-CN"/>
+          </a:p>
+          <a:p>
+            <a:pPr lvl="2"/>
+            <a:r>
+              <a:rPr lang="en-US" altLang="zh-CN"/>
+              <a:t>after finish archiving, select “Distribute”</a:t>
+            </a:r>
+            <a:endParaRPr lang="en-US" altLang="zh-CN"/>
+          </a:p>
+          <a:p>
+            <a:pPr lvl="2"/>
+            <a:r>
+              <a:rPr lang="en-US" altLang="zh-CN"/>
+              <a:t>after compilation, select “Export”</a:t>
+            </a:r>
+            <a:endParaRPr lang="en-US" altLang="zh-CN"/>
+          </a:p>
+          <a:p>
+            <a:pPr lvl="0"/>
+            <a:r>
+              <a:rPr lang="en-US" altLang="zh-CN"/>
+              <a:t>Install</a:t>
+            </a:r>
+            <a:endParaRPr lang="en-US" altLang="zh-CN"/>
+          </a:p>
+          <a:p>
+            <a:pPr lvl="1"/>
+            <a:endParaRPr lang="en-US" altLang="zh-CN"/>
+          </a:p>
+        </p:txBody>
+      </p:sp>
+    </p:spTree>
+    <p:custDataLst>
+      <p:tags r:id="rId1"/>
+    </p:custDataLst>
+  </p:cSld>
+  <p:clrMapOvr>
+    <a:masterClrMapping/>
+  </p:clrMapOvr>
+</p:sld>
+</file>
+
+<file path=ppt/slides/slide8.xml><?xml version="1.0" encoding="utf-8"?>
+<p:sld xmlns:a="http://schemas.openxmlformats.org/drawingml/2006/main" xmlns:r="http://schemas.openxmlformats.org/officeDocument/2006/relationships" xmlns:p="http://schemas.openxmlformats.org/presentationml/2006/main">
+  <p:cSld>
+    <p:spTree>
+      <p:nvGrpSpPr>
+        <p:cNvPr id="1" name=""/>
+        <p:cNvGrpSpPr/>
+        <p:nvPr/>
+      </p:nvGrpSpPr>
+      <p:grpSpPr/>
+      <p:sp>
+        <p:nvSpPr>
+          <p:cNvPr id="2" name="标题 1"/>
+          <p:cNvSpPr>
+            <a:spLocks noGrp="1"/>
+          </p:cNvSpPr>
+          <p:nvPr>
+            <p:ph type="title"/>
+          </p:nvPr>
+        </p:nvSpPr>
+        <p:spPr/>
+        <p:txBody>
+          <a:bodyPr/>
+          <a:p>
+            <a:r>
+              <a:rPr lang="en-US" altLang="zh-CN"/>
+              <a:t>Debug</a:t>
+            </a:r>
+            <a:endParaRPr lang="en-US" altLang="zh-CN"/>
+          </a:p>
+        </p:txBody>
+      </p:sp>
+      <p:sp>
+        <p:nvSpPr>
+          <p:cNvPr id="3" name="内容占位符 2"/>
+          <p:cNvSpPr>
+            <a:spLocks noGrp="1"/>
+          </p:cNvSpPr>
+          <p:nvPr>
+            <p:ph idx="1"/>
+          </p:nvPr>
+        </p:nvSpPr>
+        <p:spPr/>
+        <p:txBody>
+          <a:bodyPr/>
+          <a:p>
+            <a:endParaRPr lang="en-US" altLang="zh-CN"/>
+          </a:p>
+        </p:txBody>
+      </p:sp>
+    </p:spTree>
+    <p:custDataLst>
+      <p:tags r:id="rId1"/>
+    </p:custDataLst>
+  </p:cSld>
+  <p:clrMapOvr>
+    <a:masterClrMapping/>
+  </p:clrMapOvr>
+</p:sld>
+</file>
+
+<file path=ppt/slides/slide9.xml><?xml version="1.0" encoding="utf-8"?>
+<p:sld xmlns:a="http://schemas.openxmlformats.org/drawingml/2006/main" xmlns:r="http://schemas.openxmlformats.org/officeDocument/2006/relationships" xmlns:p="http://schemas.openxmlformats.org/presentationml/2006/main">
+  <p:cSld>
+    <p:spTree>
+      <p:nvGrpSpPr>
+        <p:cNvPr id="1" name=""/>
+        <p:cNvGrpSpPr/>
+        <p:nvPr/>
+      </p:nvGrpSpPr>
+      <p:grpSpPr/>
+      <p:sp>
+        <p:nvSpPr>
+          <p:cNvPr id="2" name="标题 1"/>
+          <p:cNvSpPr>
+            <a:spLocks noGrp="1"/>
+          </p:cNvSpPr>
+          <p:nvPr>
+            <p:ph type="title"/>
+          </p:nvPr>
+        </p:nvSpPr>
+        <p:spPr/>
+        <p:txBody>
+          <a:bodyPr/>
+          <a:p>
+            <a:r>
+              <a:rPr lang="en-US" altLang="zh-CN"/>
+              <a:t>Submit</a:t>
+            </a:r>
+            <a:endParaRPr lang="en-US" altLang="zh-CN"/>
+          </a:p>
+        </p:txBody>
+      </p:sp>
+      <p:sp>
+        <p:nvSpPr>
+          <p:cNvPr id="3" name="内容占位符 2"/>
+          <p:cNvSpPr>
+            <a:spLocks noGrp="1"/>
+          </p:cNvSpPr>
+          <p:nvPr>
+            <p:ph idx="1"/>
+          </p:nvPr>
+        </p:nvSpPr>
+        <p:spPr/>
+        <p:txBody>
+          <a:bodyPr/>
+          <a:p>
+            <a:endParaRPr lang="zh-CN" altLang="en-US"/>
+          </a:p>
+        </p:txBody>
+      </p:sp>
+    </p:spTree>
+    <p:custDataLst>
+      <p:tags r:id="rId1"/>
+    </p:custDataLst>
+  </p:cSld>
+  <p:clrMapOvr>
+    <a:masterClrMapping/>
+  </p:clrMapOvr>
+</p:sld>
+</file>
+
 <file path=ppt/tags/tag1.xml><?xml version="1.0" encoding="utf-8"?>
 <p:tagLst xmlns:p="http://schemas.openxmlformats.org/presentationml/2006/main">
   <p:tag name="KSO_WM_TAG_VERSION" val="1.0"/>
@@ -11678,9 +13099,93 @@
 </p:tagLst>
 </file>
 
+<file path=ppt/tags/tag10.xml><?xml version="1.0" encoding="utf-8"?>
+<p:tagLst xmlns:p="http://schemas.openxmlformats.org/presentationml/2006/main">
+  <p:tag name="KSO_WM_BEAUTIFY_FLAG" val="#wm#"/>
+  <p:tag name="KSO_WM_TEMPLATE_CATEGORY" val="custom"/>
+  <p:tag name="KSO_WM_TEMPLATE_INDEX" val="160402"/>
+</p:tagLst>
+</file>
+
+<file path=ppt/tags/tag11.xml><?xml version="1.0" encoding="utf-8"?>
+<p:tagLst xmlns:p="http://schemas.openxmlformats.org/presentationml/2006/main">
+  <p:tag name="KSO_WM_BEAUTIFY_FLAG" val="#wm#"/>
+  <p:tag name="KSO_WM_TEMPLATE_CATEGORY" val="custom"/>
+  <p:tag name="KSO_WM_TEMPLATE_INDEX" val="160402"/>
+</p:tagLst>
+</file>
+
+<file path=ppt/tags/tag12.xml><?xml version="1.0" encoding="utf-8"?>
+<p:tagLst xmlns:p="http://schemas.openxmlformats.org/presentationml/2006/main">
+  <p:tag name="KSO_WM_BEAUTIFY_FLAG" val="#wm#"/>
+  <p:tag name="KSO_WM_TEMPLATE_CATEGORY" val="custom"/>
+  <p:tag name="KSO_WM_TEMPLATE_INDEX" val="160402"/>
+</p:tagLst>
+</file>
+
+<file path=ppt/tags/tag13.xml><?xml version="1.0" encoding="utf-8"?>
+<p:tagLst xmlns:p="http://schemas.openxmlformats.org/presentationml/2006/main">
+  <p:tag name="KSO_WM_BEAUTIFY_FLAG" val="#wm#"/>
+  <p:tag name="KSO_WM_TEMPLATE_CATEGORY" val="custom"/>
+  <p:tag name="KSO_WM_TEMPLATE_INDEX" val="160402"/>
+</p:tagLst>
+</file>
+
+<file path=ppt/tags/tag14.xml><?xml version="1.0" encoding="utf-8"?>
+<p:tagLst xmlns:p="http://schemas.openxmlformats.org/presentationml/2006/main">
+  <p:tag name="KSO_WM_BEAUTIFY_FLAG" val="#wm#"/>
+  <p:tag name="KSO_WM_TEMPLATE_CATEGORY" val="custom"/>
+  <p:tag name="KSO_WM_TEMPLATE_INDEX" val="160402"/>
+</p:tagLst>
+</file>
+
+<file path=ppt/tags/tag15.xml><?xml version="1.0" encoding="utf-8"?>
+<p:tagLst xmlns:p="http://schemas.openxmlformats.org/presentationml/2006/main">
+  <p:tag name="KSO_WM_BEAUTIFY_FLAG" val="#wm#"/>
+  <p:tag name="KSO_WM_TEMPLATE_CATEGORY" val="custom"/>
+  <p:tag name="KSO_WM_TEMPLATE_INDEX" val="160402"/>
+</p:tagLst>
+</file>
+
+<file path=ppt/tags/tag16.xml><?xml version="1.0" encoding="utf-8"?>
+<p:tagLst xmlns:p="http://schemas.openxmlformats.org/presentationml/2006/main">
+  <p:tag name="KSO_WM_BEAUTIFY_FLAG" val="#wm#"/>
+  <p:tag name="KSO_WM_TEMPLATE_CATEGORY" val="custom"/>
+  <p:tag name="KSO_WM_TEMPLATE_INDEX" val="160402"/>
+</p:tagLst>
+</file>
+
+<file path=ppt/tags/tag17.xml><?xml version="1.0" encoding="utf-8"?>
+<p:tagLst xmlns:p="http://schemas.openxmlformats.org/presentationml/2006/main">
+  <p:tag name="KSO_WM_TEMPLATE_CATEGORY" val="custom"/>
+  <p:tag name="KSO_WM_TEMPLATE_INDEX" val="160402"/>
+</p:tagLst>
+</file>
+
+<file path=ppt/tags/tag18.xml><?xml version="1.0" encoding="utf-8"?>
+<p:tagLst xmlns:p="http://schemas.openxmlformats.org/presentationml/2006/main">
+  <p:tag name="KSO_WM_TEMPLATE_CATEGORY" val="custom"/>
+  <p:tag name="KSO_WM_TEMPLATE_INDEX" val="160402"/>
+</p:tagLst>
+</file>
+
+<file path=ppt/tags/tag19.xml><?xml version="1.0" encoding="utf-8"?>
+<p:tagLst xmlns:p="http://schemas.openxmlformats.org/presentationml/2006/main">
+  <p:tag name="KSO_WM_TEMPLATE_CATEGORY" val="custom"/>
+  <p:tag name="KSO_WM_TEMPLATE_INDEX" val="160402"/>
+</p:tagLst>
+</file>
+
 <file path=ppt/tags/tag2.xml><?xml version="1.0" encoding="utf-8"?>
 <p:tagLst xmlns:p="http://schemas.openxmlformats.org/presentationml/2006/main">
   <p:tag name="KSO_WM_TAG_VERSION" val="1.0"/>
+  <p:tag name="KSO_WM_TEMPLATE_CATEGORY" val="custom"/>
+  <p:tag name="KSO_WM_TEMPLATE_INDEX" val="160402"/>
+</p:tagLst>
+</file>
+
+<file path=ppt/tags/tag20.xml><?xml version="1.0" encoding="utf-8"?>
+<p:tagLst xmlns:p="http://schemas.openxmlformats.org/presentationml/2006/main">
   <p:tag name="KSO_WM_TEMPLATE_CATEGORY" val="custom"/>
   <p:tag name="KSO_WM_TEMPLATE_INDEX" val="160402"/>
 </p:tagLst>
@@ -11705,6 +13210,7 @@
 
 <file path=ppt/tags/tag5.xml><?xml version="1.0" encoding="utf-8"?>
 <p:tagLst xmlns:p="http://schemas.openxmlformats.org/presentationml/2006/main">
+  <p:tag name="KSO_WM_BEAUTIFY_FLAG" val="#wm#"/>
   <p:tag name="KSO_WM_TEMPLATE_CATEGORY" val="custom"/>
   <p:tag name="KSO_WM_TEMPLATE_INDEX" val="160402"/>
 </p:tagLst>
@@ -11712,6 +13218,7 @@
 
 <file path=ppt/tags/tag6.xml><?xml version="1.0" encoding="utf-8"?>
 <p:tagLst xmlns:p="http://schemas.openxmlformats.org/presentationml/2006/main">
+  <p:tag name="KSO_WM_BEAUTIFY_FLAG" val="#wm#"/>
   <p:tag name="KSO_WM_TEMPLATE_CATEGORY" val="custom"/>
   <p:tag name="KSO_WM_TEMPLATE_INDEX" val="160402"/>
 </p:tagLst>
@@ -11719,6 +13226,7 @@
 
 <file path=ppt/tags/tag7.xml><?xml version="1.0" encoding="utf-8"?>
 <p:tagLst xmlns:p="http://schemas.openxmlformats.org/presentationml/2006/main">
+  <p:tag name="KSO_WM_BEAUTIFY_FLAG" val="#wm#"/>
   <p:tag name="KSO_WM_TEMPLATE_CATEGORY" val="custom"/>
   <p:tag name="KSO_WM_TEMPLATE_INDEX" val="160402"/>
 </p:tagLst>
@@ -11726,6 +13234,15 @@
 
 <file path=ppt/tags/tag8.xml><?xml version="1.0" encoding="utf-8"?>
 <p:tagLst xmlns:p="http://schemas.openxmlformats.org/presentationml/2006/main">
+  <p:tag name="KSO_WM_BEAUTIFY_FLAG" val="#wm#"/>
+  <p:tag name="KSO_WM_TEMPLATE_CATEGORY" val="custom"/>
+  <p:tag name="KSO_WM_TEMPLATE_INDEX" val="160402"/>
+</p:tagLst>
+</file>
+
+<file path=ppt/tags/tag9.xml><?xml version="1.0" encoding="utf-8"?>
+<p:tagLst xmlns:p="http://schemas.openxmlformats.org/presentationml/2006/main">
+  <p:tag name="KSO_WM_BEAUTIFY_FLAG" val="#wm#"/>
   <p:tag name="KSO_WM_TEMPLATE_CATEGORY" val="custom"/>
   <p:tag name="KSO_WM_TEMPLATE_INDEX" val="160402"/>
 </p:tagLst>

--- a/Misc/iOS_General.pptx
+++ b/Misc/iOS_General.pptx
@@ -5,7 +5,7 @@
     <p:sldMasterId id="2147483648" r:id="rId1"/>
   </p:sldMasterIdLst>
   <p:notesMasterIdLst>
-    <p:notesMasterId r:id="rId20"/>
+    <p:notesMasterId r:id="rId25"/>
   </p:notesMasterIdLst>
   <p:sldIdLst>
     <p:sldId id="256" r:id="rId3"/>
@@ -15,16 +15,21 @@
     <p:sldId id="281" r:id="rId7"/>
     <p:sldId id="269" r:id="rId8"/>
     <p:sldId id="267" r:id="rId9"/>
-    <p:sldId id="265" r:id="rId10"/>
-    <p:sldId id="266" r:id="rId11"/>
-    <p:sldId id="268" r:id="rId12"/>
-    <p:sldId id="270" r:id="rId13"/>
-    <p:sldId id="271" r:id="rId14"/>
-    <p:sldId id="261" r:id="rId15"/>
-    <p:sldId id="257" r:id="rId16"/>
-    <p:sldId id="258" r:id="rId17"/>
-    <p:sldId id="259" r:id="rId18"/>
-    <p:sldId id="260" r:id="rId19"/>
+    <p:sldId id="294" r:id="rId10"/>
+    <p:sldId id="265" r:id="rId11"/>
+    <p:sldId id="266" r:id="rId12"/>
+    <p:sldId id="307" r:id="rId13"/>
+    <p:sldId id="318" r:id="rId14"/>
+    <p:sldId id="268" r:id="rId15"/>
+    <p:sldId id="270" r:id="rId16"/>
+    <p:sldId id="271" r:id="rId17"/>
+    <p:sldId id="297" r:id="rId18"/>
+    <p:sldId id="296" r:id="rId19"/>
+    <p:sldId id="261" r:id="rId20"/>
+    <p:sldId id="257" r:id="rId21"/>
+    <p:sldId id="258" r:id="rId22"/>
+    <p:sldId id="259" r:id="rId23"/>
+    <p:sldId id="260" r:id="rId24"/>
   </p:sldIdLst>
   <p:sldSz cx="12192000" cy="6858000"/>
   <p:notesSz cx="6858000" cy="9144000"/>
@@ -4035,7 +4040,7 @@
           <a:p>
             <a:r>
               <a:rPr lang="en-US" altLang="zh-CN"/>
-              <a:t>FAQ</a:t>
+              <a:t>Submit</a:t>
             </a:r>
             <a:endParaRPr lang="en-US" altLang="zh-CN"/>
           </a:p>
@@ -4055,71 +4060,7 @@
         <p:txBody>
           <a:bodyPr/>
           <a:p>
-            <a:r>
-              <a:rPr lang="en-US" altLang="zh-CN"/>
-              <a:t>Legacy build system error using Unity project</a:t>
-            </a:r>
-            <a:endParaRPr lang="en-US" altLang="zh-CN"/>
-          </a:p>
-          <a:p>
-            <a:pPr lvl="1"/>
-            <a:r>
-              <a:rPr lang="en-US" altLang="zh-CN"/>
-              <a:t>File -&gt; Project Setting</a:t>
-            </a:r>
-            <a:endParaRPr lang="en-US" altLang="zh-CN"/>
-          </a:p>
-          <a:p>
-            <a:pPr lvl="2"/>
-            <a:r>
-              <a:rPr lang="en-US" altLang="zh-CN"/>
-              <a:t>Change “Build System” from “Legacy Build System (Deprecated)” to “New Build System (Default)”</a:t>
-            </a:r>
-            <a:endParaRPr lang="en-US" altLang="zh-CN"/>
-          </a:p>
-          <a:p>
-            <a:pPr lvl="0"/>
-            <a:r>
-              <a:rPr lang="en-US" altLang="zh-CN"/>
-              <a:t>mapfileparser.sh permission denied</a:t>
-            </a:r>
-            <a:endParaRPr lang="en-US" altLang="zh-CN"/>
-          </a:p>
-          <a:p>
-            <a:pPr lvl="1"/>
-            <a:r>
-              <a:rPr lang="en-US" altLang="zh-CN" sz="2000"/>
-              <a:t>Open terminal</a:t>
-            </a:r>
-            <a:endParaRPr lang="en-US" altLang="zh-CN" sz="2000"/>
-          </a:p>
-          <a:p>
-            <a:pPr lvl="1"/>
-            <a:r>
-              <a:rPr lang="en-US" altLang="zh-CN" sz="2000"/>
-              <a:t>chmod +x {}/MapFileParser.sh</a:t>
-            </a:r>
-            <a:endParaRPr lang="en-US" altLang="zh-CN" sz="2000"/>
-          </a:p>
-          <a:p>
-            <a:pPr lvl="0"/>
-            <a:r>
-              <a:rPr lang="en-US" altLang="zh-CN"/>
-              <a:t>UnityFramework.framework: errSecInternalComponent</a:t>
-            </a:r>
-            <a:endParaRPr lang="en-US" altLang="zh-CN"/>
-          </a:p>
-          <a:p>
-            <a:pPr lvl="1"/>
-            <a:r>
-              <a:rPr lang="en-US" altLang="zh-CN" sz="2000"/>
-              <a:t>When input password for login keychain, select “Always allow”</a:t>
-            </a:r>
-            <a:endParaRPr lang="en-US" altLang="zh-CN"/>
-          </a:p>
-          <a:p>
-            <a:pPr lvl="1"/>
-            <a:endParaRPr lang="en-US" altLang="zh-CN"/>
+            <a:endParaRPr lang="zh-CN" altLang="en-US"/>
           </a:p>
         </p:txBody>
       </p:sp>
@@ -4146,7 +4087,7 @@
       <p:grpSpPr/>
       <p:sp>
         <p:nvSpPr>
-          <p:cNvPr id="4" name="标题 3"/>
+          <p:cNvPr id="2" name="标题 1"/>
           <p:cNvSpPr>
             <a:spLocks noGrp="1"/>
           </p:cNvSpPr>
@@ -4160,7 +4101,7 @@
           <a:p>
             <a:r>
               <a:rPr lang="en-US" altLang="zh-CN"/>
-              <a:t>Mac Usage</a:t>
+              <a:t>Airprint</a:t>
             </a:r>
             <a:endParaRPr lang="en-US" altLang="zh-CN"/>
           </a:p>
@@ -4168,19 +4109,144 @@
       </p:sp>
       <p:sp>
         <p:nvSpPr>
-          <p:cNvPr id="5" name="文本占位符 4"/>
+          <p:cNvPr id="3" name="内容占位符 2"/>
           <p:cNvSpPr>
             <a:spLocks noGrp="1"/>
           </p:cNvSpPr>
           <p:nvPr>
-            <p:ph type="body" idx="1"/>
+            <p:ph idx="1"/>
           </p:nvPr>
         </p:nvSpPr>
         <p:spPr/>
         <p:txBody>
           <a:bodyPr/>
           <a:p>
-            <a:endParaRPr lang="zh-CN" altLang="en-US"/>
+            <a:r>
+              <a:rPr lang="en-US" altLang="zh-CN"/>
+              <a:t>Remove header and footer</a:t>
+            </a:r>
+            <a:endParaRPr lang="en-US" altLang="zh-CN"/>
+          </a:p>
+          <a:p>
+            <a:pPr lvl="1"/>
+            <a:endParaRPr lang="en-US" altLang="zh-CN"/>
+          </a:p>
+        </p:txBody>
+      </p:sp>
+      <p:sp>
+        <p:nvSpPr>
+          <p:cNvPr id="4" name="文本框 3"/>
+          <p:cNvSpPr txBox="1"/>
+          <p:nvPr/>
+        </p:nvSpPr>
+        <p:spPr>
+          <a:xfrm>
+            <a:off x="1631315" y="1628775"/>
+            <a:ext cx="2528570" cy="1168400"/>
+          </a:xfrm>
+          <a:prstGeom prst="rect">
+            <a:avLst/>
+          </a:prstGeom>
+          <a:noFill/>
+          <a:ln>
+            <a:solidFill>
+              <a:srgbClr val="C00000"/>
+            </a:solidFill>
+          </a:ln>
+        </p:spPr>
+        <p:txBody>
+          <a:bodyPr wrap="square" rtlCol="0" anchor="t">
+            <a:spAutoFit/>
+          </a:bodyPr>
+          <a:p>
+            <a:pPr algn="l"/>
+            <a:r>
+              <a:rPr lang="zh-CN" altLang="en-US" sz="1400">
+                <a:solidFill>
+                  <a:schemeClr val="tx1"/>
+                </a:solidFill>
+                <a:effectLst/>
+              </a:rPr>
+              <a:t>@media print {</a:t>
+            </a:r>
+            <a:endParaRPr lang="zh-CN" altLang="en-US" sz="1400">
+              <a:solidFill>
+                <a:schemeClr val="tx1"/>
+              </a:solidFill>
+              <a:effectLst/>
+            </a:endParaRPr>
+          </a:p>
+          <a:p>
+            <a:pPr algn="l"/>
+            <a:r>
+              <a:rPr lang="zh-CN" altLang="en-US" sz="1400">
+                <a:solidFill>
+                  <a:schemeClr val="tx1"/>
+                </a:solidFill>
+                <a:effectLst/>
+              </a:rPr>
+              <a:t>  header,footer { </a:t>
+            </a:r>
+            <a:endParaRPr lang="zh-CN" altLang="en-US" sz="1400">
+              <a:solidFill>
+                <a:schemeClr val="tx1"/>
+              </a:solidFill>
+              <a:effectLst/>
+            </a:endParaRPr>
+          </a:p>
+          <a:p>
+            <a:pPr algn="l"/>
+            <a:r>
+              <a:rPr lang="zh-CN" altLang="en-US" sz="1400">
+                <a:solidFill>
+                  <a:schemeClr val="tx1"/>
+                </a:solidFill>
+                <a:effectLst/>
+              </a:rPr>
+              <a:t>    display: none; </a:t>
+            </a:r>
+            <a:endParaRPr lang="zh-CN" altLang="en-US" sz="1400">
+              <a:solidFill>
+                <a:schemeClr val="tx1"/>
+              </a:solidFill>
+              <a:effectLst/>
+            </a:endParaRPr>
+          </a:p>
+          <a:p>
+            <a:pPr algn="l"/>
+            <a:r>
+              <a:rPr lang="zh-CN" altLang="en-US" sz="1400">
+                <a:solidFill>
+                  <a:schemeClr val="tx1"/>
+                </a:solidFill>
+                <a:effectLst/>
+              </a:rPr>
+              <a:t>  }</a:t>
+            </a:r>
+            <a:endParaRPr lang="zh-CN" altLang="en-US" sz="1400">
+              <a:solidFill>
+                <a:schemeClr val="tx1"/>
+              </a:solidFill>
+              <a:effectLst/>
+            </a:endParaRPr>
+          </a:p>
+          <a:p>
+            <a:pPr algn="l"/>
+            <a:r>
+              <a:rPr lang="zh-CN" altLang="en-US" sz="1400">
+                <a:solidFill>
+                  <a:schemeClr val="tx1"/>
+                </a:solidFill>
+                <a:effectLst/>
+              </a:rPr>
+              <a:t>}</a:t>
+            </a:r>
+            <a:endParaRPr lang="zh-CN" altLang="en-US" sz="1400">
+              <a:solidFill>
+                <a:schemeClr val="tx1"/>
+              </a:solidFill>
+              <a:effectLst/>
+            </a:endParaRPr>
           </a:p>
         </p:txBody>
       </p:sp>
@@ -4207,7 +4273,7 @@
       <p:grpSpPr/>
       <p:sp>
         <p:nvSpPr>
-          <p:cNvPr id="4" name="标题 3"/>
+          <p:cNvPr id="2" name="标题 1"/>
           <p:cNvSpPr>
             <a:spLocks noGrp="1"/>
           </p:cNvSpPr>
@@ -4221,7 +4287,7 @@
           <a:p>
             <a:r>
               <a:rPr lang="en-US" altLang="zh-CN"/>
-              <a:t>Homebrew</a:t>
+              <a:t>iOS Web Page Full Screen</a:t>
             </a:r>
             <a:endParaRPr lang="en-US" altLang="zh-CN"/>
           </a:p>
@@ -4229,7 +4295,7 @@
       </p:sp>
       <p:sp>
         <p:nvSpPr>
-          <p:cNvPr id="5" name="内容占位符 4"/>
+          <p:cNvPr id="3" name="内容占位符 2"/>
           <p:cNvSpPr>
             <a:spLocks noGrp="1"/>
           </p:cNvSpPr>
@@ -4243,7 +4309,7 @@
           <a:p>
             <a:r>
               <a:rPr lang="en-US" altLang="zh-CN"/>
-              <a:t>Intro</a:t>
+              <a:t>Safari</a:t>
             </a:r>
             <a:endParaRPr lang="en-US" altLang="zh-CN"/>
           </a:p>
@@ -4251,15 +4317,15 @@
             <a:pPr lvl="1"/>
             <a:r>
               <a:rPr lang="en-US" altLang="zh-CN"/>
-              <a:t>package manager on Mac</a:t>
+              <a:t>In web page, add</a:t>
             </a:r>
             <a:endParaRPr lang="en-US" altLang="zh-CN"/>
           </a:p>
           <a:p>
-            <a:pPr lvl="0"/>
+            <a:pPr lvl="2"/>
             <a:r>
               <a:rPr lang="en-US" altLang="zh-CN"/>
-              <a:t>Install</a:t>
+              <a:t>&lt;meta name="apple-mobile-web-app-capable" content="yes"&gt;</a:t>
             </a:r>
             <a:endParaRPr lang="en-US" altLang="zh-CN"/>
           </a:p>
@@ -4267,23 +4333,15 @@
             <a:pPr lvl="1"/>
             <a:r>
               <a:rPr lang="en-US" altLang="zh-CN"/>
-              <a:t>/usr/bin/ruby -e "$(curl -fsSL https://cdn.jsdelivr.net/gh/ineo6/homebrew-install/install)"</a:t>
+              <a:t>In Safari, add this page to home screen</a:t>
             </a:r>
             <a:endParaRPr lang="en-US" altLang="zh-CN"/>
           </a:p>
           <a:p>
-            <a:pPr lvl="0"/>
+            <a:pPr lvl="1"/>
             <a:r>
               <a:rPr lang="en-US" altLang="zh-CN"/>
-              <a:t>Usage</a:t>
-            </a:r>
-            <a:endParaRPr lang="en-US" altLang="zh-CN"/>
-          </a:p>
-          <a:p>
-            <a:pPr lvl="1"/>
-            <a:r>
-              <a:rPr lang="en-US" altLang="zh-CN"/>
-              <a:t>brew help</a:t>
+              <a:t>Start this page from home screen</a:t>
             </a:r>
             <a:endParaRPr lang="en-US" altLang="zh-CN"/>
           </a:p>
@@ -4312,6 +4370,131 @@
       <p:grpSpPr/>
       <p:sp>
         <p:nvSpPr>
+          <p:cNvPr id="2" name="标题 1"/>
+          <p:cNvSpPr>
+            <a:spLocks noGrp="1"/>
+          </p:cNvSpPr>
+          <p:nvPr>
+            <p:ph type="title"/>
+          </p:nvPr>
+        </p:nvSpPr>
+        <p:spPr/>
+        <p:txBody>
+          <a:bodyPr/>
+          <a:p>
+            <a:r>
+              <a:rPr lang="en-US" altLang="zh-CN"/>
+              <a:t>FAQ</a:t>
+            </a:r>
+            <a:endParaRPr lang="en-US" altLang="zh-CN"/>
+          </a:p>
+        </p:txBody>
+      </p:sp>
+      <p:sp>
+        <p:nvSpPr>
+          <p:cNvPr id="3" name="内容占位符 2"/>
+          <p:cNvSpPr>
+            <a:spLocks noGrp="1"/>
+          </p:cNvSpPr>
+          <p:nvPr>
+            <p:ph idx="1"/>
+          </p:nvPr>
+        </p:nvSpPr>
+        <p:spPr/>
+        <p:txBody>
+          <a:bodyPr/>
+          <a:p>
+            <a:r>
+              <a:rPr lang="en-US" altLang="zh-CN"/>
+              <a:t>Legacy build system error using Unity project</a:t>
+            </a:r>
+            <a:endParaRPr lang="en-US" altLang="zh-CN"/>
+          </a:p>
+          <a:p>
+            <a:pPr lvl="1"/>
+            <a:r>
+              <a:rPr lang="en-US" altLang="zh-CN"/>
+              <a:t>File -&gt; Project Setting</a:t>
+            </a:r>
+            <a:endParaRPr lang="en-US" altLang="zh-CN"/>
+          </a:p>
+          <a:p>
+            <a:pPr lvl="2"/>
+            <a:r>
+              <a:rPr lang="en-US" altLang="zh-CN"/>
+              <a:t>Change “Build System” from “Legacy Build System (Deprecated)” to “New Build System (Default)”</a:t>
+            </a:r>
+            <a:endParaRPr lang="en-US" altLang="zh-CN"/>
+          </a:p>
+          <a:p>
+            <a:pPr lvl="0"/>
+            <a:r>
+              <a:rPr lang="en-US" altLang="zh-CN"/>
+              <a:t>mapfileparser.sh permission denied</a:t>
+            </a:r>
+            <a:endParaRPr lang="en-US" altLang="zh-CN"/>
+          </a:p>
+          <a:p>
+            <a:pPr lvl="1"/>
+            <a:r>
+              <a:rPr lang="en-US" altLang="zh-CN" sz="2000"/>
+              <a:t>Open terminal</a:t>
+            </a:r>
+            <a:endParaRPr lang="en-US" altLang="zh-CN" sz="2000"/>
+          </a:p>
+          <a:p>
+            <a:pPr lvl="1"/>
+            <a:r>
+              <a:rPr lang="en-US" altLang="zh-CN" sz="2000"/>
+              <a:t>chmod +x {}/MapFileParser.sh</a:t>
+            </a:r>
+            <a:endParaRPr lang="en-US" altLang="zh-CN" sz="2000"/>
+          </a:p>
+          <a:p>
+            <a:pPr lvl="0"/>
+            <a:r>
+              <a:rPr lang="en-US" altLang="zh-CN"/>
+              <a:t>UnityFramework.framework: errSecInternalComponent</a:t>
+            </a:r>
+            <a:endParaRPr lang="en-US" altLang="zh-CN"/>
+          </a:p>
+          <a:p>
+            <a:pPr lvl="1"/>
+            <a:r>
+              <a:rPr lang="en-US" altLang="zh-CN" sz="2000"/>
+              <a:t>When input password for login keychain, select “Always allow”</a:t>
+            </a:r>
+            <a:endParaRPr lang="en-US" altLang="zh-CN"/>
+          </a:p>
+          <a:p>
+            <a:pPr lvl="1"/>
+            <a:endParaRPr lang="en-US" altLang="zh-CN"/>
+          </a:p>
+        </p:txBody>
+      </p:sp>
+    </p:spTree>
+    <p:custDataLst>
+      <p:tags r:id="rId1"/>
+    </p:custDataLst>
+  </p:cSld>
+  <p:clrMapOvr>
+    <a:masterClrMapping/>
+  </p:clrMapOvr>
+</p:sld>
+</file>
+
+<file path=ppt/slides/slide14.xml><?xml version="1.0" encoding="utf-8"?>
+<p:sld xmlns:a="http://schemas.openxmlformats.org/drawingml/2006/main" xmlns:r="http://schemas.openxmlformats.org/officeDocument/2006/relationships" xmlns:p="http://schemas.openxmlformats.org/presentationml/2006/main">
+  <p:cSld>
+    <p:spTree>
+      <p:nvGrpSpPr>
+        <p:cNvPr id="1" name=""/>
+        <p:cNvGrpSpPr/>
+        <p:nvPr/>
+      </p:nvGrpSpPr>
+      <p:grpSpPr/>
+      <p:sp>
+        <p:nvSpPr>
           <p:cNvPr id="4" name="标题 3"/>
           <p:cNvSpPr>
             <a:spLocks noGrp="1"/>
@@ -4326,7 +4509,7 @@
           <a:p>
             <a:r>
               <a:rPr lang="en-US" altLang="zh-CN"/>
-              <a:t>iOS Internal</a:t>
+              <a:t>Mac Usage</a:t>
             </a:r>
             <a:endParaRPr lang="en-US" altLang="zh-CN"/>
           </a:p>
@@ -4361,7 +4544,368 @@
 </p:sld>
 </file>
 
-<file path=ppt/slides/slide14.xml><?xml version="1.0" encoding="utf-8"?>
+<file path=ppt/slides/slide15.xml><?xml version="1.0" encoding="utf-8"?>
+<p:sld xmlns:a="http://schemas.openxmlformats.org/drawingml/2006/main" xmlns:r="http://schemas.openxmlformats.org/officeDocument/2006/relationships" xmlns:p="http://schemas.openxmlformats.org/presentationml/2006/main">
+  <p:cSld>
+    <p:spTree>
+      <p:nvGrpSpPr>
+        <p:cNvPr id="1" name=""/>
+        <p:cNvGrpSpPr/>
+        <p:nvPr/>
+      </p:nvGrpSpPr>
+      <p:grpSpPr/>
+      <p:sp>
+        <p:nvSpPr>
+          <p:cNvPr id="4" name="标题 3"/>
+          <p:cNvSpPr>
+            <a:spLocks noGrp="1"/>
+          </p:cNvSpPr>
+          <p:nvPr>
+            <p:ph type="title"/>
+          </p:nvPr>
+        </p:nvSpPr>
+        <p:spPr/>
+        <p:txBody>
+          <a:bodyPr/>
+          <a:p>
+            <a:r>
+              <a:rPr lang="en-US" altLang="zh-CN"/>
+              <a:t>Homebrew</a:t>
+            </a:r>
+            <a:endParaRPr lang="en-US" altLang="zh-CN"/>
+          </a:p>
+        </p:txBody>
+      </p:sp>
+      <p:sp>
+        <p:nvSpPr>
+          <p:cNvPr id="5" name="内容占位符 4"/>
+          <p:cNvSpPr>
+            <a:spLocks noGrp="1"/>
+          </p:cNvSpPr>
+          <p:nvPr>
+            <p:ph idx="1"/>
+          </p:nvPr>
+        </p:nvSpPr>
+        <p:spPr/>
+        <p:txBody>
+          <a:bodyPr/>
+          <a:p>
+            <a:r>
+              <a:rPr lang="en-US" altLang="zh-CN"/>
+              <a:t>Intro</a:t>
+            </a:r>
+            <a:endParaRPr lang="en-US" altLang="zh-CN"/>
+          </a:p>
+          <a:p>
+            <a:pPr lvl="1"/>
+            <a:r>
+              <a:rPr lang="en-US" altLang="zh-CN"/>
+              <a:t>package manager on Mac</a:t>
+            </a:r>
+            <a:endParaRPr lang="en-US" altLang="zh-CN"/>
+          </a:p>
+          <a:p>
+            <a:pPr lvl="0"/>
+            <a:r>
+              <a:rPr lang="en-US" altLang="zh-CN"/>
+              <a:t>Install</a:t>
+            </a:r>
+            <a:endParaRPr lang="en-US" altLang="zh-CN"/>
+          </a:p>
+          <a:p>
+            <a:pPr lvl="1"/>
+            <a:r>
+              <a:rPr lang="en-US" altLang="zh-CN"/>
+              <a:t>/usr/bin/ruby -e "$(curl -fsSL https://cdn.jsdelivr.net/gh/ineo6/homebrew-install/install)"</a:t>
+            </a:r>
+            <a:endParaRPr lang="en-US" altLang="zh-CN"/>
+          </a:p>
+          <a:p>
+            <a:pPr lvl="0"/>
+            <a:r>
+              <a:rPr lang="en-US" altLang="zh-CN"/>
+              <a:t>Usage</a:t>
+            </a:r>
+            <a:endParaRPr lang="en-US" altLang="zh-CN"/>
+          </a:p>
+          <a:p>
+            <a:pPr lvl="1"/>
+            <a:r>
+              <a:rPr lang="en-US" altLang="zh-CN"/>
+              <a:t>brew help</a:t>
+            </a:r>
+            <a:endParaRPr lang="en-US" altLang="zh-CN"/>
+          </a:p>
+        </p:txBody>
+      </p:sp>
+    </p:spTree>
+    <p:custDataLst>
+      <p:tags r:id="rId1"/>
+    </p:custDataLst>
+  </p:cSld>
+  <p:clrMapOvr>
+    <a:masterClrMapping/>
+  </p:clrMapOvr>
+</p:sld>
+</file>
+
+<file path=ppt/slides/slide16.xml><?xml version="1.0" encoding="utf-8"?>
+<p:sld xmlns:a="http://schemas.openxmlformats.org/drawingml/2006/main" xmlns:r="http://schemas.openxmlformats.org/officeDocument/2006/relationships" xmlns:p="http://schemas.openxmlformats.org/presentationml/2006/main">
+  <p:cSld>
+    <p:spTree>
+      <p:nvGrpSpPr>
+        <p:cNvPr id="1" name=""/>
+        <p:cNvGrpSpPr/>
+        <p:nvPr/>
+      </p:nvGrpSpPr>
+      <p:grpSpPr/>
+      <p:sp>
+        <p:nvSpPr>
+          <p:cNvPr id="2" name="标题 1"/>
+          <p:cNvSpPr>
+            <a:spLocks noGrp="1"/>
+          </p:cNvSpPr>
+          <p:nvPr>
+            <p:ph type="title"/>
+          </p:nvPr>
+        </p:nvSpPr>
+        <p:spPr/>
+        <p:txBody>
+          <a:bodyPr/>
+          <a:p>
+            <a:r>
+              <a:rPr lang="en-US" altLang="zh-CN"/>
+              <a:t>Ruby Gems</a:t>
+            </a:r>
+            <a:endParaRPr lang="en-US" altLang="zh-CN"/>
+          </a:p>
+        </p:txBody>
+      </p:sp>
+      <p:sp>
+        <p:nvSpPr>
+          <p:cNvPr id="3" name="内容占位符 2"/>
+          <p:cNvSpPr>
+            <a:spLocks noGrp="1"/>
+          </p:cNvSpPr>
+          <p:nvPr>
+            <p:ph idx="1"/>
+          </p:nvPr>
+        </p:nvSpPr>
+        <p:spPr/>
+        <p:txBody>
+          <a:bodyPr/>
+          <a:p>
+            <a:r>
+              <a:rPr lang="en-US" altLang="zh-CN"/>
+              <a:t>Change Mirror Sites</a:t>
+            </a:r>
+            <a:endParaRPr lang="en-US" altLang="zh-CN"/>
+          </a:p>
+          <a:p>
+            <a:pPr lvl="1"/>
+            <a:r>
+              <a:rPr lang="en-US" altLang="zh-CN"/>
+              <a:t>sudo gem update --system</a:t>
+            </a:r>
+            <a:endParaRPr lang="en-US" altLang="zh-CN"/>
+          </a:p>
+          <a:p>
+            <a:pPr lvl="1"/>
+            <a:r>
+              <a:rPr lang="en-US" altLang="zh-CN"/>
+              <a:t>gem sources --remove https://rubygems.org/</a:t>
+            </a:r>
+            <a:endParaRPr lang="en-US" altLang="zh-CN"/>
+          </a:p>
+          <a:p>
+            <a:pPr lvl="1"/>
+            <a:r>
+              <a:rPr lang="en-US" altLang="zh-CN"/>
+              <a:t>gem sources --add https://gems.ruby-china.com/</a:t>
+            </a:r>
+            <a:endParaRPr lang="en-US" altLang="zh-CN"/>
+          </a:p>
+          <a:p>
+            <a:pPr lvl="1"/>
+            <a:r>
+              <a:rPr lang="en-US" altLang="zh-CN"/>
+              <a:t>gem sources -l</a:t>
+            </a:r>
+            <a:endParaRPr lang="en-US" altLang="zh-CN"/>
+          </a:p>
+          <a:p>
+            <a:pPr lvl="1"/>
+            <a:r>
+              <a:rPr lang="en-US" altLang="zh-CN"/>
+              <a:t>sudo gem install -n /usr/local/bin cocoapods</a:t>
+            </a:r>
+            <a:endParaRPr lang="en-US" altLang="zh-CN"/>
+          </a:p>
+          <a:p>
+            <a:pPr lvl="1"/>
+            <a:r>
+              <a:rPr lang="en-US" altLang="zh-CN"/>
+              <a:t>sudo xcode-select -switch /Aplications/Xcode.app/Contents/Developer</a:t>
+            </a:r>
+            <a:endParaRPr lang="en-US" altLang="zh-CN"/>
+          </a:p>
+        </p:txBody>
+      </p:sp>
+    </p:spTree>
+    <p:custDataLst>
+      <p:tags r:id="rId1"/>
+    </p:custDataLst>
+  </p:cSld>
+  <p:clrMapOvr>
+    <a:masterClrMapping/>
+  </p:clrMapOvr>
+</p:sld>
+</file>
+
+<file path=ppt/slides/slide17.xml><?xml version="1.0" encoding="utf-8"?>
+<p:sld xmlns:a="http://schemas.openxmlformats.org/drawingml/2006/main" xmlns:r="http://schemas.openxmlformats.org/officeDocument/2006/relationships" xmlns:p="http://schemas.openxmlformats.org/presentationml/2006/main">
+  <p:cSld>
+    <p:spTree>
+      <p:nvGrpSpPr>
+        <p:cNvPr id="1" name=""/>
+        <p:cNvGrpSpPr/>
+        <p:nvPr/>
+      </p:nvGrpSpPr>
+      <p:grpSpPr/>
+      <p:sp>
+        <p:nvSpPr>
+          <p:cNvPr id="2" name="标题 1"/>
+          <p:cNvSpPr>
+            <a:spLocks noGrp="1"/>
+          </p:cNvSpPr>
+          <p:nvPr>
+            <p:ph type="title"/>
+          </p:nvPr>
+        </p:nvSpPr>
+        <p:spPr/>
+        <p:txBody>
+          <a:bodyPr/>
+          <a:p>
+            <a:r>
+              <a:rPr lang="en-US" altLang="zh-CN"/>
+              <a:t>Access Github</a:t>
+            </a:r>
+            <a:endParaRPr lang="en-US" altLang="zh-CN"/>
+          </a:p>
+        </p:txBody>
+      </p:sp>
+      <p:sp>
+        <p:nvSpPr>
+          <p:cNvPr id="3" name="内容占位符 2"/>
+          <p:cNvSpPr>
+            <a:spLocks noGrp="1"/>
+          </p:cNvSpPr>
+          <p:nvPr>
+            <p:ph idx="1"/>
+          </p:nvPr>
+        </p:nvSpPr>
+        <p:spPr/>
+        <p:txBody>
+          <a:bodyPr/>
+          <a:p>
+            <a:pPr lvl="0"/>
+            <a:r>
+              <a:rPr lang="en-US" altLang="zh-CN"/>
+              <a:t>Steps</a:t>
+            </a:r>
+            <a:endParaRPr lang="en-US" altLang="zh-CN"/>
+          </a:p>
+          <a:p>
+            <a:pPr lvl="1"/>
+            <a:r>
+              <a:rPr lang="en-US" altLang="zh-CN"/>
+              <a:t>http://ping.chinaz.com/ query github.com, to get fast-response ip</a:t>
+            </a:r>
+            <a:endParaRPr lang="en-US" altLang="zh-CN"/>
+          </a:p>
+          <a:p>
+            <a:pPr lvl="1"/>
+            <a:r>
+              <a:rPr lang="en-US" altLang="zh-CN"/>
+              <a:t>modify /etc/hosts, add ip/url pair</a:t>
+            </a:r>
+            <a:endParaRPr lang="en-US" altLang="zh-CN"/>
+          </a:p>
+        </p:txBody>
+      </p:sp>
+    </p:spTree>
+    <p:custDataLst>
+      <p:tags r:id="rId1"/>
+    </p:custDataLst>
+  </p:cSld>
+  <p:clrMapOvr>
+    <a:masterClrMapping/>
+  </p:clrMapOvr>
+</p:sld>
+</file>
+
+<file path=ppt/slides/slide18.xml><?xml version="1.0" encoding="utf-8"?>
+<p:sld xmlns:a="http://schemas.openxmlformats.org/drawingml/2006/main" xmlns:r="http://schemas.openxmlformats.org/officeDocument/2006/relationships" xmlns:p="http://schemas.openxmlformats.org/presentationml/2006/main">
+  <p:cSld>
+    <p:spTree>
+      <p:nvGrpSpPr>
+        <p:cNvPr id="1" name=""/>
+        <p:cNvGrpSpPr/>
+        <p:nvPr/>
+      </p:nvGrpSpPr>
+      <p:grpSpPr/>
+      <p:sp>
+        <p:nvSpPr>
+          <p:cNvPr id="4" name="标题 3"/>
+          <p:cNvSpPr>
+            <a:spLocks noGrp="1"/>
+          </p:cNvSpPr>
+          <p:nvPr>
+            <p:ph type="title"/>
+          </p:nvPr>
+        </p:nvSpPr>
+        <p:spPr/>
+        <p:txBody>
+          <a:bodyPr/>
+          <a:p>
+            <a:r>
+              <a:rPr lang="en-US" altLang="zh-CN"/>
+              <a:t>iOS Internal</a:t>
+            </a:r>
+            <a:endParaRPr lang="en-US" altLang="zh-CN"/>
+          </a:p>
+        </p:txBody>
+      </p:sp>
+      <p:sp>
+        <p:nvSpPr>
+          <p:cNvPr id="5" name="文本占位符 4"/>
+          <p:cNvSpPr>
+            <a:spLocks noGrp="1"/>
+          </p:cNvSpPr>
+          <p:nvPr>
+            <p:ph type="body" idx="1"/>
+          </p:nvPr>
+        </p:nvSpPr>
+        <p:spPr/>
+        <p:txBody>
+          <a:bodyPr/>
+          <a:p>
+            <a:endParaRPr lang="zh-CN" altLang="en-US"/>
+          </a:p>
+        </p:txBody>
+      </p:sp>
+    </p:spTree>
+    <p:custDataLst>
+      <p:tags r:id="rId1"/>
+    </p:custDataLst>
+  </p:cSld>
+  <p:clrMapOvr>
+    <a:masterClrMapping/>
+  </p:clrMapOvr>
+</p:sld>
+</file>
+
+<file path=ppt/slides/slide19.xml><?xml version="1.0" encoding="utf-8"?>
 <p:sld xmlns:a="http://schemas.openxmlformats.org/drawingml/2006/main" xmlns:r="http://schemas.openxmlformats.org/officeDocument/2006/relationships" xmlns:p="http://schemas.openxmlformats.org/presentationml/2006/main">
   <p:cSld>
     <p:spTree>
@@ -4437,8 +4981,8 @@
                 <a:gs pos="100000">
                   <a:schemeClr val="accent4">
                     <a:hueOff val="-903206"/>
-                    <a:satOff val="-17116"/>
-                    <a:lumOff val="-2081"/>
+                    <a:satOff val="-17111"/>
+                    <a:lumOff val="-2076"/>
                   </a:schemeClr>
                 </a:gs>
               </a:gsLst>
@@ -5080,8 +5624,8 @@
                 <a:gs pos="100000">
                   <a:schemeClr val="accent4">
                     <a:hueOff val="-903206"/>
-                    <a:satOff val="-17116"/>
-                    <a:lumOff val="-2081"/>
+                    <a:satOff val="-17111"/>
+                    <a:lumOff val="-2076"/>
                   </a:schemeClr>
                 </a:gs>
               </a:gsLst>
@@ -6777,8 +7321,8 @@
                 <a:gs pos="100000">
                   <a:schemeClr val="accent4">
                     <a:hueOff val="-903206"/>
-                    <a:satOff val="-17116"/>
-                    <a:lumOff val="-2081"/>
+                    <a:satOff val="-17111"/>
+                    <a:lumOff val="-2076"/>
                   </a:schemeClr>
                 </a:gs>
               </a:gsLst>
@@ -8164,8 +8708,8 @@
                 <a:gs pos="100000">
                   <a:schemeClr val="accent4">
                     <a:hueOff val="-903206"/>
-                    <a:satOff val="-17116"/>
-                    <a:lumOff val="-2081"/>
+                    <a:satOff val="-17111"/>
+                    <a:lumOff val="-2076"/>
                   </a:schemeClr>
                 </a:gs>
               </a:gsLst>
@@ -8892,7 +9436,68 @@
 </p:sld>
 </file>
 
-<file path=ppt/slides/slide15.xml><?xml version="1.0" encoding="utf-8"?>
+<file path=ppt/slides/slide2.xml><?xml version="1.0" encoding="utf-8"?>
+<p:sld xmlns:a="http://schemas.openxmlformats.org/drawingml/2006/main" xmlns:r="http://schemas.openxmlformats.org/officeDocument/2006/relationships" xmlns:p="http://schemas.openxmlformats.org/presentationml/2006/main">
+  <p:cSld>
+    <p:spTree>
+      <p:nvGrpSpPr>
+        <p:cNvPr id="1" name=""/>
+        <p:cNvGrpSpPr/>
+        <p:nvPr/>
+      </p:nvGrpSpPr>
+      <p:grpSpPr/>
+      <p:sp>
+        <p:nvSpPr>
+          <p:cNvPr id="4" name="标题 3"/>
+          <p:cNvSpPr>
+            <a:spLocks noGrp="1"/>
+          </p:cNvSpPr>
+          <p:nvPr>
+            <p:ph type="title"/>
+          </p:nvPr>
+        </p:nvSpPr>
+        <p:spPr/>
+        <p:txBody>
+          <a:bodyPr/>
+          <a:p>
+            <a:r>
+              <a:rPr lang="en-US" altLang="zh-CN"/>
+              <a:t>iOS Development</a:t>
+            </a:r>
+            <a:endParaRPr lang="en-US" altLang="zh-CN"/>
+          </a:p>
+        </p:txBody>
+      </p:sp>
+      <p:sp>
+        <p:nvSpPr>
+          <p:cNvPr id="5" name="文本占位符 4"/>
+          <p:cNvSpPr>
+            <a:spLocks noGrp="1"/>
+          </p:cNvSpPr>
+          <p:nvPr>
+            <p:ph type="body" idx="1"/>
+          </p:nvPr>
+        </p:nvSpPr>
+        <p:spPr/>
+        <p:txBody>
+          <a:bodyPr/>
+          <a:p>
+            <a:endParaRPr lang="zh-CN" altLang="en-US"/>
+          </a:p>
+        </p:txBody>
+      </p:sp>
+    </p:spTree>
+    <p:custDataLst>
+      <p:tags r:id="rId1"/>
+    </p:custDataLst>
+  </p:cSld>
+  <p:clrMapOvr>
+    <a:masterClrMapping/>
+  </p:clrMapOvr>
+</p:sld>
+</file>
+
+<file path=ppt/slides/slide20.xml><?xml version="1.0" encoding="utf-8"?>
 <p:sld xmlns:a="http://schemas.openxmlformats.org/drawingml/2006/main" xmlns:r="http://schemas.openxmlformats.org/officeDocument/2006/relationships" xmlns:p="http://schemas.openxmlformats.org/presentationml/2006/main">
   <p:cSld>
     <p:spTree>
@@ -8968,8 +9573,8 @@
                 <a:gs pos="100000">
                   <a:schemeClr val="accent4">
                     <a:hueOff val="-903206"/>
-                    <a:satOff val="-17116"/>
-                    <a:lumOff val="-2081"/>
+                    <a:satOff val="-17111"/>
+                    <a:lumOff val="-2076"/>
                   </a:schemeClr>
                 </a:gs>
               </a:gsLst>
@@ -9594,7 +10199,7 @@
 </p:sld>
 </file>
 
-<file path=ppt/slides/slide16.xml><?xml version="1.0" encoding="utf-8"?>
+<file path=ppt/slides/slide21.xml><?xml version="1.0" encoding="utf-8"?>
 <p:sld xmlns:a="http://schemas.openxmlformats.org/drawingml/2006/main" xmlns:r="http://schemas.openxmlformats.org/officeDocument/2006/relationships" xmlns:p="http://schemas.openxmlformats.org/presentationml/2006/main">
   <p:cSld>
     <p:spTree>
@@ -9670,8 +10275,8 @@
                 <a:gs pos="100000">
                   <a:schemeClr val="accent4">
                     <a:hueOff val="-903206"/>
-                    <a:satOff val="-17116"/>
-                    <a:lumOff val="-2081"/>
+                    <a:satOff val="-17111"/>
+                    <a:lumOff val="-2076"/>
                   </a:schemeClr>
                 </a:gs>
               </a:gsLst>
@@ -10437,8 +11042,8 @@
                 <a:gs pos="100000">
                   <a:schemeClr val="accent4">
                     <a:hueOff val="-903206"/>
-                    <a:satOff val="-17116"/>
-                    <a:lumOff val="-2081"/>
+                    <a:satOff val="-17111"/>
+                    <a:lumOff val="-2076"/>
                   </a:schemeClr>
                 </a:gs>
               </a:gsLst>
@@ -10770,8 +11375,8 @@
                 <a:gs pos="100000">
                   <a:schemeClr val="accent4">
                     <a:hueOff val="-903206"/>
-                    <a:satOff val="-17116"/>
-                    <a:lumOff val="-2081"/>
+                    <a:satOff val="-17111"/>
+                    <a:lumOff val="-2076"/>
                   </a:schemeClr>
                 </a:gs>
               </a:gsLst>
@@ -11086,7 +11691,7 @@
 </p:sld>
 </file>
 
-<file path=ppt/slides/slide17.xml><?xml version="1.0" encoding="utf-8"?>
+<file path=ppt/slides/slide22.xml><?xml version="1.0" encoding="utf-8"?>
 <p:sld xmlns:a="http://schemas.openxmlformats.org/drawingml/2006/main" xmlns:r="http://schemas.openxmlformats.org/officeDocument/2006/relationships" xmlns:p="http://schemas.openxmlformats.org/presentationml/2006/main">
   <p:cSld>
     <p:spTree>
@@ -11148,8 +11753,8 @@
               <a:gs pos="100000">
                 <a:schemeClr val="accent4">
                   <a:hueOff val="-903206"/>
-                  <a:satOff val="-17116"/>
-                  <a:lumOff val="-2081"/>
+                  <a:satOff val="-17111"/>
+                  <a:lumOff val="-2076"/>
                 </a:schemeClr>
               </a:gs>
             </a:gsLst>
@@ -12038,67 +12643,6 @@
 </p:sld>
 </file>
 
-<file path=ppt/slides/slide2.xml><?xml version="1.0" encoding="utf-8"?>
-<p:sld xmlns:a="http://schemas.openxmlformats.org/drawingml/2006/main" xmlns:r="http://schemas.openxmlformats.org/officeDocument/2006/relationships" xmlns:p="http://schemas.openxmlformats.org/presentationml/2006/main">
-  <p:cSld>
-    <p:spTree>
-      <p:nvGrpSpPr>
-        <p:cNvPr id="1" name=""/>
-        <p:cNvGrpSpPr/>
-        <p:nvPr/>
-      </p:nvGrpSpPr>
-      <p:grpSpPr/>
-      <p:sp>
-        <p:nvSpPr>
-          <p:cNvPr id="4" name="标题 3"/>
-          <p:cNvSpPr>
-            <a:spLocks noGrp="1"/>
-          </p:cNvSpPr>
-          <p:nvPr>
-            <p:ph type="title"/>
-          </p:nvPr>
-        </p:nvSpPr>
-        <p:spPr/>
-        <p:txBody>
-          <a:bodyPr/>
-          <a:p>
-            <a:r>
-              <a:rPr lang="en-US" altLang="zh-CN"/>
-              <a:t>iOS Development</a:t>
-            </a:r>
-            <a:endParaRPr lang="en-US" altLang="zh-CN"/>
-          </a:p>
-        </p:txBody>
-      </p:sp>
-      <p:sp>
-        <p:nvSpPr>
-          <p:cNvPr id="5" name="文本占位符 4"/>
-          <p:cNvSpPr>
-            <a:spLocks noGrp="1"/>
-          </p:cNvSpPr>
-          <p:nvPr>
-            <p:ph type="body" idx="1"/>
-          </p:nvPr>
-        </p:nvSpPr>
-        <p:spPr/>
-        <p:txBody>
-          <a:bodyPr/>
-          <a:p>
-            <a:endParaRPr lang="zh-CN" altLang="en-US"/>
-          </a:p>
-        </p:txBody>
-      </p:sp>
-    </p:spTree>
-    <p:custDataLst>
-      <p:tags r:id="rId1"/>
-    </p:custDataLst>
-  </p:cSld>
-  <p:clrMapOvr>
-    <a:masterClrMapping/>
-  </p:clrMapOvr>
-</p:sld>
-</file>
-
 <file path=ppt/slides/slide3.xml><?xml version="1.0" encoding="utf-8"?>
 <p:sld xmlns:a="http://schemas.openxmlformats.org/drawingml/2006/main" xmlns:r="http://schemas.openxmlformats.org/officeDocument/2006/relationships" xmlns:p="http://schemas.openxmlformats.org/presentationml/2006/main">
   <p:cSld>
@@ -12995,7 +13539,7 @@
           <a:p>
             <a:r>
               <a:rPr lang="en-US" altLang="zh-CN"/>
-              <a:t>Debug</a:t>
+              <a:t>CocoaPods</a:t>
             </a:r>
             <a:endParaRPr lang="en-US" altLang="zh-CN"/>
           </a:p>
@@ -13011,11 +13555,404 @@
             <p:ph idx="1"/>
           </p:nvPr>
         </p:nvSpPr>
-        <p:spPr/>
+        <p:spPr>
+          <a:xfrm>
+            <a:off x="838200" y="1211580"/>
+            <a:ext cx="5386705" cy="5009515"/>
+          </a:xfrm>
+        </p:spPr>
         <p:txBody>
-          <a:bodyPr/>
-          <a:p>
-            <a:endParaRPr lang="en-US" altLang="zh-CN"/>
+          <a:bodyPr>
+            <a:noAutofit/>
+          </a:bodyPr>
+          <a:p>
+            <a:r>
+              <a:rPr lang="en-US" altLang="zh-CN" sz="1800"/>
+              <a:t>Intro</a:t>
+            </a:r>
+            <a:endParaRPr lang="en-US" altLang="zh-CN" sz="1800"/>
+          </a:p>
+          <a:p>
+            <a:pPr lvl="1"/>
+            <a:r>
+              <a:rPr lang="en-US" altLang="zh-CN" sz="1600"/>
+              <a:t>dependency manager for Swift and Objective-C Cocoa projects.</a:t>
+            </a:r>
+            <a:endParaRPr lang="en-US" altLang="zh-CN" sz="1600"/>
+          </a:p>
+          <a:p>
+            <a:pPr lvl="0"/>
+            <a:r>
+              <a:rPr lang="en-US" altLang="zh-CN" sz="1800"/>
+              <a:t>Commands</a:t>
+            </a:r>
+            <a:endParaRPr lang="en-US" altLang="zh-CN" sz="1800"/>
+          </a:p>
+          <a:p>
+            <a:pPr lvl="1"/>
+            <a:r>
+              <a:rPr lang="en-US" altLang="zh-CN" sz="1600"/>
+              <a:t>pod --version</a:t>
+            </a:r>
+            <a:endParaRPr lang="en-US" altLang="zh-CN" sz="1600"/>
+          </a:p>
+          <a:p>
+            <a:pPr lvl="1"/>
+            <a:r>
+              <a:rPr lang="en-US" altLang="zh-CN" sz="1600"/>
+              <a:t>pod repo		# list repositories</a:t>
+            </a:r>
+            <a:endParaRPr lang="en-US" altLang="zh-CN" sz="1600"/>
+          </a:p>
+          <a:p>
+            <a:pPr lvl="2"/>
+            <a:r>
+              <a:rPr lang="en-US" altLang="zh-CN" sz="1400"/>
+              <a:t>~/.cocoapods/repos</a:t>
+            </a:r>
+            <a:endParaRPr lang="en-US" altLang="zh-CN" sz="1400"/>
+          </a:p>
+          <a:p>
+            <a:pPr lvl="1"/>
+            <a:r>
+              <a:rPr lang="en-US" altLang="zh-CN" sz="1600"/>
+              <a:t>change mirror</a:t>
+            </a:r>
+            <a:endParaRPr lang="en-US" altLang="zh-CN" sz="1600"/>
+          </a:p>
+          <a:p>
+            <a:pPr lvl="2"/>
+            <a:r>
+              <a:rPr lang="en-US" altLang="zh-CN" sz="1400"/>
+              <a:t>cd ~/.cocoapods/repos</a:t>
+            </a:r>
+            <a:endParaRPr lang="en-US" altLang="zh-CN" sz="1400"/>
+          </a:p>
+          <a:p>
+            <a:pPr lvl="2"/>
+            <a:r>
+              <a:rPr lang="en-US" altLang="zh-CN" sz="1400"/>
+              <a:t>git clone https://mirrors.tuna.tsinghua.edu.cn/git/CocoaPods/Specs.git master</a:t>
+            </a:r>
+            <a:endParaRPr lang="en-US" altLang="zh-CN" sz="1400"/>
+          </a:p>
+          <a:p>
+            <a:pPr lvl="2"/>
+            <a:r>
+              <a:rPr lang="en-US" altLang="zh-CN" sz="1400"/>
+              <a:t>In Podfile, change first line into “source 'https://mirrors.tuna.tsinghua.edu.cn/git/CocoaPods/Specs.git'”</a:t>
+            </a:r>
+            <a:endParaRPr lang="en-US" altLang="zh-CN" sz="1400"/>
+          </a:p>
+          <a:p>
+            <a:pPr lvl="1"/>
+            <a:r>
+              <a:rPr lang="en-US" altLang="zh-CN" sz="1600"/>
+              <a:t>pod init</a:t>
+            </a:r>
+            <a:endParaRPr lang="en-US" altLang="zh-CN" sz="1600"/>
+          </a:p>
+          <a:p>
+            <a:pPr lvl="2"/>
+            <a:r>
+              <a:rPr lang="en-US" altLang="zh-CN" sz="1400"/>
+              <a:t>create a Podfile with smart defaults</a:t>
+            </a:r>
+            <a:endParaRPr lang="en-US" altLang="zh-CN" sz="1400"/>
+          </a:p>
+          <a:p>
+            <a:pPr lvl="1"/>
+            <a:r>
+              <a:rPr lang="en-US" altLang="zh-CN" sz="1600"/>
+              <a:t>arch -x86_64 pod search Firebase</a:t>
+            </a:r>
+            <a:endParaRPr lang="en-US" altLang="zh-CN" sz="1600"/>
+          </a:p>
+        </p:txBody>
+      </p:sp>
+      <p:sp>
+        <p:nvSpPr>
+          <p:cNvPr id="4" name="内容占位符 2"/>
+          <p:cNvSpPr>
+            <a:spLocks noGrp="1"/>
+          </p:cNvSpPr>
+          <p:nvPr/>
+        </p:nvSpPr>
+        <p:spPr>
+          <a:xfrm>
+            <a:off x="6390005" y="1196975"/>
+            <a:ext cx="5502275" cy="5009515"/>
+          </a:xfrm>
+          <a:prstGeom prst="rect">
+            <a:avLst/>
+          </a:prstGeom>
+        </p:spPr>
+        <p:txBody>
+          <a:bodyPr vert="horz" lIns="91440" tIns="45720" rIns="91440" bIns="45720" rtlCol="0"/>
+          <a:lstStyle>
+            <a:lvl1pPr marL="342900" indent="-342900" algn="l" defTabSz="914400" rtl="0" eaLnBrk="1" latinLnBrk="0" hangingPunct="1">
+              <a:lnSpc>
+                <a:spcPct val="90000"/>
+              </a:lnSpc>
+              <a:spcBef>
+                <a:spcPts val="1000"/>
+              </a:spcBef>
+              <a:buFont typeface="黑体" panose="02010609060101010101" pitchFamily="49" charset="-122"/>
+              <a:buChar char="〉"/>
+              <a:defRPr sz="2400" kern="1200">
+                <a:solidFill>
+                  <a:schemeClr val="tx1"/>
+                </a:solidFill>
+                <a:latin typeface="+mn-lt"/>
+                <a:ea typeface="+mn-ea"/>
+                <a:cs typeface="+mn-cs"/>
+              </a:defRPr>
+            </a:lvl1pPr>
+            <a:lvl2pPr marL="800100" indent="-342900" algn="l" defTabSz="914400" rtl="0" eaLnBrk="1" latinLnBrk="0" hangingPunct="1">
+              <a:lnSpc>
+                <a:spcPct val="90000"/>
+              </a:lnSpc>
+              <a:spcBef>
+                <a:spcPts val="500"/>
+              </a:spcBef>
+              <a:buFont typeface="Arial" panose="020B0604020202020204" pitchFamily="34" charset="0"/>
+              <a:buChar char="•"/>
+              <a:defRPr sz="2000" kern="1200">
+                <a:solidFill>
+                  <a:schemeClr val="tx1"/>
+                </a:solidFill>
+                <a:latin typeface="+mn-lt"/>
+                <a:ea typeface="+mn-ea"/>
+                <a:cs typeface="+mn-cs"/>
+              </a:defRPr>
+            </a:lvl2pPr>
+            <a:lvl3pPr marL="1257300" indent="-342900" algn="l" defTabSz="914400" rtl="0" eaLnBrk="1" latinLnBrk="0" hangingPunct="1">
+              <a:lnSpc>
+                <a:spcPct val="90000"/>
+              </a:lnSpc>
+              <a:spcBef>
+                <a:spcPts val="500"/>
+              </a:spcBef>
+              <a:buFont typeface="Arial" panose="020B0604020202020204" pitchFamily="34" charset="0"/>
+              <a:buChar char="•"/>
+              <a:defRPr sz="1800" kern="1200">
+                <a:solidFill>
+                  <a:schemeClr val="tx1"/>
+                </a:solidFill>
+                <a:latin typeface="+mn-lt"/>
+                <a:ea typeface="+mn-ea"/>
+                <a:cs typeface="+mn-cs"/>
+              </a:defRPr>
+            </a:lvl3pPr>
+            <a:lvl4pPr marL="1657350" indent="-285750" algn="l" defTabSz="914400" rtl="0" eaLnBrk="1" latinLnBrk="0" hangingPunct="1">
+              <a:lnSpc>
+                <a:spcPct val="90000"/>
+              </a:lnSpc>
+              <a:spcBef>
+                <a:spcPts val="500"/>
+              </a:spcBef>
+              <a:buFont typeface="Arial" panose="020B0604020202020204" pitchFamily="34" charset="0"/>
+              <a:buChar char="•"/>
+              <a:defRPr sz="1800" kern="1200">
+                <a:solidFill>
+                  <a:schemeClr val="tx1"/>
+                </a:solidFill>
+                <a:latin typeface="+mn-lt"/>
+                <a:ea typeface="+mn-ea"/>
+                <a:cs typeface="+mn-cs"/>
+              </a:defRPr>
+            </a:lvl4pPr>
+            <a:lvl5pPr marL="2114550" indent="-285750" algn="l" defTabSz="914400" rtl="0" eaLnBrk="1" latinLnBrk="0" hangingPunct="1">
+              <a:lnSpc>
+                <a:spcPct val="90000"/>
+              </a:lnSpc>
+              <a:spcBef>
+                <a:spcPts val="500"/>
+              </a:spcBef>
+              <a:buFont typeface="Arial" panose="020B0604020202020204" pitchFamily="34" charset="0"/>
+              <a:buChar char="•"/>
+              <a:defRPr sz="1800" kern="1200">
+                <a:solidFill>
+                  <a:schemeClr val="tx1"/>
+                </a:solidFill>
+                <a:latin typeface="+mn-lt"/>
+                <a:ea typeface="+mn-ea"/>
+                <a:cs typeface="+mn-cs"/>
+              </a:defRPr>
+            </a:lvl5pPr>
+            <a:lvl6pPr marL="2514600" indent="-228600" algn="l" defTabSz="914400" rtl="0" eaLnBrk="1" latinLnBrk="0" hangingPunct="1">
+              <a:lnSpc>
+                <a:spcPct val="90000"/>
+              </a:lnSpc>
+              <a:spcBef>
+                <a:spcPts val="500"/>
+              </a:spcBef>
+              <a:buFont typeface="Arial" panose="020B0604020202020204" pitchFamily="34" charset="0"/>
+              <a:buChar char="•"/>
+              <a:defRPr sz="1800" kern="1200">
+                <a:solidFill>
+                  <a:schemeClr val="tx1"/>
+                </a:solidFill>
+                <a:latin typeface="+mn-lt"/>
+                <a:ea typeface="+mn-ea"/>
+                <a:cs typeface="+mn-cs"/>
+              </a:defRPr>
+            </a:lvl6pPr>
+            <a:lvl7pPr marL="2971800" indent="-228600" algn="l" defTabSz="914400" rtl="0" eaLnBrk="1" latinLnBrk="0" hangingPunct="1">
+              <a:lnSpc>
+                <a:spcPct val="90000"/>
+              </a:lnSpc>
+              <a:spcBef>
+                <a:spcPts val="500"/>
+              </a:spcBef>
+              <a:buFont typeface="Arial" panose="020B0604020202020204" pitchFamily="34" charset="0"/>
+              <a:buChar char="•"/>
+              <a:defRPr sz="1800" kern="1200">
+                <a:solidFill>
+                  <a:schemeClr val="tx1"/>
+                </a:solidFill>
+                <a:latin typeface="+mn-lt"/>
+                <a:ea typeface="+mn-ea"/>
+                <a:cs typeface="+mn-cs"/>
+              </a:defRPr>
+            </a:lvl7pPr>
+            <a:lvl8pPr marL="3429000" indent="-228600" algn="l" defTabSz="914400" rtl="0" eaLnBrk="1" latinLnBrk="0" hangingPunct="1">
+              <a:lnSpc>
+                <a:spcPct val="90000"/>
+              </a:lnSpc>
+              <a:spcBef>
+                <a:spcPts val="500"/>
+              </a:spcBef>
+              <a:buFont typeface="Arial" panose="020B0604020202020204" pitchFamily="34" charset="0"/>
+              <a:buChar char="•"/>
+              <a:defRPr sz="1800" kern="1200">
+                <a:solidFill>
+                  <a:schemeClr val="tx1"/>
+                </a:solidFill>
+                <a:latin typeface="+mn-lt"/>
+                <a:ea typeface="+mn-ea"/>
+                <a:cs typeface="+mn-cs"/>
+              </a:defRPr>
+            </a:lvl8pPr>
+            <a:lvl9pPr marL="3886200" indent="-228600" algn="l" defTabSz="914400" rtl="0" eaLnBrk="1" latinLnBrk="0" hangingPunct="1">
+              <a:lnSpc>
+                <a:spcPct val="90000"/>
+              </a:lnSpc>
+              <a:spcBef>
+                <a:spcPts val="500"/>
+              </a:spcBef>
+              <a:buFont typeface="Arial" panose="020B0604020202020204" pitchFamily="34" charset="0"/>
+              <a:buChar char="•"/>
+              <a:defRPr sz="1800" kern="1200">
+                <a:solidFill>
+                  <a:schemeClr val="tx1"/>
+                </a:solidFill>
+                <a:latin typeface="+mn-lt"/>
+                <a:ea typeface="+mn-ea"/>
+                <a:cs typeface="+mn-cs"/>
+              </a:defRPr>
+            </a:lvl9pPr>
+          </a:lstStyle>
+          <a:p>
+            <a:pPr lvl="1"/>
+            <a:r>
+              <a:rPr lang="en-US" altLang="zh-CN" sz="1600">
+                <a:effectLst/>
+                <a:sym typeface="+mn-ea"/>
+              </a:rPr>
+              <a:t>pod install --verbose --no-repo-update</a:t>
+            </a:r>
+            <a:endParaRPr lang="en-US" altLang="zh-CN" sz="1600">
+              <a:effectLst/>
+            </a:endParaRPr>
+          </a:p>
+          <a:p>
+            <a:pPr lvl="2"/>
+            <a:r>
+              <a:rPr lang="en-US" altLang="zh-CN" sz="1400">
+                <a:effectLst/>
+                <a:sym typeface="+mn-ea"/>
+              </a:rPr>
+              <a:t>...ruby classes.rb illegal instruction...</a:t>
+            </a:r>
+            <a:endParaRPr lang="en-US" altLang="zh-CN" sz="1400">
+              <a:effectLst/>
+            </a:endParaRPr>
+          </a:p>
+          <a:p>
+            <a:pPr lvl="3"/>
+            <a:r>
+              <a:rPr lang="en-US" altLang="zh-CN" sz="1200">
+                <a:effectLst/>
+                <a:sym typeface="+mn-ea"/>
+              </a:rPr>
+              <a:t>sudo arch -x86_64 gem install ffi</a:t>
+            </a:r>
+            <a:endParaRPr lang="en-US" altLang="zh-CN" sz="1200">
+              <a:effectLst/>
+            </a:endParaRPr>
+          </a:p>
+          <a:p>
+            <a:pPr lvl="3"/>
+            <a:r>
+              <a:rPr lang="en-US" altLang="zh-CN" sz="1200">
+                <a:effectLst/>
+                <a:sym typeface="+mn-ea"/>
+              </a:rPr>
+              <a:t>arch -x86_64 pod install</a:t>
+            </a:r>
+            <a:endParaRPr lang="en-US" altLang="zh-CN" sz="1200">
+              <a:effectLst/>
+            </a:endParaRPr>
+          </a:p>
+          <a:p>
+            <a:pPr lvl="2"/>
+            <a:r>
+              <a:rPr lang="en-US" altLang="zh-CN" sz="1400">
+                <a:effectLst/>
+                <a:sym typeface="+mn-ea"/>
+              </a:rPr>
+              <a:t>github access issue</a:t>
+            </a:r>
+            <a:endParaRPr lang="en-US" altLang="zh-CN" sz="1400">
+              <a:effectLst/>
+            </a:endParaRPr>
+          </a:p>
+          <a:p>
+            <a:pPr lvl="3"/>
+            <a:r>
+              <a:rPr lang="en-US" altLang="zh-CN" sz="1200">
+                <a:effectLst/>
+                <a:sym typeface="+mn-ea"/>
+              </a:rPr>
+              <a:t>Modify “Podfile”, change “source 'https://github.com/artsy/Specs.git'” into “source 'https://cdn.cocoapods.org/'”</a:t>
+            </a:r>
+            <a:endParaRPr lang="en-US" altLang="zh-CN" sz="1200">
+              <a:effectLst/>
+            </a:endParaRPr>
+          </a:p>
+          <a:p>
+            <a:r>
+              <a:rPr lang="en-US" altLang="zh-CN" sz="1800">
+                <a:effectLst/>
+              </a:rPr>
+              <a:t>Podfile</a:t>
+            </a:r>
+            <a:endParaRPr lang="en-US" altLang="zh-CN" sz="1800">
+              <a:effectLst/>
+            </a:endParaRPr>
+          </a:p>
+          <a:p>
+            <a:pPr lvl="1"/>
+            <a:r>
+              <a:rPr lang="en-US" altLang="zh-CN" sz="1600">
+                <a:effectLst/>
+              </a:rPr>
+              <a:t>defines the pods to be used</a:t>
+            </a:r>
+            <a:endParaRPr lang="en-US" altLang="zh-CN" sz="1600">
+              <a:effectLst/>
+            </a:endParaRPr>
           </a:p>
         </p:txBody>
       </p:sp>
@@ -13056,7 +13993,7 @@
           <a:p>
             <a:r>
               <a:rPr lang="en-US" altLang="zh-CN"/>
-              <a:t>Submit</a:t>
+              <a:t>Debug</a:t>
             </a:r>
             <a:endParaRPr lang="en-US" altLang="zh-CN"/>
           </a:p>
@@ -13076,7 +14013,7 @@
         <p:txBody>
           <a:bodyPr/>
           <a:p>
-            <a:endParaRPr lang="zh-CN" altLang="en-US"/>
+            <a:endParaRPr lang="en-US" altLang="zh-CN"/>
           </a:p>
         </p:txBody>
       </p:sp>
@@ -13157,6 +14094,7 @@
 
 <file path=ppt/tags/tag17.xml><?xml version="1.0" encoding="utf-8"?>
 <p:tagLst xmlns:p="http://schemas.openxmlformats.org/presentationml/2006/main">
+  <p:tag name="KSO_WM_BEAUTIFY_FLAG" val="#wm#"/>
   <p:tag name="KSO_WM_TEMPLATE_CATEGORY" val="custom"/>
   <p:tag name="KSO_WM_TEMPLATE_INDEX" val="160402"/>
 </p:tagLst>
@@ -13164,6 +14102,7 @@
 
 <file path=ppt/tags/tag18.xml><?xml version="1.0" encoding="utf-8"?>
 <p:tagLst xmlns:p="http://schemas.openxmlformats.org/presentationml/2006/main">
+  <p:tag name="KSO_WM_BEAUTIFY_FLAG" val="#wm#"/>
   <p:tag name="KSO_WM_TEMPLATE_CATEGORY" val="custom"/>
   <p:tag name="KSO_WM_TEMPLATE_INDEX" val="160402"/>
 </p:tagLst>
@@ -13171,6 +14110,7 @@
 
 <file path=ppt/tags/tag19.xml><?xml version="1.0" encoding="utf-8"?>
 <p:tagLst xmlns:p="http://schemas.openxmlformats.org/presentationml/2006/main">
+  <p:tag name="KSO_WM_BEAUTIFY_FLAG" val="#wm#"/>
   <p:tag name="KSO_WM_TEMPLATE_CATEGORY" val="custom"/>
   <p:tag name="KSO_WM_TEMPLATE_INDEX" val="160402"/>
 </p:tagLst>
@@ -13185,6 +14125,43 @@
 </file>
 
 <file path=ppt/tags/tag20.xml><?xml version="1.0" encoding="utf-8"?>
+<p:tagLst xmlns:p="http://schemas.openxmlformats.org/presentationml/2006/main">
+  <p:tag name="KSO_WM_BEAUTIFY_FLAG" val="#wm#"/>
+  <p:tag name="KSO_WM_TEMPLATE_CATEGORY" val="custom"/>
+  <p:tag name="KSO_WM_TEMPLATE_INDEX" val="160402"/>
+</p:tagLst>
+</file>
+
+<file path=ppt/tags/tag21.xml><?xml version="1.0" encoding="utf-8"?>
+<p:tagLst xmlns:p="http://schemas.openxmlformats.org/presentationml/2006/main">
+  <p:tag name="KSO_WM_BEAUTIFY_FLAG" val="#wm#"/>
+  <p:tag name="KSO_WM_TEMPLATE_CATEGORY" val="custom"/>
+  <p:tag name="KSO_WM_TEMPLATE_INDEX" val="160402"/>
+</p:tagLst>
+</file>
+
+<file path=ppt/tags/tag22.xml><?xml version="1.0" encoding="utf-8"?>
+<p:tagLst xmlns:p="http://schemas.openxmlformats.org/presentationml/2006/main">
+  <p:tag name="KSO_WM_TEMPLATE_CATEGORY" val="custom"/>
+  <p:tag name="KSO_WM_TEMPLATE_INDEX" val="160402"/>
+</p:tagLst>
+</file>
+
+<file path=ppt/tags/tag23.xml><?xml version="1.0" encoding="utf-8"?>
+<p:tagLst xmlns:p="http://schemas.openxmlformats.org/presentationml/2006/main">
+  <p:tag name="KSO_WM_TEMPLATE_CATEGORY" val="custom"/>
+  <p:tag name="KSO_WM_TEMPLATE_INDEX" val="160402"/>
+</p:tagLst>
+</file>
+
+<file path=ppt/tags/tag24.xml><?xml version="1.0" encoding="utf-8"?>
+<p:tagLst xmlns:p="http://schemas.openxmlformats.org/presentationml/2006/main">
+  <p:tag name="KSO_WM_TEMPLATE_CATEGORY" val="custom"/>
+  <p:tag name="KSO_WM_TEMPLATE_INDEX" val="160402"/>
+</p:tagLst>
+</file>
+
+<file path=ppt/tags/tag25.xml><?xml version="1.0" encoding="utf-8"?>
 <p:tagLst xmlns:p="http://schemas.openxmlformats.org/presentationml/2006/main">
   <p:tag name="KSO_WM_TEMPLATE_CATEGORY" val="custom"/>
   <p:tag name="KSO_WM_TEMPLATE_INDEX" val="160402"/>

--- a/Misc/iOS_General.pptx
+++ b/Misc/iOS_General.pptx
@@ -5,7 +5,7 @@
     <p:sldMasterId id="2147483648" r:id="rId1"/>
   </p:sldMasterIdLst>
   <p:notesMasterIdLst>
-    <p:notesMasterId r:id="rId25"/>
+    <p:notesMasterId r:id="rId26"/>
   </p:notesMasterIdLst>
   <p:sldIdLst>
     <p:sldId id="256" r:id="rId3"/>
@@ -20,19 +20,23 @@
     <p:sldId id="266" r:id="rId12"/>
     <p:sldId id="307" r:id="rId13"/>
     <p:sldId id="318" r:id="rId14"/>
-    <p:sldId id="268" r:id="rId15"/>
-    <p:sldId id="270" r:id="rId16"/>
-    <p:sldId id="271" r:id="rId17"/>
-    <p:sldId id="297" r:id="rId18"/>
-    <p:sldId id="296" r:id="rId19"/>
-    <p:sldId id="261" r:id="rId20"/>
-    <p:sldId id="257" r:id="rId21"/>
-    <p:sldId id="258" r:id="rId22"/>
-    <p:sldId id="259" r:id="rId23"/>
-    <p:sldId id="260" r:id="rId24"/>
+    <p:sldId id="329" r:id="rId15"/>
+    <p:sldId id="268" r:id="rId16"/>
+    <p:sldId id="270" r:id="rId17"/>
+    <p:sldId id="271" r:id="rId18"/>
+    <p:sldId id="297" r:id="rId19"/>
+    <p:sldId id="296" r:id="rId20"/>
+    <p:sldId id="261" r:id="rId21"/>
+    <p:sldId id="257" r:id="rId22"/>
+    <p:sldId id="258" r:id="rId23"/>
+    <p:sldId id="259" r:id="rId24"/>
+    <p:sldId id="260" r:id="rId25"/>
   </p:sldIdLst>
   <p:sldSz cx="12192000" cy="6858000"/>
   <p:notesSz cx="6858000" cy="9144000"/>
+  <p:custDataLst>
+    <p:tags r:id="rId30"/>
+  </p:custDataLst>
   <p:defaultTextStyle>
     <a:defPPr marL="0" marR="0" indent="0" algn="l" defTabSz="914400" rtl="0" fontAlgn="auto" latinLnBrk="1" hangingPunct="0">
       <a:lnSpc>
@@ -4384,7 +4388,7 @@
           <a:p>
             <a:r>
               <a:rPr lang="en-US" altLang="zh-CN"/>
-              <a:t>FAQ</a:t>
+              <a:t>Interact with Python</a:t>
             </a:r>
             <a:endParaRPr lang="en-US" altLang="zh-CN"/>
           </a:p>
@@ -4400,13 +4404,18 @@
             <p:ph idx="1"/>
           </p:nvPr>
         </p:nvSpPr>
-        <p:spPr/>
+        <p:spPr>
+          <a:xfrm>
+            <a:off x="838200" y="1211580"/>
+            <a:ext cx="6689090" cy="4549140"/>
+          </a:xfrm>
+        </p:spPr>
         <p:txBody>
           <a:bodyPr/>
           <a:p>
             <a:r>
               <a:rPr lang="en-US" altLang="zh-CN"/>
-              <a:t>Legacy build system error using Unity project</a:t>
+              <a:t>References</a:t>
             </a:r>
             <a:endParaRPr lang="en-US" altLang="zh-CN"/>
           </a:p>
@@ -4414,60 +4423,24 @@
             <a:pPr lvl="1"/>
             <a:r>
               <a:rPr lang="en-US" altLang="zh-CN"/>
-              <a:t>File -&gt; Project Setting</a:t>
+              <a:t>https://juejin.cn/post/7229310327268032569</a:t>
             </a:r>
             <a:endParaRPr lang="en-US" altLang="zh-CN"/>
           </a:p>
           <a:p>
-            <a:pPr lvl="2"/>
+            <a:pPr lvl="1"/>
             <a:r>
               <a:rPr lang="en-US" altLang="zh-CN"/>
-              <a:t>Change “Build System” from “Legacy Build System (Deprecated)” to “New Build System (Default)”</a:t>
+              <a:t>https://github.com/beeware/briefcase</a:t>
             </a:r>
             <a:endParaRPr lang="en-US" altLang="zh-CN"/>
           </a:p>
           <a:p>
-            <a:pPr lvl="0"/>
+            <a:pPr lvl="1"/>
             <a:r>
               <a:rPr lang="en-US" altLang="zh-CN"/>
-              <a:t>mapfileparser.sh permission denied</a:t>
-            </a:r>
-            <a:endParaRPr lang="en-US" altLang="zh-CN"/>
-          </a:p>
-          <a:p>
-            <a:pPr lvl="1"/>
-            <a:r>
-              <a:rPr lang="en-US" altLang="zh-CN" sz="2000"/>
-              <a:t>Open terminal</a:t>
-            </a:r>
-            <a:endParaRPr lang="en-US" altLang="zh-CN" sz="2000"/>
-          </a:p>
-          <a:p>
-            <a:pPr lvl="1"/>
-            <a:r>
-              <a:rPr lang="en-US" altLang="zh-CN" sz="2000"/>
-              <a:t>chmod +x {}/MapFileParser.sh</a:t>
-            </a:r>
-            <a:endParaRPr lang="en-US" altLang="zh-CN" sz="2000"/>
-          </a:p>
-          <a:p>
-            <a:pPr lvl="0"/>
-            <a:r>
-              <a:rPr lang="en-US" altLang="zh-CN"/>
-              <a:t>UnityFramework.framework: errSecInternalComponent</a:t>
-            </a:r>
-            <a:endParaRPr lang="en-US" altLang="zh-CN"/>
-          </a:p>
-          <a:p>
-            <a:pPr lvl="1"/>
-            <a:r>
-              <a:rPr lang="en-US" altLang="zh-CN" sz="2000"/>
-              <a:t>When input password for login keychain, select “Always allow”</a:t>
-            </a:r>
-            <a:endParaRPr lang="en-US" altLang="zh-CN"/>
-          </a:p>
-          <a:p>
-            <a:pPr lvl="1"/>
+              <a:t>https://github.com/pvieito/PythonKit</a:t>
+            </a:r>
             <a:endParaRPr lang="en-US" altLang="zh-CN"/>
           </a:p>
         </p:txBody>
@@ -4495,7 +4468,7 @@
       <p:grpSpPr/>
       <p:sp>
         <p:nvSpPr>
-          <p:cNvPr id="4" name="标题 3"/>
+          <p:cNvPr id="2" name="标题 1"/>
           <p:cNvSpPr>
             <a:spLocks noGrp="1"/>
           </p:cNvSpPr>
@@ -4509,7 +4482,7 @@
           <a:p>
             <a:r>
               <a:rPr lang="en-US" altLang="zh-CN"/>
-              <a:t>Mac Usage</a:t>
+              <a:t>FAQ</a:t>
             </a:r>
             <a:endParaRPr lang="en-US" altLang="zh-CN"/>
           </a:p>
@@ -4517,19 +4490,83 @@
       </p:sp>
       <p:sp>
         <p:nvSpPr>
-          <p:cNvPr id="5" name="文本占位符 4"/>
+          <p:cNvPr id="3" name="内容占位符 2"/>
           <p:cNvSpPr>
             <a:spLocks noGrp="1"/>
           </p:cNvSpPr>
           <p:nvPr>
-            <p:ph type="body" idx="1"/>
+            <p:ph idx="1"/>
           </p:nvPr>
         </p:nvSpPr>
         <p:spPr/>
         <p:txBody>
           <a:bodyPr/>
           <a:p>
-            <a:endParaRPr lang="zh-CN" altLang="en-US"/>
+            <a:r>
+              <a:rPr lang="en-US" altLang="zh-CN"/>
+              <a:t>Legacy build system error using Unity project</a:t>
+            </a:r>
+            <a:endParaRPr lang="en-US" altLang="zh-CN"/>
+          </a:p>
+          <a:p>
+            <a:pPr lvl="1"/>
+            <a:r>
+              <a:rPr lang="en-US" altLang="zh-CN"/>
+              <a:t>File -&gt; Project Setting</a:t>
+            </a:r>
+            <a:endParaRPr lang="en-US" altLang="zh-CN"/>
+          </a:p>
+          <a:p>
+            <a:pPr lvl="2"/>
+            <a:r>
+              <a:rPr lang="en-US" altLang="zh-CN"/>
+              <a:t>Change “Build System” from “Legacy Build System (Deprecated)” to “New Build System (Default)”</a:t>
+            </a:r>
+            <a:endParaRPr lang="en-US" altLang="zh-CN"/>
+          </a:p>
+          <a:p>
+            <a:pPr lvl="0"/>
+            <a:r>
+              <a:rPr lang="en-US" altLang="zh-CN"/>
+              <a:t>mapfileparser.sh permission denied</a:t>
+            </a:r>
+            <a:endParaRPr lang="en-US" altLang="zh-CN"/>
+          </a:p>
+          <a:p>
+            <a:pPr lvl="1"/>
+            <a:r>
+              <a:rPr lang="en-US" altLang="zh-CN" sz="2000"/>
+              <a:t>Open terminal</a:t>
+            </a:r>
+            <a:endParaRPr lang="en-US" altLang="zh-CN" sz="2000"/>
+          </a:p>
+          <a:p>
+            <a:pPr lvl="1"/>
+            <a:r>
+              <a:rPr lang="en-US" altLang="zh-CN" sz="2000"/>
+              <a:t>chmod +x {}/MapFileParser.sh</a:t>
+            </a:r>
+            <a:endParaRPr lang="en-US" altLang="zh-CN" sz="2000"/>
+          </a:p>
+          <a:p>
+            <a:pPr lvl="0"/>
+            <a:r>
+              <a:rPr lang="en-US" altLang="zh-CN"/>
+              <a:t>UnityFramework.framework: errSecInternalComponent</a:t>
+            </a:r>
+            <a:endParaRPr lang="en-US" altLang="zh-CN"/>
+          </a:p>
+          <a:p>
+            <a:pPr lvl="1"/>
+            <a:r>
+              <a:rPr lang="en-US" altLang="zh-CN" sz="2000"/>
+              <a:t>When input password for login keychain, select “Always allow”</a:t>
+            </a:r>
+            <a:endParaRPr lang="en-US" altLang="zh-CN"/>
+          </a:p>
+          <a:p>
+            <a:pPr lvl="1"/>
+            <a:endParaRPr lang="en-US" altLang="zh-CN"/>
           </a:p>
         </p:txBody>
       </p:sp>
@@ -4570,7 +4607,7 @@
           <a:p>
             <a:r>
               <a:rPr lang="en-US" altLang="zh-CN"/>
-              <a:t>Homebrew</a:t>
+              <a:t>Mac Usage</a:t>
             </a:r>
             <a:endParaRPr lang="en-US" altLang="zh-CN"/>
           </a:p>
@@ -4578,63 +4615,19 @@
       </p:sp>
       <p:sp>
         <p:nvSpPr>
-          <p:cNvPr id="5" name="内容占位符 4"/>
+          <p:cNvPr id="5" name="文本占位符 4"/>
           <p:cNvSpPr>
             <a:spLocks noGrp="1"/>
           </p:cNvSpPr>
           <p:nvPr>
-            <p:ph idx="1"/>
+            <p:ph type="body" idx="1"/>
           </p:nvPr>
         </p:nvSpPr>
         <p:spPr/>
         <p:txBody>
           <a:bodyPr/>
           <a:p>
-            <a:r>
-              <a:rPr lang="en-US" altLang="zh-CN"/>
-              <a:t>Intro</a:t>
-            </a:r>
-            <a:endParaRPr lang="en-US" altLang="zh-CN"/>
-          </a:p>
-          <a:p>
-            <a:pPr lvl="1"/>
-            <a:r>
-              <a:rPr lang="en-US" altLang="zh-CN"/>
-              <a:t>package manager on Mac</a:t>
-            </a:r>
-            <a:endParaRPr lang="en-US" altLang="zh-CN"/>
-          </a:p>
-          <a:p>
-            <a:pPr lvl="0"/>
-            <a:r>
-              <a:rPr lang="en-US" altLang="zh-CN"/>
-              <a:t>Install</a:t>
-            </a:r>
-            <a:endParaRPr lang="en-US" altLang="zh-CN"/>
-          </a:p>
-          <a:p>
-            <a:pPr lvl="1"/>
-            <a:r>
-              <a:rPr lang="en-US" altLang="zh-CN"/>
-              <a:t>/usr/bin/ruby -e "$(curl -fsSL https://cdn.jsdelivr.net/gh/ineo6/homebrew-install/install)"</a:t>
-            </a:r>
-            <a:endParaRPr lang="en-US" altLang="zh-CN"/>
-          </a:p>
-          <a:p>
-            <a:pPr lvl="0"/>
-            <a:r>
-              <a:rPr lang="en-US" altLang="zh-CN"/>
-              <a:t>Usage</a:t>
-            </a:r>
-            <a:endParaRPr lang="en-US" altLang="zh-CN"/>
-          </a:p>
-          <a:p>
-            <a:pPr lvl="1"/>
-            <a:r>
-              <a:rPr lang="en-US" altLang="zh-CN"/>
-              <a:t>brew help</a:t>
-            </a:r>
-            <a:endParaRPr lang="en-US" altLang="zh-CN"/>
+            <a:endParaRPr lang="zh-CN" altLang="en-US"/>
           </a:p>
         </p:txBody>
       </p:sp>
@@ -4661,7 +4654,7 @@
       <p:grpSpPr/>
       <p:sp>
         <p:nvSpPr>
-          <p:cNvPr id="2" name="标题 1"/>
+          <p:cNvPr id="4" name="标题 3"/>
           <p:cNvSpPr>
             <a:spLocks noGrp="1"/>
           </p:cNvSpPr>
@@ -4675,7 +4668,7 @@
           <a:p>
             <a:r>
               <a:rPr lang="en-US" altLang="zh-CN"/>
-              <a:t>Ruby Gems</a:t>
+              <a:t>Homebrew</a:t>
             </a:r>
             <a:endParaRPr lang="en-US" altLang="zh-CN"/>
           </a:p>
@@ -4683,7 +4676,7 @@
       </p:sp>
       <p:sp>
         <p:nvSpPr>
-          <p:cNvPr id="3" name="内容占位符 2"/>
+          <p:cNvPr id="5" name="内容占位符 4"/>
           <p:cNvSpPr>
             <a:spLocks noGrp="1"/>
           </p:cNvSpPr>
@@ -4697,7 +4690,7 @@
           <a:p>
             <a:r>
               <a:rPr lang="en-US" altLang="zh-CN"/>
-              <a:t>Change Mirror Sites</a:t>
+              <a:t>Intro</a:t>
             </a:r>
             <a:endParaRPr lang="en-US" altLang="zh-CN"/>
           </a:p>
@@ -4705,47 +4698,39 @@
             <a:pPr lvl="1"/>
             <a:r>
               <a:rPr lang="en-US" altLang="zh-CN"/>
-              <a:t>sudo gem update --system</a:t>
+              <a:t>package manager on Mac</a:t>
             </a:r>
             <a:endParaRPr lang="en-US" altLang="zh-CN"/>
           </a:p>
           <a:p>
+            <a:pPr lvl="0"/>
+            <a:r>
+              <a:rPr lang="en-US" altLang="zh-CN"/>
+              <a:t>Install</a:t>
+            </a:r>
+            <a:endParaRPr lang="en-US" altLang="zh-CN"/>
+          </a:p>
+          <a:p>
             <a:pPr lvl="1"/>
             <a:r>
               <a:rPr lang="en-US" altLang="zh-CN"/>
-              <a:t>gem sources --remove https://rubygems.org/</a:t>
+              <a:t>/usr/bin/ruby -e "$(curl -fsSL https://cdn.jsdelivr.net/gh/ineo6/homebrew-install/install)"</a:t>
             </a:r>
             <a:endParaRPr lang="en-US" altLang="zh-CN"/>
           </a:p>
           <a:p>
+            <a:pPr lvl="0"/>
+            <a:r>
+              <a:rPr lang="en-US" altLang="zh-CN"/>
+              <a:t>Usage</a:t>
+            </a:r>
+            <a:endParaRPr lang="en-US" altLang="zh-CN"/>
+          </a:p>
+          <a:p>
             <a:pPr lvl="1"/>
             <a:r>
               <a:rPr lang="en-US" altLang="zh-CN"/>
-              <a:t>gem sources --add https://gems.ruby-china.com/</a:t>
-            </a:r>
-            <a:endParaRPr lang="en-US" altLang="zh-CN"/>
-          </a:p>
-          <a:p>
-            <a:pPr lvl="1"/>
-            <a:r>
-              <a:rPr lang="en-US" altLang="zh-CN"/>
-              <a:t>gem sources -l</a:t>
-            </a:r>
-            <a:endParaRPr lang="en-US" altLang="zh-CN"/>
-          </a:p>
-          <a:p>
-            <a:pPr lvl="1"/>
-            <a:r>
-              <a:rPr lang="en-US" altLang="zh-CN"/>
-              <a:t>sudo gem install -n /usr/local/bin cocoapods</a:t>
-            </a:r>
-            <a:endParaRPr lang="en-US" altLang="zh-CN"/>
-          </a:p>
-          <a:p>
-            <a:pPr lvl="1"/>
-            <a:r>
-              <a:rPr lang="en-US" altLang="zh-CN"/>
-              <a:t>sudo xcode-select -switch /Aplications/Xcode.app/Contents/Developer</a:t>
+              <a:t>brew help</a:t>
             </a:r>
             <a:endParaRPr lang="en-US" altLang="zh-CN"/>
           </a:p>
@@ -4788,7 +4773,7 @@
           <a:p>
             <a:r>
               <a:rPr lang="en-US" altLang="zh-CN"/>
-              <a:t>Access Github</a:t>
+              <a:t>Ruby Gems</a:t>
             </a:r>
             <a:endParaRPr lang="en-US" altLang="zh-CN"/>
           </a:p>
@@ -4808,10 +4793,9 @@
         <p:txBody>
           <a:bodyPr/>
           <a:p>
-            <a:pPr lvl="0"/>
             <a:r>
               <a:rPr lang="en-US" altLang="zh-CN"/>
-              <a:t>Steps</a:t>
+              <a:t>Change Mirror Sites</a:t>
             </a:r>
             <a:endParaRPr lang="en-US" altLang="zh-CN"/>
           </a:p>
@@ -4819,7 +4803,7 @@
             <a:pPr lvl="1"/>
             <a:r>
               <a:rPr lang="en-US" altLang="zh-CN"/>
-              <a:t>http://ping.chinaz.com/ query github.com, to get fast-response ip</a:t>
+              <a:t>sudo gem update --system</a:t>
             </a:r>
             <a:endParaRPr lang="en-US" altLang="zh-CN"/>
           </a:p>
@@ -4827,7 +4811,39 @@
             <a:pPr lvl="1"/>
             <a:r>
               <a:rPr lang="en-US" altLang="zh-CN"/>
-              <a:t>modify /etc/hosts, add ip/url pair</a:t>
+              <a:t>gem sources --remove https://rubygems.org/</a:t>
+            </a:r>
+            <a:endParaRPr lang="en-US" altLang="zh-CN"/>
+          </a:p>
+          <a:p>
+            <a:pPr lvl="1"/>
+            <a:r>
+              <a:rPr lang="en-US" altLang="zh-CN"/>
+              <a:t>gem sources --add https://gems.ruby-china.com/</a:t>
+            </a:r>
+            <a:endParaRPr lang="en-US" altLang="zh-CN"/>
+          </a:p>
+          <a:p>
+            <a:pPr lvl="1"/>
+            <a:r>
+              <a:rPr lang="en-US" altLang="zh-CN"/>
+              <a:t>gem sources -l</a:t>
+            </a:r>
+            <a:endParaRPr lang="en-US" altLang="zh-CN"/>
+          </a:p>
+          <a:p>
+            <a:pPr lvl="1"/>
+            <a:r>
+              <a:rPr lang="en-US" altLang="zh-CN"/>
+              <a:t>sudo gem install -n /usr/local/bin cocoapods</a:t>
+            </a:r>
+            <a:endParaRPr lang="en-US" altLang="zh-CN"/>
+          </a:p>
+          <a:p>
+            <a:pPr lvl="1"/>
+            <a:r>
+              <a:rPr lang="en-US" altLang="zh-CN"/>
+              <a:t>sudo xcode-select -switch /Aplications/Xcode.app/Contents/Developer</a:t>
             </a:r>
             <a:endParaRPr lang="en-US" altLang="zh-CN"/>
           </a:p>
@@ -4856,6 +4872,88 @@
       <p:grpSpPr/>
       <p:sp>
         <p:nvSpPr>
+          <p:cNvPr id="2" name="标题 1"/>
+          <p:cNvSpPr>
+            <a:spLocks noGrp="1"/>
+          </p:cNvSpPr>
+          <p:nvPr>
+            <p:ph type="title"/>
+          </p:nvPr>
+        </p:nvSpPr>
+        <p:spPr/>
+        <p:txBody>
+          <a:bodyPr/>
+          <a:p>
+            <a:r>
+              <a:rPr lang="en-US" altLang="zh-CN"/>
+              <a:t>Access Github</a:t>
+            </a:r>
+            <a:endParaRPr lang="en-US" altLang="zh-CN"/>
+          </a:p>
+        </p:txBody>
+      </p:sp>
+      <p:sp>
+        <p:nvSpPr>
+          <p:cNvPr id="3" name="内容占位符 2"/>
+          <p:cNvSpPr>
+            <a:spLocks noGrp="1"/>
+          </p:cNvSpPr>
+          <p:nvPr>
+            <p:ph idx="1"/>
+          </p:nvPr>
+        </p:nvSpPr>
+        <p:spPr/>
+        <p:txBody>
+          <a:bodyPr/>
+          <a:p>
+            <a:pPr lvl="0"/>
+            <a:r>
+              <a:rPr lang="en-US" altLang="zh-CN"/>
+              <a:t>Steps</a:t>
+            </a:r>
+            <a:endParaRPr lang="en-US" altLang="zh-CN"/>
+          </a:p>
+          <a:p>
+            <a:pPr lvl="1"/>
+            <a:r>
+              <a:rPr lang="en-US" altLang="zh-CN"/>
+              <a:t>http://ping.chinaz.com/ query github.com, to get fast-response ip</a:t>
+            </a:r>
+            <a:endParaRPr lang="en-US" altLang="zh-CN"/>
+          </a:p>
+          <a:p>
+            <a:pPr lvl="1"/>
+            <a:r>
+              <a:rPr lang="en-US" altLang="zh-CN"/>
+              <a:t>modify /etc/hosts, add ip/url pair</a:t>
+            </a:r>
+            <a:endParaRPr lang="en-US" altLang="zh-CN"/>
+          </a:p>
+        </p:txBody>
+      </p:sp>
+    </p:spTree>
+    <p:custDataLst>
+      <p:tags r:id="rId1"/>
+    </p:custDataLst>
+  </p:cSld>
+  <p:clrMapOvr>
+    <a:masterClrMapping/>
+  </p:clrMapOvr>
+</p:sld>
+</file>
+
+<file path=ppt/slides/slide19.xml><?xml version="1.0" encoding="utf-8"?>
+<p:sld xmlns:a="http://schemas.openxmlformats.org/drawingml/2006/main" xmlns:r="http://schemas.openxmlformats.org/officeDocument/2006/relationships" xmlns:p="http://schemas.openxmlformats.org/presentationml/2006/main">
+  <p:cSld>
+    <p:spTree>
+      <p:nvGrpSpPr>
+        <p:cNvPr id="1" name=""/>
+        <p:cNvGrpSpPr/>
+        <p:nvPr/>
+      </p:nvGrpSpPr>
+      <p:grpSpPr/>
+      <p:sp>
+        <p:nvSpPr>
           <p:cNvPr id="4" name="标题 3"/>
           <p:cNvSpPr>
             <a:spLocks noGrp="1"/>
@@ -4905,7 +5003,68 @@
 </p:sld>
 </file>
 
-<file path=ppt/slides/slide19.xml><?xml version="1.0" encoding="utf-8"?>
+<file path=ppt/slides/slide2.xml><?xml version="1.0" encoding="utf-8"?>
+<p:sld xmlns:a="http://schemas.openxmlformats.org/drawingml/2006/main" xmlns:r="http://schemas.openxmlformats.org/officeDocument/2006/relationships" xmlns:p="http://schemas.openxmlformats.org/presentationml/2006/main">
+  <p:cSld>
+    <p:spTree>
+      <p:nvGrpSpPr>
+        <p:cNvPr id="1" name=""/>
+        <p:cNvGrpSpPr/>
+        <p:nvPr/>
+      </p:nvGrpSpPr>
+      <p:grpSpPr/>
+      <p:sp>
+        <p:nvSpPr>
+          <p:cNvPr id="4" name="标题 3"/>
+          <p:cNvSpPr>
+            <a:spLocks noGrp="1"/>
+          </p:cNvSpPr>
+          <p:nvPr>
+            <p:ph type="title"/>
+          </p:nvPr>
+        </p:nvSpPr>
+        <p:spPr/>
+        <p:txBody>
+          <a:bodyPr/>
+          <a:p>
+            <a:r>
+              <a:rPr lang="en-US" altLang="zh-CN"/>
+              <a:t>iOS Development</a:t>
+            </a:r>
+            <a:endParaRPr lang="en-US" altLang="zh-CN"/>
+          </a:p>
+        </p:txBody>
+      </p:sp>
+      <p:sp>
+        <p:nvSpPr>
+          <p:cNvPr id="5" name="文本占位符 4"/>
+          <p:cNvSpPr>
+            <a:spLocks noGrp="1"/>
+          </p:cNvSpPr>
+          <p:nvPr>
+            <p:ph type="body" idx="1"/>
+          </p:nvPr>
+        </p:nvSpPr>
+        <p:spPr/>
+        <p:txBody>
+          <a:bodyPr/>
+          <a:p>
+            <a:endParaRPr lang="zh-CN" altLang="en-US"/>
+          </a:p>
+        </p:txBody>
+      </p:sp>
+    </p:spTree>
+    <p:custDataLst>
+      <p:tags r:id="rId1"/>
+    </p:custDataLst>
+  </p:cSld>
+  <p:clrMapOvr>
+    <a:masterClrMapping/>
+  </p:clrMapOvr>
+</p:sld>
+</file>
+
+<file path=ppt/slides/slide20.xml><?xml version="1.0" encoding="utf-8"?>
 <p:sld xmlns:a="http://schemas.openxmlformats.org/drawingml/2006/main" xmlns:r="http://schemas.openxmlformats.org/officeDocument/2006/relationships" xmlns:p="http://schemas.openxmlformats.org/presentationml/2006/main">
   <p:cSld>
     <p:spTree>
@@ -4981,8 +5140,8 @@
                 <a:gs pos="100000">
                   <a:schemeClr val="accent4">
                     <a:hueOff val="-903206"/>
-                    <a:satOff val="-17111"/>
-                    <a:lumOff val="-2076"/>
+                    <a:satOff val="-17110"/>
+                    <a:lumOff val="-2075"/>
                   </a:schemeClr>
                 </a:gs>
               </a:gsLst>
@@ -5624,8 +5783,8 @@
                 <a:gs pos="100000">
                   <a:schemeClr val="accent4">
                     <a:hueOff val="-903206"/>
-                    <a:satOff val="-17111"/>
-                    <a:lumOff val="-2076"/>
+                    <a:satOff val="-17110"/>
+                    <a:lumOff val="-2075"/>
                   </a:schemeClr>
                 </a:gs>
               </a:gsLst>
@@ -7321,8 +7480,8 @@
                 <a:gs pos="100000">
                   <a:schemeClr val="accent4">
                     <a:hueOff val="-903206"/>
-                    <a:satOff val="-17111"/>
-                    <a:lumOff val="-2076"/>
+                    <a:satOff val="-17110"/>
+                    <a:lumOff val="-2075"/>
                   </a:schemeClr>
                 </a:gs>
               </a:gsLst>
@@ -8708,8 +8867,8 @@
                 <a:gs pos="100000">
                   <a:schemeClr val="accent4">
                     <a:hueOff val="-903206"/>
-                    <a:satOff val="-17111"/>
-                    <a:lumOff val="-2076"/>
+                    <a:satOff val="-17110"/>
+                    <a:lumOff val="-2075"/>
                   </a:schemeClr>
                 </a:gs>
               </a:gsLst>
@@ -9436,68 +9595,7 @@
 </p:sld>
 </file>
 
-<file path=ppt/slides/slide2.xml><?xml version="1.0" encoding="utf-8"?>
-<p:sld xmlns:a="http://schemas.openxmlformats.org/drawingml/2006/main" xmlns:r="http://schemas.openxmlformats.org/officeDocument/2006/relationships" xmlns:p="http://schemas.openxmlformats.org/presentationml/2006/main">
-  <p:cSld>
-    <p:spTree>
-      <p:nvGrpSpPr>
-        <p:cNvPr id="1" name=""/>
-        <p:cNvGrpSpPr/>
-        <p:nvPr/>
-      </p:nvGrpSpPr>
-      <p:grpSpPr/>
-      <p:sp>
-        <p:nvSpPr>
-          <p:cNvPr id="4" name="标题 3"/>
-          <p:cNvSpPr>
-            <a:spLocks noGrp="1"/>
-          </p:cNvSpPr>
-          <p:nvPr>
-            <p:ph type="title"/>
-          </p:nvPr>
-        </p:nvSpPr>
-        <p:spPr/>
-        <p:txBody>
-          <a:bodyPr/>
-          <a:p>
-            <a:r>
-              <a:rPr lang="en-US" altLang="zh-CN"/>
-              <a:t>iOS Development</a:t>
-            </a:r>
-            <a:endParaRPr lang="en-US" altLang="zh-CN"/>
-          </a:p>
-        </p:txBody>
-      </p:sp>
-      <p:sp>
-        <p:nvSpPr>
-          <p:cNvPr id="5" name="文本占位符 4"/>
-          <p:cNvSpPr>
-            <a:spLocks noGrp="1"/>
-          </p:cNvSpPr>
-          <p:nvPr>
-            <p:ph type="body" idx="1"/>
-          </p:nvPr>
-        </p:nvSpPr>
-        <p:spPr/>
-        <p:txBody>
-          <a:bodyPr/>
-          <a:p>
-            <a:endParaRPr lang="zh-CN" altLang="en-US"/>
-          </a:p>
-        </p:txBody>
-      </p:sp>
-    </p:spTree>
-    <p:custDataLst>
-      <p:tags r:id="rId1"/>
-    </p:custDataLst>
-  </p:cSld>
-  <p:clrMapOvr>
-    <a:masterClrMapping/>
-  </p:clrMapOvr>
-</p:sld>
-</file>
-
-<file path=ppt/slides/slide20.xml><?xml version="1.0" encoding="utf-8"?>
+<file path=ppt/slides/slide21.xml><?xml version="1.0" encoding="utf-8"?>
 <p:sld xmlns:a="http://schemas.openxmlformats.org/drawingml/2006/main" xmlns:r="http://schemas.openxmlformats.org/officeDocument/2006/relationships" xmlns:p="http://schemas.openxmlformats.org/presentationml/2006/main">
   <p:cSld>
     <p:spTree>
@@ -9573,8 +9671,8 @@
                 <a:gs pos="100000">
                   <a:schemeClr val="accent4">
                     <a:hueOff val="-903206"/>
-                    <a:satOff val="-17111"/>
-                    <a:lumOff val="-2076"/>
+                    <a:satOff val="-17110"/>
+                    <a:lumOff val="-2075"/>
                   </a:schemeClr>
                 </a:gs>
               </a:gsLst>
@@ -10199,7 +10297,7 @@
 </p:sld>
 </file>
 
-<file path=ppt/slides/slide21.xml><?xml version="1.0" encoding="utf-8"?>
+<file path=ppt/slides/slide22.xml><?xml version="1.0" encoding="utf-8"?>
 <p:sld xmlns:a="http://schemas.openxmlformats.org/drawingml/2006/main" xmlns:r="http://schemas.openxmlformats.org/officeDocument/2006/relationships" xmlns:p="http://schemas.openxmlformats.org/presentationml/2006/main">
   <p:cSld>
     <p:spTree>
@@ -10275,8 +10373,8 @@
                 <a:gs pos="100000">
                   <a:schemeClr val="accent4">
                     <a:hueOff val="-903206"/>
-                    <a:satOff val="-17111"/>
-                    <a:lumOff val="-2076"/>
+                    <a:satOff val="-17110"/>
+                    <a:lumOff val="-2075"/>
                   </a:schemeClr>
                 </a:gs>
               </a:gsLst>
@@ -11042,8 +11140,8 @@
                 <a:gs pos="100000">
                   <a:schemeClr val="accent4">
                     <a:hueOff val="-903206"/>
-                    <a:satOff val="-17111"/>
-                    <a:lumOff val="-2076"/>
+                    <a:satOff val="-17110"/>
+                    <a:lumOff val="-2075"/>
                   </a:schemeClr>
                 </a:gs>
               </a:gsLst>
@@ -11375,8 +11473,8 @@
                 <a:gs pos="100000">
                   <a:schemeClr val="accent4">
                     <a:hueOff val="-903206"/>
-                    <a:satOff val="-17111"/>
-                    <a:lumOff val="-2076"/>
+                    <a:satOff val="-17110"/>
+                    <a:lumOff val="-2075"/>
                   </a:schemeClr>
                 </a:gs>
               </a:gsLst>
@@ -11691,7 +11789,7 @@
 </p:sld>
 </file>
 
-<file path=ppt/slides/slide22.xml><?xml version="1.0" encoding="utf-8"?>
+<file path=ppt/slides/slide23.xml><?xml version="1.0" encoding="utf-8"?>
 <p:sld xmlns:a="http://schemas.openxmlformats.org/drawingml/2006/main" xmlns:r="http://schemas.openxmlformats.org/officeDocument/2006/relationships" xmlns:p="http://schemas.openxmlformats.org/presentationml/2006/main">
   <p:cSld>
     <p:spTree>
@@ -11753,8 +11851,8 @@
               <a:gs pos="100000">
                 <a:schemeClr val="accent4">
                   <a:hueOff val="-903206"/>
-                  <a:satOff val="-17111"/>
-                  <a:lumOff val="-2076"/>
+                  <a:satOff val="-17110"/>
+                  <a:lumOff val="-2075"/>
                 </a:schemeClr>
               </a:gs>
             </a:gsLst>
@@ -14142,6 +14240,7 @@
 
 <file path=ppt/tags/tag22.xml><?xml version="1.0" encoding="utf-8"?>
 <p:tagLst xmlns:p="http://schemas.openxmlformats.org/presentationml/2006/main">
+  <p:tag name="KSO_WM_BEAUTIFY_FLAG" val="#wm#"/>
   <p:tag name="KSO_WM_TEMPLATE_CATEGORY" val="custom"/>
   <p:tag name="KSO_WM_TEMPLATE_INDEX" val="160402"/>
 </p:tagLst>
@@ -14165,6 +14264,19 @@
 <p:tagLst xmlns:p="http://schemas.openxmlformats.org/presentationml/2006/main">
   <p:tag name="KSO_WM_TEMPLATE_CATEGORY" val="custom"/>
   <p:tag name="KSO_WM_TEMPLATE_INDEX" val="160402"/>
+</p:tagLst>
+</file>
+
+<file path=ppt/tags/tag26.xml><?xml version="1.0" encoding="utf-8"?>
+<p:tagLst xmlns:p="http://schemas.openxmlformats.org/presentationml/2006/main">
+  <p:tag name="KSO_WM_TEMPLATE_CATEGORY" val="custom"/>
+  <p:tag name="KSO_WM_TEMPLATE_INDEX" val="160402"/>
+</p:tagLst>
+</file>
+
+<file path=ppt/tags/tag27.xml><?xml version="1.0" encoding="utf-8"?>
+<p:tagLst xmlns:p="http://schemas.openxmlformats.org/presentationml/2006/main">
+  <p:tag name="commondata" val="eyJoZGlkIjoiYjRhZjQ5NWVmZmQxNmM3NmNkNDYxNWRmNzNmMjA1ZDAifQ=="/>
 </p:tagLst>
 </file>
 
